--- a/thesisDefense.pptx
+++ b/thesisDefense.pptx
@@ -5,10 +5,10 @@
     <p:sldMasterId id="2147483886" r:id="rId1"/>
   </p:sldMasterIdLst>
   <p:notesMasterIdLst>
-    <p:notesMasterId r:id="rId13"/>
+    <p:notesMasterId r:id="rId18"/>
   </p:notesMasterIdLst>
   <p:handoutMasterIdLst>
-    <p:handoutMasterId r:id="rId14"/>
+    <p:handoutMasterId r:id="rId19"/>
   </p:handoutMasterIdLst>
   <p:sldIdLst>
     <p:sldId id="299" r:id="rId2"/>
@@ -20,8 +20,13 @@
     <p:sldId id="307" r:id="rId8"/>
     <p:sldId id="309" r:id="rId9"/>
     <p:sldId id="308" r:id="rId10"/>
-    <p:sldId id="302" r:id="rId11"/>
-    <p:sldId id="303" r:id="rId12"/>
+    <p:sldId id="310" r:id="rId11"/>
+    <p:sldId id="313" r:id="rId12"/>
+    <p:sldId id="314" r:id="rId13"/>
+    <p:sldId id="315" r:id="rId14"/>
+    <p:sldId id="317" r:id="rId15"/>
+    <p:sldId id="302" r:id="rId16"/>
+    <p:sldId id="303" r:id="rId17"/>
   </p:sldIdLst>
   <p:sldSz cx="9144000" cy="6858000" type="screen4x3"/>
   <p:notesSz cx="6858000" cy="9144000"/>
@@ -164,6 +169,11 @@
             <p14:sldId id="307"/>
             <p14:sldId id="309"/>
             <p14:sldId id="308"/>
+            <p14:sldId id="310"/>
+            <p14:sldId id="313"/>
+            <p14:sldId id="314"/>
+            <p14:sldId id="315"/>
+            <p14:sldId id="317"/>
             <p14:sldId id="302"/>
             <p14:sldId id="303"/>
           </p14:sldIdLst>
@@ -295,7 +305,7 @@
               <a:pPr>
                 <a:defRPr/>
               </a:pPr>
-              <a:t>7/8/2024</a:t>
+              <a:t>7/9/2024</a:t>
             </a:fld>
             <a:endParaRPr lang="en-US"/>
           </a:p>
@@ -509,7 +519,7 @@
               <a:pPr>
                 <a:defRPr/>
               </a:pPr>
-              <a:t>7/8/2024</a:t>
+              <a:t>7/9/2024</a:t>
             </a:fld>
             <a:endParaRPr lang="en-US"/>
           </a:p>
@@ -1094,6 +1104,303 @@
 </p:notes>
 </file>
 
+<file path=ppt/notesSlides/notesSlide10.xml><?xml version="1.0" encoding="utf-8"?>
+<p:notes xmlns:a="http://schemas.openxmlformats.org/drawingml/2006/main" xmlns:r="http://schemas.openxmlformats.org/officeDocument/2006/relationships" xmlns:p="http://schemas.openxmlformats.org/presentationml/2006/main">
+  <p:cSld>
+    <p:spTree>
+      <p:nvGrpSpPr>
+        <p:cNvPr id="1" name=""/>
+        <p:cNvGrpSpPr/>
+        <p:nvPr/>
+      </p:nvGrpSpPr>
+      <p:grpSpPr>
+        <a:xfrm>
+          <a:off x="0" y="0"/>
+          <a:ext cx="0" cy="0"/>
+          <a:chOff x="0" y="0"/>
+          <a:chExt cx="0" cy="0"/>
+        </a:xfrm>
+      </p:grpSpPr>
+      <p:sp>
+        <p:nvSpPr>
+          <p:cNvPr id="2" name="Slide Image Placeholder 1"/>
+          <p:cNvSpPr>
+            <a:spLocks noGrp="1" noRot="1" noChangeAspect="1"/>
+          </p:cNvSpPr>
+          <p:nvPr>
+            <p:ph type="sldImg"/>
+          </p:nvPr>
+        </p:nvSpPr>
+        <p:spPr/>
+      </p:sp>
+      <p:sp>
+        <p:nvSpPr>
+          <p:cNvPr id="3" name="Notes Placeholder 2"/>
+          <p:cNvSpPr>
+            <a:spLocks noGrp="1"/>
+          </p:cNvSpPr>
+          <p:nvPr>
+            <p:ph type="body" idx="1"/>
+          </p:nvPr>
+        </p:nvSpPr>
+        <p:spPr/>
+        <p:txBody>
+          <a:bodyPr/>
+          <a:lstStyle/>
+          <a:p>
+            <a:r>
+              <a:rPr lang="tr-TR" dirty="0"/>
+              <a:t>-Euclidian distance RMS is important to understand the overall performance of the approximation. The lower the better. However, RMS error alone may be deceiving since the error may peak at some point and RMS, by its nature would conceal this peak. Therefore maximum error is also inspected to not overlook a peak error.</a:t>
+            </a:r>
+          </a:p>
+          <a:p>
+            <a:r>
+              <a:rPr lang="tr-TR" dirty="0"/>
+              <a:t>-Euclidian maximum error is set to 15 cms in this work. Over the segment the maximum of the Euclidian distance is computed.</a:t>
+            </a:r>
+          </a:p>
+          <a:p>
+            <a:r>
+              <a:rPr lang="tr-TR" dirty="0"/>
+              <a:t>-Number of segments is also a performance metric since it directly affects the amount of memory used to represent the road.</a:t>
+            </a:r>
+          </a:p>
+        </p:txBody>
+      </p:sp>
+      <p:sp>
+        <p:nvSpPr>
+          <p:cNvPr id="4" name="Slide Number Placeholder 3"/>
+          <p:cNvSpPr>
+            <a:spLocks noGrp="1"/>
+          </p:cNvSpPr>
+          <p:nvPr>
+            <p:ph type="sldNum" sz="quarter" idx="5"/>
+          </p:nvPr>
+        </p:nvSpPr>
+        <p:spPr/>
+        <p:txBody>
+          <a:bodyPr/>
+          <a:lstStyle/>
+          <a:p>
+            <a:pPr>
+              <a:defRPr/>
+            </a:pPr>
+            <a:fld id="{303AAD37-8495-4358-975D-7F228E51A688}" type="slidenum">
+              <a:rPr lang="en-US" smtClean="0"/>
+              <a:pPr>
+                <a:defRPr/>
+              </a:pPr>
+              <a:t>12</a:t>
+            </a:fld>
+            <a:endParaRPr lang="en-US"/>
+          </a:p>
+        </p:txBody>
+      </p:sp>
+    </p:spTree>
+    <p:extLst>
+      <p:ext uri="{BB962C8B-B14F-4D97-AF65-F5344CB8AC3E}">
+        <p14:creationId xmlns:p14="http://schemas.microsoft.com/office/powerpoint/2010/main" val="2870349016"/>
+      </p:ext>
+    </p:extLst>
+  </p:cSld>
+  <p:clrMapOvr>
+    <a:masterClrMapping/>
+  </p:clrMapOvr>
+</p:notes>
+</file>
+
+<file path=ppt/notesSlides/notesSlide11.xml><?xml version="1.0" encoding="utf-8"?>
+<p:notes xmlns:a="http://schemas.openxmlformats.org/drawingml/2006/main" xmlns:r="http://schemas.openxmlformats.org/officeDocument/2006/relationships" xmlns:p="http://schemas.openxmlformats.org/presentationml/2006/main">
+  <p:cSld>
+    <p:spTree>
+      <p:nvGrpSpPr>
+        <p:cNvPr id="1" name=""/>
+        <p:cNvGrpSpPr/>
+        <p:nvPr/>
+      </p:nvGrpSpPr>
+      <p:grpSpPr>
+        <a:xfrm>
+          <a:off x="0" y="0"/>
+          <a:ext cx="0" cy="0"/>
+          <a:chOff x="0" y="0"/>
+          <a:chExt cx="0" cy="0"/>
+        </a:xfrm>
+      </p:grpSpPr>
+      <p:sp>
+        <p:nvSpPr>
+          <p:cNvPr id="2" name="Slide Image Placeholder 1"/>
+          <p:cNvSpPr>
+            <a:spLocks noGrp="1" noRot="1" noChangeAspect="1"/>
+          </p:cNvSpPr>
+          <p:nvPr>
+            <p:ph type="sldImg"/>
+          </p:nvPr>
+        </p:nvSpPr>
+        <p:spPr/>
+      </p:sp>
+      <p:sp>
+        <p:nvSpPr>
+          <p:cNvPr id="3" name="Notes Placeholder 2"/>
+          <p:cNvSpPr>
+            <a:spLocks noGrp="1"/>
+          </p:cNvSpPr>
+          <p:nvPr>
+            <p:ph type="body" idx="1"/>
+          </p:nvPr>
+        </p:nvSpPr>
+        <p:spPr/>
+        <p:txBody>
+          <a:bodyPr/>
+          <a:lstStyle/>
+          <a:p>
+            <a:r>
+              <a:rPr lang="tr-TR" dirty="0"/>
+              <a:t>-Road is represented with 0.1 maximum RMS error.</a:t>
+            </a:r>
+          </a:p>
+          <a:p>
+            <a:r>
+              <a:rPr lang="tr-TR" dirty="0"/>
+              <a:t>-There is low correlation between curvature and RMS error</a:t>
+            </a:r>
+          </a:p>
+        </p:txBody>
+      </p:sp>
+      <p:sp>
+        <p:nvSpPr>
+          <p:cNvPr id="4" name="Slide Number Placeholder 3"/>
+          <p:cNvSpPr>
+            <a:spLocks noGrp="1"/>
+          </p:cNvSpPr>
+          <p:nvPr>
+            <p:ph type="sldNum" sz="quarter" idx="5"/>
+          </p:nvPr>
+        </p:nvSpPr>
+        <p:spPr/>
+        <p:txBody>
+          <a:bodyPr/>
+          <a:lstStyle/>
+          <a:p>
+            <a:pPr>
+              <a:defRPr/>
+            </a:pPr>
+            <a:fld id="{303AAD37-8495-4358-975D-7F228E51A688}" type="slidenum">
+              <a:rPr lang="en-US" smtClean="0"/>
+              <a:pPr>
+                <a:defRPr/>
+              </a:pPr>
+              <a:t>13</a:t>
+            </a:fld>
+            <a:endParaRPr lang="en-US"/>
+          </a:p>
+        </p:txBody>
+      </p:sp>
+    </p:spTree>
+    <p:extLst>
+      <p:ext uri="{BB962C8B-B14F-4D97-AF65-F5344CB8AC3E}">
+        <p14:creationId xmlns:p14="http://schemas.microsoft.com/office/powerpoint/2010/main" val="2381692767"/>
+      </p:ext>
+    </p:extLst>
+  </p:cSld>
+  <p:clrMapOvr>
+    <a:masterClrMapping/>
+  </p:clrMapOvr>
+</p:notes>
+</file>
+
+<file path=ppt/notesSlides/notesSlide12.xml><?xml version="1.0" encoding="utf-8"?>
+<p:notes xmlns:a="http://schemas.openxmlformats.org/drawingml/2006/main" xmlns:r="http://schemas.openxmlformats.org/officeDocument/2006/relationships" xmlns:p="http://schemas.openxmlformats.org/presentationml/2006/main">
+  <p:cSld>
+    <p:spTree>
+      <p:nvGrpSpPr>
+        <p:cNvPr id="1" name=""/>
+        <p:cNvGrpSpPr/>
+        <p:nvPr/>
+      </p:nvGrpSpPr>
+      <p:grpSpPr>
+        <a:xfrm>
+          <a:off x="0" y="0"/>
+          <a:ext cx="0" cy="0"/>
+          <a:chOff x="0" y="0"/>
+          <a:chExt cx="0" cy="0"/>
+        </a:xfrm>
+      </p:grpSpPr>
+      <p:sp>
+        <p:nvSpPr>
+          <p:cNvPr id="2" name="Slide Image Placeholder 1"/>
+          <p:cNvSpPr>
+            <a:spLocks noGrp="1" noRot="1" noChangeAspect="1"/>
+          </p:cNvSpPr>
+          <p:nvPr>
+            <p:ph type="sldImg"/>
+          </p:nvPr>
+        </p:nvSpPr>
+        <p:spPr/>
+      </p:sp>
+      <p:sp>
+        <p:nvSpPr>
+          <p:cNvPr id="3" name="Notes Placeholder 2"/>
+          <p:cNvSpPr>
+            <a:spLocks noGrp="1"/>
+          </p:cNvSpPr>
+          <p:nvPr>
+            <p:ph type="body" idx="1"/>
+          </p:nvPr>
+        </p:nvSpPr>
+        <p:spPr/>
+        <p:txBody>
+          <a:bodyPr/>
+          <a:lstStyle/>
+          <a:p>
+            <a:r>
+              <a:rPr lang="tr-TR" dirty="0"/>
+              <a:t>-Road is represented with 0.15m maximum allowed Maximum error.</a:t>
+            </a:r>
+          </a:p>
+        </p:txBody>
+      </p:sp>
+      <p:sp>
+        <p:nvSpPr>
+          <p:cNvPr id="4" name="Slide Number Placeholder 3"/>
+          <p:cNvSpPr>
+            <a:spLocks noGrp="1"/>
+          </p:cNvSpPr>
+          <p:nvPr>
+            <p:ph type="sldNum" sz="quarter" idx="5"/>
+          </p:nvPr>
+        </p:nvSpPr>
+        <p:spPr/>
+        <p:txBody>
+          <a:bodyPr/>
+          <a:lstStyle/>
+          <a:p>
+            <a:pPr>
+              <a:defRPr/>
+            </a:pPr>
+            <a:fld id="{303AAD37-8495-4358-975D-7F228E51A688}" type="slidenum">
+              <a:rPr lang="en-US" smtClean="0"/>
+              <a:pPr>
+                <a:defRPr/>
+              </a:pPr>
+              <a:t>14</a:t>
+            </a:fld>
+            <a:endParaRPr lang="en-US"/>
+          </a:p>
+        </p:txBody>
+      </p:sp>
+    </p:spTree>
+    <p:extLst>
+      <p:ext uri="{BB962C8B-B14F-4D97-AF65-F5344CB8AC3E}">
+        <p14:creationId xmlns:p14="http://schemas.microsoft.com/office/powerpoint/2010/main" val="697693621"/>
+      </p:ext>
+    </p:extLst>
+  </p:cSld>
+  <p:clrMapOvr>
+    <a:masterClrMapping/>
+  </p:clrMapOvr>
+</p:notes>
+</file>
+
 <file path=ppt/notesSlides/notesSlide2.xml><?xml version="1.0" encoding="utf-8"?>
 <p:notes xmlns:a="http://schemas.openxmlformats.org/drawingml/2006/main" xmlns:r="http://schemas.openxmlformats.org/officeDocument/2006/relationships" xmlns:p="http://schemas.openxmlformats.org/presentationml/2006/main">
   <p:cSld>
@@ -1738,6 +2045,224 @@
     <p:extLst>
       <p:ext uri="{BB962C8B-B14F-4D97-AF65-F5344CB8AC3E}">
         <p14:creationId xmlns:p14="http://schemas.microsoft.com/office/powerpoint/2010/main" val="853401693"/>
+      </p:ext>
+    </p:extLst>
+  </p:cSld>
+  <p:clrMapOvr>
+    <a:masterClrMapping/>
+  </p:clrMapOvr>
+</p:notes>
+</file>
+
+<file path=ppt/notesSlides/notesSlide8.xml><?xml version="1.0" encoding="utf-8"?>
+<p:notes xmlns:a="http://schemas.openxmlformats.org/drawingml/2006/main" xmlns:r="http://schemas.openxmlformats.org/officeDocument/2006/relationships" xmlns:p="http://schemas.openxmlformats.org/presentationml/2006/main">
+  <p:cSld>
+    <p:spTree>
+      <p:nvGrpSpPr>
+        <p:cNvPr id="1" name=""/>
+        <p:cNvGrpSpPr/>
+        <p:nvPr/>
+      </p:nvGrpSpPr>
+      <p:grpSpPr>
+        <a:xfrm>
+          <a:off x="0" y="0"/>
+          <a:ext cx="0" cy="0"/>
+          <a:chOff x="0" y="0"/>
+          <a:chExt cx="0" cy="0"/>
+        </a:xfrm>
+      </p:grpSpPr>
+      <p:sp>
+        <p:nvSpPr>
+          <p:cNvPr id="2" name="Slide Image Placeholder 1"/>
+          <p:cNvSpPr>
+            <a:spLocks noGrp="1" noRot="1" noChangeAspect="1"/>
+          </p:cNvSpPr>
+          <p:nvPr>
+            <p:ph type="sldImg"/>
+          </p:nvPr>
+        </p:nvSpPr>
+        <p:spPr/>
+      </p:sp>
+      <p:sp>
+        <p:nvSpPr>
+          <p:cNvPr id="3" name="Notes Placeholder 2"/>
+          <p:cNvSpPr>
+            <a:spLocks noGrp="1"/>
+          </p:cNvSpPr>
+          <p:nvPr>
+            <p:ph type="body" idx="1"/>
+          </p:nvPr>
+        </p:nvSpPr>
+        <p:spPr/>
+        <p:txBody>
+          <a:bodyPr/>
+          <a:lstStyle/>
+          <a:p>
+            <a:r>
+              <a:rPr lang="tr-TR" dirty="0"/>
+              <a:t>-Roads are known to be designed using clothoid curves. This method helps us have a ground truth between waypoints.</a:t>
+            </a:r>
+          </a:p>
+          <a:p>
+            <a:r>
+              <a:rPr lang="tr-TR" dirty="0"/>
+              <a:t>We can use this ground truth to measure our approximation result.</a:t>
+            </a:r>
+          </a:p>
+          <a:p>
+            <a:r>
+              <a:rPr lang="tr-TR" dirty="0"/>
+              <a:t>-Single nonlinear function to solve makes the algorithm fast and easy to use.</a:t>
+            </a:r>
+          </a:p>
+          <a:p>
+            <a:r>
+              <a:rPr lang="tr-TR" dirty="0"/>
+              <a:t>-G1 continuous means that the tangent is continuous. G1 continuity is generally harder to achieve than G0 continuity.</a:t>
+            </a:r>
+          </a:p>
+          <a:p>
+            <a:r>
+              <a:rPr lang="tr-TR" dirty="0"/>
+              <a:t>-Since the algorithm outputs G1 continuous it is considered to be highly accurate for autonomous vehicle applications.</a:t>
+            </a:r>
+            <a:endParaRPr lang="en-GB" dirty="0"/>
+          </a:p>
+        </p:txBody>
+      </p:sp>
+      <p:sp>
+        <p:nvSpPr>
+          <p:cNvPr id="4" name="Slide Number Placeholder 3"/>
+          <p:cNvSpPr>
+            <a:spLocks noGrp="1"/>
+          </p:cNvSpPr>
+          <p:nvPr>
+            <p:ph type="sldNum" sz="quarter" idx="5"/>
+          </p:nvPr>
+        </p:nvSpPr>
+        <p:spPr/>
+        <p:txBody>
+          <a:bodyPr/>
+          <a:lstStyle/>
+          <a:p>
+            <a:pPr>
+              <a:defRPr/>
+            </a:pPr>
+            <a:fld id="{303AAD37-8495-4358-975D-7F228E51A688}" type="slidenum">
+              <a:rPr lang="en-US" smtClean="0"/>
+              <a:pPr>
+                <a:defRPr/>
+              </a:pPr>
+              <a:t>10</a:t>
+            </a:fld>
+            <a:endParaRPr lang="en-US"/>
+          </a:p>
+        </p:txBody>
+      </p:sp>
+    </p:spTree>
+    <p:extLst>
+      <p:ext uri="{BB962C8B-B14F-4D97-AF65-F5344CB8AC3E}">
+        <p14:creationId xmlns:p14="http://schemas.microsoft.com/office/powerpoint/2010/main" val="1364642055"/>
+      </p:ext>
+    </p:extLst>
+  </p:cSld>
+  <p:clrMapOvr>
+    <a:masterClrMapping/>
+  </p:clrMapOvr>
+</p:notes>
+</file>
+
+<file path=ppt/notesSlides/notesSlide9.xml><?xml version="1.0" encoding="utf-8"?>
+<p:notes xmlns:a="http://schemas.openxmlformats.org/drawingml/2006/main" xmlns:r="http://schemas.openxmlformats.org/officeDocument/2006/relationships" xmlns:p="http://schemas.openxmlformats.org/presentationml/2006/main">
+  <p:cSld>
+    <p:spTree>
+      <p:nvGrpSpPr>
+        <p:cNvPr id="1" name=""/>
+        <p:cNvGrpSpPr/>
+        <p:nvPr/>
+      </p:nvGrpSpPr>
+      <p:grpSpPr>
+        <a:xfrm>
+          <a:off x="0" y="0"/>
+          <a:ext cx="0" cy="0"/>
+          <a:chOff x="0" y="0"/>
+          <a:chExt cx="0" cy="0"/>
+        </a:xfrm>
+      </p:grpSpPr>
+      <p:sp>
+        <p:nvSpPr>
+          <p:cNvPr id="2" name="Slide Image Placeholder 1"/>
+          <p:cNvSpPr>
+            <a:spLocks noGrp="1" noRot="1" noChangeAspect="1"/>
+          </p:cNvSpPr>
+          <p:nvPr>
+            <p:ph type="sldImg"/>
+          </p:nvPr>
+        </p:nvSpPr>
+        <p:spPr/>
+      </p:sp>
+      <p:sp>
+        <p:nvSpPr>
+          <p:cNvPr id="3" name="Notes Placeholder 2"/>
+          <p:cNvSpPr>
+            <a:spLocks noGrp="1"/>
+          </p:cNvSpPr>
+          <p:nvPr>
+            <p:ph type="body" idx="1"/>
+          </p:nvPr>
+        </p:nvSpPr>
+        <p:spPr/>
+        <p:txBody>
+          <a:bodyPr/>
+          <a:lstStyle/>
+          <a:p>
+            <a:r>
+              <a:rPr lang="tr-TR" dirty="0"/>
+              <a:t>-Line segments are translated perpendicular to the direction of motion. To do the lane information of the current road segment should be known. For example if the information at hand is known to be left lane, the line segment should be translated to the right hand side of the heading.</a:t>
+            </a:r>
+          </a:p>
+          <a:p>
+            <a:r>
+              <a:rPr lang="tr-TR" dirty="0"/>
+              <a:t>-Arc segments have curvature and it is equivalent to turning radius for roads. Parallel shifting corresponds to changing the turning radius of an arc. Similarly if the road is known to be the left lane and if the road segment is turning left, the turning radius should be increased with lane width amount.</a:t>
+            </a:r>
+            <a:endParaRPr lang="en-GB" dirty="0"/>
+          </a:p>
+        </p:txBody>
+      </p:sp>
+      <p:sp>
+        <p:nvSpPr>
+          <p:cNvPr id="4" name="Slide Number Placeholder 3"/>
+          <p:cNvSpPr>
+            <a:spLocks noGrp="1"/>
+          </p:cNvSpPr>
+          <p:nvPr>
+            <p:ph type="sldNum" sz="quarter" idx="5"/>
+          </p:nvPr>
+        </p:nvSpPr>
+        <p:spPr/>
+        <p:txBody>
+          <a:bodyPr/>
+          <a:lstStyle/>
+          <a:p>
+            <a:pPr>
+              <a:defRPr/>
+            </a:pPr>
+            <a:fld id="{303AAD37-8495-4358-975D-7F228E51A688}" type="slidenum">
+              <a:rPr lang="en-US" smtClean="0"/>
+              <a:pPr>
+                <a:defRPr/>
+              </a:pPr>
+              <a:t>11</a:t>
+            </a:fld>
+            <a:endParaRPr lang="en-US"/>
+          </a:p>
+        </p:txBody>
+      </p:sp>
+    </p:spTree>
+    <p:extLst>
+      <p:ext uri="{BB962C8B-B14F-4D97-AF65-F5344CB8AC3E}">
+        <p14:creationId xmlns:p14="http://schemas.microsoft.com/office/powerpoint/2010/main" val="2527340372"/>
       </p:ext>
     </p:extLst>
   </p:cSld>
@@ -4990,8 +5515,1147 @@
           <a:p>
             <a:r>
               <a:rPr lang="tr-TR" dirty="0"/>
-              <a:t>Background Information – Clothoid Fitting</a:t>
-            </a:r>
+              <a:t>Combination of Segments</a:t>
+            </a:r>
+          </a:p>
+        </p:txBody>
+      </p:sp>
+      <p:sp>
+        <p:nvSpPr>
+          <p:cNvPr id="3" name="Content Placeholder 2"/>
+          <p:cNvSpPr>
+            <a:spLocks noGrp="1"/>
+          </p:cNvSpPr>
+          <p:nvPr>
+            <p:ph idx="1"/>
+          </p:nvPr>
+        </p:nvSpPr>
+        <p:spPr>
+          <a:xfrm>
+            <a:off x="32657" y="1694090"/>
+            <a:ext cx="4425044" cy="4828948"/>
+          </a:xfrm>
+        </p:spPr>
+        <p:txBody>
+          <a:bodyPr/>
+          <a:lstStyle/>
+          <a:p>
+            <a:endParaRPr lang="tr-TR" dirty="0"/>
+          </a:p>
+          <a:p>
+            <a:endParaRPr lang="tr-TR" dirty="0"/>
+          </a:p>
+          <a:p>
+            <a:pPr>
+              <a:buClr>
+                <a:srgbClr val="FF0000"/>
+              </a:buClr>
+            </a:pPr>
+            <a:endParaRPr lang="tr-TR" dirty="0"/>
+          </a:p>
+          <a:p>
+            <a:pPr>
+              <a:buClr>
+                <a:srgbClr val="FF0000"/>
+              </a:buClr>
+            </a:pPr>
+            <a:endParaRPr lang="tr-TR" dirty="0"/>
+          </a:p>
+          <a:p>
+            <a:pPr marL="342900" indent="-342900">
+              <a:buClr>
+                <a:srgbClr val="FF0000"/>
+              </a:buClr>
+              <a:buFont typeface="Arial" panose="020B0604020202020204" pitchFamily="34" charset="0"/>
+              <a:buChar char="•"/>
+            </a:pPr>
+            <a:r>
+              <a:rPr lang="tr-TR" dirty="0"/>
+              <a:t>Try to fit line segment</a:t>
+            </a:r>
+          </a:p>
+          <a:p>
+            <a:pPr marL="342900" indent="-342900">
+              <a:buClr>
+                <a:srgbClr val="FF0000"/>
+              </a:buClr>
+              <a:buFont typeface="Arial" panose="020B0604020202020204" pitchFamily="34" charset="0"/>
+              <a:buChar char="•"/>
+            </a:pPr>
+            <a:endParaRPr lang="tr-TR" dirty="0"/>
+          </a:p>
+          <a:p>
+            <a:pPr marL="342900" indent="-342900">
+              <a:buClr>
+                <a:srgbClr val="FF0000"/>
+              </a:buClr>
+              <a:buFont typeface="Arial" panose="020B0604020202020204" pitchFamily="34" charset="0"/>
+              <a:buChar char="•"/>
+            </a:pPr>
+            <a:endParaRPr lang="tr-TR" dirty="0"/>
+          </a:p>
+          <a:p>
+            <a:pPr marL="342900" indent="-342900">
+              <a:buClr>
+                <a:srgbClr val="FF0000"/>
+              </a:buClr>
+              <a:buFont typeface="Arial" panose="020B0604020202020204" pitchFamily="34" charset="0"/>
+              <a:buChar char="•"/>
+            </a:pPr>
+            <a:r>
+              <a:rPr lang="tr-TR" dirty="0"/>
+              <a:t>Compute error</a:t>
+            </a:r>
+          </a:p>
+          <a:p>
+            <a:endParaRPr lang="tr-TR" dirty="0"/>
+          </a:p>
+        </p:txBody>
+      </p:sp>
+      <p:sp>
+        <p:nvSpPr>
+          <p:cNvPr id="4" name="Slide Number Placeholder 3"/>
+          <p:cNvSpPr>
+            <a:spLocks noGrp="1"/>
+          </p:cNvSpPr>
+          <p:nvPr>
+            <p:ph type="sldNum" sz="quarter" idx="12"/>
+          </p:nvPr>
+        </p:nvSpPr>
+        <p:spPr/>
+        <p:txBody>
+          <a:bodyPr/>
+          <a:lstStyle/>
+          <a:p>
+            <a:pPr>
+              <a:defRPr/>
+            </a:pPr>
+            <a:fld id="{C878F797-6006-4DDA-AFE9-456F280FE6C5}" type="slidenum">
+              <a:rPr lang="en-US" smtClean="0"/>
+              <a:pPr>
+                <a:defRPr/>
+              </a:pPr>
+              <a:t>10</a:t>
+            </a:fld>
+            <a:endParaRPr lang="en-US" dirty="0"/>
+          </a:p>
+        </p:txBody>
+      </p:sp>
+      <p:sp>
+        <p:nvSpPr>
+          <p:cNvPr id="5" name="Date Placeholder 4"/>
+          <p:cNvSpPr>
+            <a:spLocks noGrp="1"/>
+          </p:cNvSpPr>
+          <p:nvPr>
+            <p:ph type="dt" sz="half" idx="2"/>
+          </p:nvPr>
+        </p:nvSpPr>
+        <p:spPr/>
+        <p:txBody>
+          <a:bodyPr/>
+          <a:lstStyle/>
+          <a:p>
+            <a:pPr>
+              <a:defRPr/>
+            </a:pPr>
+            <a:r>
+              <a:rPr lang="tr-TR"/>
+              <a:t>METU Electrical &amp; Electronics Engineering Department</a:t>
+            </a:r>
+            <a:endParaRPr lang="en-US" dirty="0"/>
+          </a:p>
+        </p:txBody>
+      </p:sp>
+      <p:pic>
+        <p:nvPicPr>
+          <p:cNvPr id="12" name="Picture 11">
+            <a:extLst>
+              <a:ext uri="{FF2B5EF4-FFF2-40B4-BE49-F238E27FC236}">
+                <a16:creationId xmlns:a16="http://schemas.microsoft.com/office/drawing/2014/main" id="{6DEEE2CB-8950-4677-8B6D-BE0538003893}"/>
+              </a:ext>
+            </a:extLst>
+          </p:cNvPr>
+          <p:cNvPicPr>
+            <a:picLocks noChangeAspect="1"/>
+          </p:cNvPicPr>
+          <p:nvPr/>
+        </p:nvPicPr>
+        <p:blipFill>
+          <a:blip r:embed="rId3"/>
+          <a:stretch>
+            <a:fillRect/>
+          </a:stretch>
+        </p:blipFill>
+        <p:spPr>
+          <a:xfrm>
+            <a:off x="5317031" y="1227194"/>
+            <a:ext cx="3369771" cy="2527328"/>
+          </a:xfrm>
+          <a:prstGeom prst="rect">
+            <a:avLst/>
+          </a:prstGeom>
+        </p:spPr>
+      </p:pic>
+      <p:pic>
+        <p:nvPicPr>
+          <p:cNvPr id="13" name="Picture 12">
+            <a:extLst>
+              <a:ext uri="{FF2B5EF4-FFF2-40B4-BE49-F238E27FC236}">
+                <a16:creationId xmlns:a16="http://schemas.microsoft.com/office/drawing/2014/main" id="{A531E257-5715-4589-A79B-A74B1A2ABD0D}"/>
+              </a:ext>
+            </a:extLst>
+          </p:cNvPr>
+          <p:cNvPicPr>
+            <a:picLocks noChangeAspect="1"/>
+          </p:cNvPicPr>
+          <p:nvPr/>
+        </p:nvPicPr>
+        <p:blipFill>
+          <a:blip r:embed="rId4"/>
+          <a:stretch>
+            <a:fillRect/>
+          </a:stretch>
+        </p:blipFill>
+        <p:spPr>
+          <a:xfrm>
+            <a:off x="5317027" y="3754522"/>
+            <a:ext cx="3369771" cy="2527328"/>
+          </a:xfrm>
+          <a:prstGeom prst="rect">
+            <a:avLst/>
+          </a:prstGeom>
+        </p:spPr>
+      </p:pic>
+    </p:spTree>
+    <p:extLst>
+      <p:ext uri="{BB962C8B-B14F-4D97-AF65-F5344CB8AC3E}">
+        <p14:creationId xmlns:p14="http://schemas.microsoft.com/office/powerpoint/2010/main" val="1744476295"/>
+      </p:ext>
+    </p:extLst>
+  </p:cSld>
+  <p:clrMapOvr>
+    <a:masterClrMapping/>
+  </p:clrMapOvr>
+</p:sld>
+</file>
+
+<file path=ppt/slides/slide11.xml><?xml version="1.0" encoding="utf-8"?>
+<p:sld xmlns:a="http://schemas.openxmlformats.org/drawingml/2006/main" xmlns:r="http://schemas.openxmlformats.org/officeDocument/2006/relationships" xmlns:p="http://schemas.openxmlformats.org/presentationml/2006/main">
+  <p:cSld>
+    <p:spTree>
+      <p:nvGrpSpPr>
+        <p:cNvPr id="1" name=""/>
+        <p:cNvGrpSpPr/>
+        <p:nvPr/>
+      </p:nvGrpSpPr>
+      <p:grpSpPr>
+        <a:xfrm>
+          <a:off x="0" y="0"/>
+          <a:ext cx="0" cy="0"/>
+          <a:chOff x="0" y="0"/>
+          <a:chExt cx="0" cy="0"/>
+        </a:xfrm>
+      </p:grpSpPr>
+      <p:sp>
+        <p:nvSpPr>
+          <p:cNvPr id="2" name="Title 1"/>
+          <p:cNvSpPr>
+            <a:spLocks noGrp="1"/>
+          </p:cNvSpPr>
+          <p:nvPr>
+            <p:ph type="title"/>
+          </p:nvPr>
+        </p:nvSpPr>
+        <p:spPr/>
+        <p:txBody>
+          <a:bodyPr/>
+          <a:lstStyle/>
+          <a:p>
+            <a:r>
+              <a:rPr lang="tr-TR" dirty="0"/>
+              <a:t>Parallel Shifting</a:t>
+            </a:r>
+          </a:p>
+        </p:txBody>
+      </p:sp>
+      <p:sp>
+        <p:nvSpPr>
+          <p:cNvPr id="3" name="Content Placeholder 2"/>
+          <p:cNvSpPr>
+            <a:spLocks noGrp="1"/>
+          </p:cNvSpPr>
+          <p:nvPr>
+            <p:ph idx="1"/>
+          </p:nvPr>
+        </p:nvSpPr>
+        <p:spPr>
+          <a:xfrm>
+            <a:off x="32657" y="1694090"/>
+            <a:ext cx="4425044" cy="4828948"/>
+          </a:xfrm>
+        </p:spPr>
+        <p:txBody>
+          <a:bodyPr/>
+          <a:lstStyle/>
+          <a:p>
+            <a:endParaRPr lang="tr-TR" dirty="0"/>
+          </a:p>
+          <a:p>
+            <a:endParaRPr lang="tr-TR" dirty="0"/>
+          </a:p>
+          <a:p>
+            <a:pPr>
+              <a:buClr>
+                <a:srgbClr val="FF0000"/>
+              </a:buClr>
+            </a:pPr>
+            <a:endParaRPr lang="tr-TR" dirty="0"/>
+          </a:p>
+          <a:p>
+            <a:pPr>
+              <a:buClr>
+                <a:srgbClr val="FF0000"/>
+              </a:buClr>
+            </a:pPr>
+            <a:endParaRPr lang="tr-TR" dirty="0"/>
+          </a:p>
+          <a:p>
+            <a:pPr marL="342900" indent="-342900">
+              <a:buClr>
+                <a:srgbClr val="FF0000"/>
+              </a:buClr>
+              <a:buFont typeface="Arial" panose="020B0604020202020204" pitchFamily="34" charset="0"/>
+              <a:buChar char="•"/>
+            </a:pPr>
+            <a:r>
+              <a:rPr lang="tr-TR" dirty="0"/>
+              <a:t>Translate line segments</a:t>
+            </a:r>
+          </a:p>
+          <a:p>
+            <a:pPr marL="342900" indent="-342900">
+              <a:buClr>
+                <a:srgbClr val="FF0000"/>
+              </a:buClr>
+              <a:buFont typeface="Arial" panose="020B0604020202020204" pitchFamily="34" charset="0"/>
+              <a:buChar char="•"/>
+            </a:pPr>
+            <a:endParaRPr lang="tr-TR" dirty="0"/>
+          </a:p>
+          <a:p>
+            <a:pPr marL="342900" indent="-342900">
+              <a:buClr>
+                <a:srgbClr val="FF0000"/>
+              </a:buClr>
+              <a:buFont typeface="Arial" panose="020B0604020202020204" pitchFamily="34" charset="0"/>
+              <a:buChar char="•"/>
+            </a:pPr>
+            <a:endParaRPr lang="tr-TR" dirty="0"/>
+          </a:p>
+          <a:p>
+            <a:pPr marL="342900" indent="-342900">
+              <a:buClr>
+                <a:srgbClr val="FF0000"/>
+              </a:buClr>
+              <a:buFont typeface="Arial" panose="020B0604020202020204" pitchFamily="34" charset="0"/>
+              <a:buChar char="•"/>
+            </a:pPr>
+            <a:r>
+              <a:rPr lang="tr-TR" dirty="0"/>
+              <a:t>Change the turning radii of arcs</a:t>
+            </a:r>
+          </a:p>
+          <a:p>
+            <a:endParaRPr lang="tr-TR" dirty="0"/>
+          </a:p>
+        </p:txBody>
+      </p:sp>
+      <p:sp>
+        <p:nvSpPr>
+          <p:cNvPr id="4" name="Slide Number Placeholder 3"/>
+          <p:cNvSpPr>
+            <a:spLocks noGrp="1"/>
+          </p:cNvSpPr>
+          <p:nvPr>
+            <p:ph type="sldNum" sz="quarter" idx="12"/>
+          </p:nvPr>
+        </p:nvSpPr>
+        <p:spPr/>
+        <p:txBody>
+          <a:bodyPr/>
+          <a:lstStyle/>
+          <a:p>
+            <a:pPr>
+              <a:defRPr/>
+            </a:pPr>
+            <a:fld id="{C878F797-6006-4DDA-AFE9-456F280FE6C5}" type="slidenum">
+              <a:rPr lang="en-US" smtClean="0"/>
+              <a:pPr>
+                <a:defRPr/>
+              </a:pPr>
+              <a:t>11</a:t>
+            </a:fld>
+            <a:endParaRPr lang="en-US" dirty="0"/>
+          </a:p>
+        </p:txBody>
+      </p:sp>
+      <p:sp>
+        <p:nvSpPr>
+          <p:cNvPr id="5" name="Date Placeholder 4"/>
+          <p:cNvSpPr>
+            <a:spLocks noGrp="1"/>
+          </p:cNvSpPr>
+          <p:nvPr>
+            <p:ph type="dt" sz="half" idx="2"/>
+          </p:nvPr>
+        </p:nvSpPr>
+        <p:spPr/>
+        <p:txBody>
+          <a:bodyPr/>
+          <a:lstStyle/>
+          <a:p>
+            <a:pPr>
+              <a:defRPr/>
+            </a:pPr>
+            <a:r>
+              <a:rPr lang="tr-TR"/>
+              <a:t>METU Electrical &amp; Electronics Engineering Department</a:t>
+            </a:r>
+            <a:endParaRPr lang="en-US" dirty="0"/>
+          </a:p>
+        </p:txBody>
+      </p:sp>
+      <p:pic>
+        <p:nvPicPr>
+          <p:cNvPr id="7" name="Picture 6">
+            <a:extLst>
+              <a:ext uri="{FF2B5EF4-FFF2-40B4-BE49-F238E27FC236}">
+                <a16:creationId xmlns:a16="http://schemas.microsoft.com/office/drawing/2014/main" id="{3161604B-2BED-4C41-AF98-4C1CE2906429}"/>
+              </a:ext>
+            </a:extLst>
+          </p:cNvPr>
+          <p:cNvPicPr>
+            <a:picLocks noChangeAspect="1"/>
+          </p:cNvPicPr>
+          <p:nvPr/>
+        </p:nvPicPr>
+        <p:blipFill>
+          <a:blip r:embed="rId3"/>
+          <a:stretch>
+            <a:fillRect/>
+          </a:stretch>
+        </p:blipFill>
+        <p:spPr>
+          <a:xfrm>
+            <a:off x="5317031" y="3834918"/>
+            <a:ext cx="3369770" cy="2527328"/>
+          </a:xfrm>
+          <a:prstGeom prst="rect">
+            <a:avLst/>
+          </a:prstGeom>
+        </p:spPr>
+      </p:pic>
+      <p:pic>
+        <p:nvPicPr>
+          <p:cNvPr id="9" name="Picture 8">
+            <a:extLst>
+              <a:ext uri="{FF2B5EF4-FFF2-40B4-BE49-F238E27FC236}">
+                <a16:creationId xmlns:a16="http://schemas.microsoft.com/office/drawing/2014/main" id="{2A3E7DCD-8A21-41CE-808F-7962E5397258}"/>
+              </a:ext>
+            </a:extLst>
+          </p:cNvPr>
+          <p:cNvPicPr>
+            <a:picLocks noChangeAspect="1"/>
+          </p:cNvPicPr>
+          <p:nvPr/>
+        </p:nvPicPr>
+        <p:blipFill>
+          <a:blip r:embed="rId4"/>
+          <a:stretch>
+            <a:fillRect/>
+          </a:stretch>
+        </p:blipFill>
+        <p:spPr>
+          <a:xfrm>
+            <a:off x="5317029" y="1227194"/>
+            <a:ext cx="3369771" cy="2527328"/>
+          </a:xfrm>
+          <a:prstGeom prst="rect">
+            <a:avLst/>
+          </a:prstGeom>
+        </p:spPr>
+      </p:pic>
+    </p:spTree>
+    <p:extLst>
+      <p:ext uri="{BB962C8B-B14F-4D97-AF65-F5344CB8AC3E}">
+        <p14:creationId xmlns:p14="http://schemas.microsoft.com/office/powerpoint/2010/main" val="994887696"/>
+      </p:ext>
+    </p:extLst>
+  </p:cSld>
+  <p:clrMapOvr>
+    <a:masterClrMapping/>
+  </p:clrMapOvr>
+</p:sld>
+</file>
+
+<file path=ppt/slides/slide12.xml><?xml version="1.0" encoding="utf-8"?>
+<p:sld xmlns:a="http://schemas.openxmlformats.org/drawingml/2006/main" xmlns:r="http://schemas.openxmlformats.org/officeDocument/2006/relationships" xmlns:p="http://schemas.openxmlformats.org/presentationml/2006/main">
+  <p:cSld>
+    <p:spTree>
+      <p:nvGrpSpPr>
+        <p:cNvPr id="1" name=""/>
+        <p:cNvGrpSpPr/>
+        <p:nvPr/>
+      </p:nvGrpSpPr>
+      <p:grpSpPr>
+        <a:xfrm>
+          <a:off x="0" y="0"/>
+          <a:ext cx="0" cy="0"/>
+          <a:chOff x="0" y="0"/>
+          <a:chExt cx="0" cy="0"/>
+        </a:xfrm>
+      </p:grpSpPr>
+      <p:sp>
+        <p:nvSpPr>
+          <p:cNvPr id="2" name="Title 1"/>
+          <p:cNvSpPr>
+            <a:spLocks noGrp="1"/>
+          </p:cNvSpPr>
+          <p:nvPr>
+            <p:ph type="title"/>
+          </p:nvPr>
+        </p:nvSpPr>
+        <p:spPr/>
+        <p:txBody>
+          <a:bodyPr/>
+          <a:lstStyle/>
+          <a:p>
+            <a:r>
+              <a:rPr lang="tr-TR" dirty="0"/>
+              <a:t>Results – Road Centerline Approximation</a:t>
+            </a:r>
+          </a:p>
+        </p:txBody>
+      </p:sp>
+      <p:sp>
+        <p:nvSpPr>
+          <p:cNvPr id="3" name="Content Placeholder 2"/>
+          <p:cNvSpPr>
+            <a:spLocks noGrp="1"/>
+          </p:cNvSpPr>
+          <p:nvPr>
+            <p:ph idx="1"/>
+          </p:nvPr>
+        </p:nvSpPr>
+        <p:spPr>
+          <a:xfrm>
+            <a:off x="32656" y="1694090"/>
+            <a:ext cx="5302604" cy="4828948"/>
+          </a:xfrm>
+        </p:spPr>
+        <p:txBody>
+          <a:bodyPr/>
+          <a:lstStyle/>
+          <a:p>
+            <a:endParaRPr lang="tr-TR" dirty="0"/>
+          </a:p>
+          <a:p>
+            <a:endParaRPr lang="tr-TR" dirty="0"/>
+          </a:p>
+          <a:p>
+            <a:pPr>
+              <a:buClr>
+                <a:srgbClr val="FF0000"/>
+              </a:buClr>
+            </a:pPr>
+            <a:endParaRPr lang="tr-TR" dirty="0"/>
+          </a:p>
+          <a:p>
+            <a:pPr>
+              <a:buClr>
+                <a:srgbClr val="FF0000"/>
+              </a:buClr>
+            </a:pPr>
+            <a:endParaRPr lang="tr-TR" dirty="0"/>
+          </a:p>
+          <a:p>
+            <a:pPr marL="342900" indent="-342900">
+              <a:buClr>
+                <a:srgbClr val="FF0000"/>
+              </a:buClr>
+              <a:buFont typeface="Arial" panose="020B0604020202020204" pitchFamily="34" charset="0"/>
+              <a:buChar char="•"/>
+            </a:pPr>
+            <a:r>
+              <a:rPr lang="tr-TR" dirty="0"/>
+              <a:t>Performance metrics:</a:t>
+            </a:r>
+          </a:p>
+          <a:p>
+            <a:pPr marL="982663" lvl="1" indent="-342900">
+              <a:buClr>
+                <a:srgbClr val="FF0000"/>
+              </a:buClr>
+            </a:pPr>
+            <a:r>
+              <a:rPr lang="tr-TR" dirty="0"/>
+              <a:t>Euclidian distance RMS (10cm)</a:t>
+            </a:r>
+          </a:p>
+          <a:p>
+            <a:pPr marL="982663" lvl="1" indent="-342900">
+              <a:buClr>
+                <a:srgbClr val="FF0000"/>
+              </a:buClr>
+            </a:pPr>
+            <a:endParaRPr lang="tr-TR" dirty="0"/>
+          </a:p>
+          <a:p>
+            <a:pPr marL="982663" lvl="1" indent="-342900">
+              <a:buClr>
+                <a:srgbClr val="FF0000"/>
+              </a:buClr>
+            </a:pPr>
+            <a:r>
+              <a:rPr lang="tr-TR" dirty="0"/>
+              <a:t>Euclidian distance max (15 cm)</a:t>
+            </a:r>
+          </a:p>
+          <a:p>
+            <a:pPr marL="982663" lvl="1" indent="-342900">
+              <a:buClr>
+                <a:srgbClr val="FF0000"/>
+              </a:buClr>
+            </a:pPr>
+            <a:endParaRPr lang="tr-TR" dirty="0"/>
+          </a:p>
+          <a:p>
+            <a:pPr marL="982663" lvl="1" indent="-342900">
+              <a:buClr>
+                <a:srgbClr val="FF0000"/>
+              </a:buClr>
+            </a:pPr>
+            <a:r>
+              <a:rPr lang="tr-TR" dirty="0"/>
+              <a:t>Number of segments</a:t>
+            </a:r>
+          </a:p>
+        </p:txBody>
+      </p:sp>
+      <p:sp>
+        <p:nvSpPr>
+          <p:cNvPr id="4" name="Slide Number Placeholder 3"/>
+          <p:cNvSpPr>
+            <a:spLocks noGrp="1"/>
+          </p:cNvSpPr>
+          <p:nvPr>
+            <p:ph type="sldNum" sz="quarter" idx="12"/>
+          </p:nvPr>
+        </p:nvSpPr>
+        <p:spPr/>
+        <p:txBody>
+          <a:bodyPr/>
+          <a:lstStyle/>
+          <a:p>
+            <a:pPr>
+              <a:defRPr/>
+            </a:pPr>
+            <a:fld id="{C878F797-6006-4DDA-AFE9-456F280FE6C5}" type="slidenum">
+              <a:rPr lang="en-US" smtClean="0"/>
+              <a:pPr>
+                <a:defRPr/>
+              </a:pPr>
+              <a:t>12</a:t>
+            </a:fld>
+            <a:endParaRPr lang="en-US" dirty="0"/>
+          </a:p>
+        </p:txBody>
+      </p:sp>
+      <p:sp>
+        <p:nvSpPr>
+          <p:cNvPr id="5" name="Date Placeholder 4"/>
+          <p:cNvSpPr>
+            <a:spLocks noGrp="1"/>
+          </p:cNvSpPr>
+          <p:nvPr>
+            <p:ph type="dt" sz="half" idx="2"/>
+          </p:nvPr>
+        </p:nvSpPr>
+        <p:spPr/>
+        <p:txBody>
+          <a:bodyPr/>
+          <a:lstStyle/>
+          <a:p>
+            <a:pPr>
+              <a:defRPr/>
+            </a:pPr>
+            <a:r>
+              <a:rPr lang="tr-TR"/>
+              <a:t>METU Electrical &amp; Electronics Engineering Department</a:t>
+            </a:r>
+            <a:endParaRPr lang="en-US" dirty="0"/>
+          </a:p>
+        </p:txBody>
+      </p:sp>
+    </p:spTree>
+    <p:extLst>
+      <p:ext uri="{BB962C8B-B14F-4D97-AF65-F5344CB8AC3E}">
+        <p14:creationId xmlns:p14="http://schemas.microsoft.com/office/powerpoint/2010/main" val="349739157"/>
+      </p:ext>
+    </p:extLst>
+  </p:cSld>
+  <p:clrMapOvr>
+    <a:masterClrMapping/>
+  </p:clrMapOvr>
+</p:sld>
+</file>
+
+<file path=ppt/slides/slide13.xml><?xml version="1.0" encoding="utf-8"?>
+<p:sld xmlns:a="http://schemas.openxmlformats.org/drawingml/2006/main" xmlns:r="http://schemas.openxmlformats.org/officeDocument/2006/relationships" xmlns:p="http://schemas.openxmlformats.org/presentationml/2006/main">
+  <p:cSld>
+    <p:spTree>
+      <p:nvGrpSpPr>
+        <p:cNvPr id="1" name=""/>
+        <p:cNvGrpSpPr/>
+        <p:nvPr/>
+      </p:nvGrpSpPr>
+      <p:grpSpPr>
+        <a:xfrm>
+          <a:off x="0" y="0"/>
+          <a:ext cx="0" cy="0"/>
+          <a:chOff x="0" y="0"/>
+          <a:chExt cx="0" cy="0"/>
+        </a:xfrm>
+      </p:grpSpPr>
+      <p:sp>
+        <p:nvSpPr>
+          <p:cNvPr id="2" name="Title 1"/>
+          <p:cNvSpPr>
+            <a:spLocks noGrp="1"/>
+          </p:cNvSpPr>
+          <p:nvPr>
+            <p:ph type="title"/>
+          </p:nvPr>
+        </p:nvSpPr>
+        <p:spPr/>
+        <p:txBody>
+          <a:bodyPr/>
+          <a:lstStyle/>
+          <a:p>
+            <a:r>
+              <a:rPr lang="tr-TR" dirty="0"/>
+              <a:t>Results – RMS Error Over a Autobahn 38</a:t>
+            </a:r>
+          </a:p>
+        </p:txBody>
+      </p:sp>
+      <p:sp>
+        <p:nvSpPr>
+          <p:cNvPr id="3" name="Content Placeholder 2"/>
+          <p:cNvSpPr>
+            <a:spLocks noGrp="1"/>
+          </p:cNvSpPr>
+          <p:nvPr>
+            <p:ph idx="1"/>
+          </p:nvPr>
+        </p:nvSpPr>
+        <p:spPr>
+          <a:xfrm>
+            <a:off x="32656" y="1694090"/>
+            <a:ext cx="4539344" cy="4828948"/>
+          </a:xfrm>
+        </p:spPr>
+        <p:txBody>
+          <a:bodyPr/>
+          <a:lstStyle/>
+          <a:p>
+            <a:endParaRPr lang="tr-TR" dirty="0"/>
+          </a:p>
+          <a:p>
+            <a:endParaRPr lang="tr-TR" dirty="0"/>
+          </a:p>
+          <a:p>
+            <a:pPr>
+              <a:buClr>
+                <a:srgbClr val="FF0000"/>
+              </a:buClr>
+            </a:pPr>
+            <a:endParaRPr lang="tr-TR" dirty="0"/>
+          </a:p>
+          <a:p>
+            <a:pPr>
+              <a:buClr>
+                <a:srgbClr val="FF0000"/>
+              </a:buClr>
+            </a:pPr>
+            <a:endParaRPr lang="tr-TR" dirty="0"/>
+          </a:p>
+          <a:p>
+            <a:pPr marL="342900" indent="-342900">
+              <a:buClr>
+                <a:srgbClr val="FF0000"/>
+              </a:buClr>
+              <a:buFont typeface="Arial" panose="020B0604020202020204" pitchFamily="34" charset="0"/>
+              <a:buChar char="•"/>
+            </a:pPr>
+            <a:r>
+              <a:rPr lang="tr-TR" dirty="0"/>
+              <a:t>Predefined maximum RMS error value: 0.1 meters </a:t>
+            </a:r>
+          </a:p>
+          <a:p>
+            <a:pPr marL="342900" indent="-342900">
+              <a:buClr>
+                <a:srgbClr val="FF0000"/>
+              </a:buClr>
+              <a:buFont typeface="Arial" panose="020B0604020202020204" pitchFamily="34" charset="0"/>
+              <a:buChar char="•"/>
+            </a:pPr>
+            <a:r>
+              <a:rPr lang="tr-TR" dirty="0"/>
+              <a:t>Low correlation between curvature and RMS error</a:t>
+            </a:r>
+          </a:p>
+        </p:txBody>
+      </p:sp>
+      <p:sp>
+        <p:nvSpPr>
+          <p:cNvPr id="4" name="Slide Number Placeholder 3"/>
+          <p:cNvSpPr>
+            <a:spLocks noGrp="1"/>
+          </p:cNvSpPr>
+          <p:nvPr>
+            <p:ph type="sldNum" sz="quarter" idx="12"/>
+          </p:nvPr>
+        </p:nvSpPr>
+        <p:spPr/>
+        <p:txBody>
+          <a:bodyPr/>
+          <a:lstStyle/>
+          <a:p>
+            <a:pPr>
+              <a:defRPr/>
+            </a:pPr>
+            <a:fld id="{C878F797-6006-4DDA-AFE9-456F280FE6C5}" type="slidenum">
+              <a:rPr lang="en-US" smtClean="0"/>
+              <a:pPr>
+                <a:defRPr/>
+              </a:pPr>
+              <a:t>13</a:t>
+            </a:fld>
+            <a:endParaRPr lang="en-US" dirty="0"/>
+          </a:p>
+        </p:txBody>
+      </p:sp>
+      <p:sp>
+        <p:nvSpPr>
+          <p:cNvPr id="5" name="Date Placeholder 4"/>
+          <p:cNvSpPr>
+            <a:spLocks noGrp="1"/>
+          </p:cNvSpPr>
+          <p:nvPr>
+            <p:ph type="dt" sz="half" idx="2"/>
+          </p:nvPr>
+        </p:nvSpPr>
+        <p:spPr/>
+        <p:txBody>
+          <a:bodyPr/>
+          <a:lstStyle/>
+          <a:p>
+            <a:pPr>
+              <a:defRPr/>
+            </a:pPr>
+            <a:r>
+              <a:rPr lang="tr-TR" dirty="0"/>
+              <a:t>METU Electrical &amp; Electronics Engineering Department</a:t>
+            </a:r>
+            <a:endParaRPr lang="en-US" dirty="0"/>
+          </a:p>
+        </p:txBody>
+      </p:sp>
+      <p:pic>
+        <p:nvPicPr>
+          <p:cNvPr id="9" name="Picture 8">
+            <a:extLst>
+              <a:ext uri="{FF2B5EF4-FFF2-40B4-BE49-F238E27FC236}">
+                <a16:creationId xmlns:a16="http://schemas.microsoft.com/office/drawing/2014/main" id="{8ACF8F7F-A1D5-42FB-BB3F-FEE6DDB06C11}"/>
+              </a:ext>
+            </a:extLst>
+          </p:cNvPr>
+          <p:cNvPicPr>
+            <a:picLocks noChangeAspect="1"/>
+          </p:cNvPicPr>
+          <p:nvPr/>
+        </p:nvPicPr>
+        <p:blipFill>
+          <a:blip r:embed="rId3"/>
+          <a:stretch>
+            <a:fillRect/>
+          </a:stretch>
+        </p:blipFill>
+        <p:spPr>
+          <a:xfrm>
+            <a:off x="4391408" y="2216122"/>
+            <a:ext cx="4646794" cy="2692679"/>
+          </a:xfrm>
+          <a:prstGeom prst="rect">
+            <a:avLst/>
+          </a:prstGeom>
+        </p:spPr>
+      </p:pic>
+    </p:spTree>
+    <p:extLst>
+      <p:ext uri="{BB962C8B-B14F-4D97-AF65-F5344CB8AC3E}">
+        <p14:creationId xmlns:p14="http://schemas.microsoft.com/office/powerpoint/2010/main" val="4292720475"/>
+      </p:ext>
+    </p:extLst>
+  </p:cSld>
+  <p:clrMapOvr>
+    <a:masterClrMapping/>
+  </p:clrMapOvr>
+</p:sld>
+</file>
+
+<file path=ppt/slides/slide14.xml><?xml version="1.0" encoding="utf-8"?>
+<p:sld xmlns:a="http://schemas.openxmlformats.org/drawingml/2006/main" xmlns:r="http://schemas.openxmlformats.org/officeDocument/2006/relationships" xmlns:p="http://schemas.openxmlformats.org/presentationml/2006/main">
+  <p:cSld>
+    <p:spTree>
+      <p:nvGrpSpPr>
+        <p:cNvPr id="1" name=""/>
+        <p:cNvGrpSpPr/>
+        <p:nvPr/>
+      </p:nvGrpSpPr>
+      <p:grpSpPr>
+        <a:xfrm>
+          <a:off x="0" y="0"/>
+          <a:ext cx="0" cy="0"/>
+          <a:chOff x="0" y="0"/>
+          <a:chExt cx="0" cy="0"/>
+        </a:xfrm>
+      </p:grpSpPr>
+      <p:sp>
+        <p:nvSpPr>
+          <p:cNvPr id="2" name="Title 1"/>
+          <p:cNvSpPr>
+            <a:spLocks noGrp="1"/>
+          </p:cNvSpPr>
+          <p:nvPr>
+            <p:ph type="title"/>
+          </p:nvPr>
+        </p:nvSpPr>
+        <p:spPr/>
+        <p:txBody>
+          <a:bodyPr/>
+          <a:lstStyle/>
+          <a:p>
+            <a:r>
+              <a:rPr lang="tr-TR" dirty="0"/>
+              <a:t>Results – Maximum Error Over a Autobahn 38</a:t>
+            </a:r>
+          </a:p>
+        </p:txBody>
+      </p:sp>
+      <p:sp>
+        <p:nvSpPr>
+          <p:cNvPr id="3" name="Content Placeholder 2"/>
+          <p:cNvSpPr>
+            <a:spLocks noGrp="1"/>
+          </p:cNvSpPr>
+          <p:nvPr>
+            <p:ph idx="1"/>
+          </p:nvPr>
+        </p:nvSpPr>
+        <p:spPr>
+          <a:xfrm>
+            <a:off x="32656" y="1694090"/>
+            <a:ext cx="4539344" cy="4828948"/>
+          </a:xfrm>
+        </p:spPr>
+        <p:txBody>
+          <a:bodyPr/>
+          <a:lstStyle/>
+          <a:p>
+            <a:endParaRPr lang="tr-TR" dirty="0"/>
+          </a:p>
+          <a:p>
+            <a:endParaRPr lang="tr-TR" dirty="0"/>
+          </a:p>
+          <a:p>
+            <a:pPr>
+              <a:buClr>
+                <a:srgbClr val="FF0000"/>
+              </a:buClr>
+            </a:pPr>
+            <a:endParaRPr lang="tr-TR" dirty="0"/>
+          </a:p>
+          <a:p>
+            <a:pPr>
+              <a:buClr>
+                <a:srgbClr val="FF0000"/>
+              </a:buClr>
+            </a:pPr>
+            <a:endParaRPr lang="tr-TR" dirty="0"/>
+          </a:p>
+          <a:p>
+            <a:pPr marL="342900" indent="-342900">
+              <a:buClr>
+                <a:srgbClr val="FF0000"/>
+              </a:buClr>
+              <a:buFont typeface="Arial" panose="020B0604020202020204" pitchFamily="34" charset="0"/>
+              <a:buChar char="•"/>
+            </a:pPr>
+            <a:r>
+              <a:rPr lang="tr-TR" dirty="0"/>
+              <a:t>Predefined maximum max error value: 0.15 meters </a:t>
+            </a:r>
+          </a:p>
+          <a:p>
+            <a:pPr marL="342900" indent="-342900">
+              <a:buClr>
+                <a:srgbClr val="FF0000"/>
+              </a:buClr>
+              <a:buFont typeface="Arial" panose="020B0604020202020204" pitchFamily="34" charset="0"/>
+              <a:buChar char="•"/>
+            </a:pPr>
+            <a:r>
+              <a:rPr lang="tr-TR" dirty="0"/>
+              <a:t>Low correlation between curvature and maximum error</a:t>
+            </a:r>
+          </a:p>
+        </p:txBody>
+      </p:sp>
+      <p:sp>
+        <p:nvSpPr>
+          <p:cNvPr id="4" name="Slide Number Placeholder 3"/>
+          <p:cNvSpPr>
+            <a:spLocks noGrp="1"/>
+          </p:cNvSpPr>
+          <p:nvPr>
+            <p:ph type="sldNum" sz="quarter" idx="12"/>
+          </p:nvPr>
+        </p:nvSpPr>
+        <p:spPr/>
+        <p:txBody>
+          <a:bodyPr/>
+          <a:lstStyle/>
+          <a:p>
+            <a:pPr>
+              <a:defRPr/>
+            </a:pPr>
+            <a:fld id="{C878F797-6006-4DDA-AFE9-456F280FE6C5}" type="slidenum">
+              <a:rPr lang="en-US" smtClean="0"/>
+              <a:pPr>
+                <a:defRPr/>
+              </a:pPr>
+              <a:t>14</a:t>
+            </a:fld>
+            <a:endParaRPr lang="en-US" dirty="0"/>
+          </a:p>
+        </p:txBody>
+      </p:sp>
+      <p:sp>
+        <p:nvSpPr>
+          <p:cNvPr id="5" name="Date Placeholder 4"/>
+          <p:cNvSpPr>
+            <a:spLocks noGrp="1"/>
+          </p:cNvSpPr>
+          <p:nvPr>
+            <p:ph type="dt" sz="half" idx="2"/>
+          </p:nvPr>
+        </p:nvSpPr>
+        <p:spPr/>
+        <p:txBody>
+          <a:bodyPr/>
+          <a:lstStyle/>
+          <a:p>
+            <a:pPr>
+              <a:defRPr/>
+            </a:pPr>
+            <a:r>
+              <a:rPr lang="tr-TR" dirty="0"/>
+              <a:t>METU Electrical &amp; Electronics Engineering Department</a:t>
+            </a:r>
+            <a:endParaRPr lang="en-US" dirty="0"/>
+          </a:p>
+        </p:txBody>
+      </p:sp>
+      <p:pic>
+        <p:nvPicPr>
+          <p:cNvPr id="10" name="Picture 9">
+            <a:extLst>
+              <a:ext uri="{FF2B5EF4-FFF2-40B4-BE49-F238E27FC236}">
+                <a16:creationId xmlns:a16="http://schemas.microsoft.com/office/drawing/2014/main" id="{EF34765C-A6EE-4406-9282-6036D5B395A9}"/>
+              </a:ext>
+            </a:extLst>
+          </p:cNvPr>
+          <p:cNvPicPr>
+            <a:picLocks noChangeAspect="1"/>
+          </p:cNvPicPr>
+          <p:nvPr/>
+        </p:nvPicPr>
+        <p:blipFill>
+          <a:blip r:embed="rId3"/>
+          <a:stretch>
+            <a:fillRect/>
+          </a:stretch>
+        </p:blipFill>
+        <p:spPr>
+          <a:xfrm>
+            <a:off x="4391408" y="2216122"/>
+            <a:ext cx="4646794" cy="2692679"/>
+          </a:xfrm>
+          <a:prstGeom prst="rect">
+            <a:avLst/>
+          </a:prstGeom>
+        </p:spPr>
+      </p:pic>
+    </p:spTree>
+    <p:extLst>
+      <p:ext uri="{BB962C8B-B14F-4D97-AF65-F5344CB8AC3E}">
+        <p14:creationId xmlns:p14="http://schemas.microsoft.com/office/powerpoint/2010/main" val="4028293815"/>
+      </p:ext>
+    </p:extLst>
+  </p:cSld>
+  <p:clrMapOvr>
+    <a:masterClrMapping/>
+  </p:clrMapOvr>
+</p:sld>
+</file>
+
+<file path=ppt/slides/slide15.xml><?xml version="1.0" encoding="utf-8"?>
+<p:sld xmlns:a="http://schemas.openxmlformats.org/drawingml/2006/main" xmlns:r="http://schemas.openxmlformats.org/officeDocument/2006/relationships" xmlns:p="http://schemas.openxmlformats.org/presentationml/2006/main">
+  <p:cSld>
+    <p:spTree>
+      <p:nvGrpSpPr>
+        <p:cNvPr id="1" name=""/>
+        <p:cNvGrpSpPr/>
+        <p:nvPr/>
+      </p:nvGrpSpPr>
+      <p:grpSpPr>
+        <a:xfrm>
+          <a:off x="0" y="0"/>
+          <a:ext cx="0" cy="0"/>
+          <a:chOff x="0" y="0"/>
+          <a:chExt cx="0" cy="0"/>
+        </a:xfrm>
+      </p:grpSpPr>
+      <p:sp>
+        <p:nvSpPr>
+          <p:cNvPr id="2" name="Title 1"/>
+          <p:cNvSpPr>
+            <a:spLocks noGrp="1"/>
+          </p:cNvSpPr>
+          <p:nvPr>
+            <p:ph type="title"/>
+          </p:nvPr>
+        </p:nvSpPr>
+        <p:spPr/>
+        <p:txBody>
+          <a:bodyPr/>
+          <a:lstStyle/>
+          <a:p>
+            <a:endParaRPr lang="tr-TR" dirty="0"/>
           </a:p>
         </p:txBody>
       </p:sp>
@@ -5094,7 +6758,7 @@
               <a:pPr>
                 <a:defRPr/>
               </a:pPr>
-              <a:t>10</a:t>
+              <a:t>15</a:t>
             </a:fld>
             <a:endParaRPr lang="en-US"/>
           </a:p>
@@ -5139,7 +6803,7 @@
 </p:sld>
 </file>
 
-<file path=ppt/slides/slide11.xml><?xml version="1.0" encoding="utf-8"?>
+<file path=ppt/slides/slide16.xml><?xml version="1.0" encoding="utf-8"?>
 <p:sld xmlns:a="http://schemas.openxmlformats.org/drawingml/2006/main" xmlns:r="http://schemas.openxmlformats.org/officeDocument/2006/relationships" xmlns:p="http://schemas.openxmlformats.org/presentationml/2006/main">
   <p:cSld>
     <p:spTree>
@@ -5910,10 +7574,10 @@
       </p:sp>
       <p:pic>
         <p:nvPicPr>
-          <p:cNvPr id="7" name="Picture 6">
+          <p:cNvPr id="8" name="Picture 7">
             <a:extLst>
               <a:ext uri="{FF2B5EF4-FFF2-40B4-BE49-F238E27FC236}">
-                <a16:creationId xmlns:a16="http://schemas.microsoft.com/office/drawing/2014/main" id="{3C59B9C6-7E91-45E7-8A98-FEDBFB337356}"/>
+                <a16:creationId xmlns:a16="http://schemas.microsoft.com/office/drawing/2014/main" id="{73AD9E32-3787-4B41-A44C-9391CC7B6A3A}"/>
               </a:ext>
             </a:extLst>
           </p:cNvPr>
@@ -5930,8 +7594,8 @@
         </p:blipFill>
         <p:spPr>
           <a:xfrm>
-            <a:off x="4457700" y="2166258"/>
-            <a:ext cx="4436419" cy="3327314"/>
+            <a:off x="4457701" y="2068286"/>
+            <a:ext cx="4605147" cy="3453860"/>
           </a:xfrm>
           <a:prstGeom prst="rect">
             <a:avLst/>
@@ -6825,6 +8489,36 @@
           </a:p>
         </p:txBody>
       </p:sp>
+      <p:pic>
+        <p:nvPicPr>
+          <p:cNvPr id="11" name="Picture 10">
+            <a:extLst>
+              <a:ext uri="{FF2B5EF4-FFF2-40B4-BE49-F238E27FC236}">
+                <a16:creationId xmlns:a16="http://schemas.microsoft.com/office/drawing/2014/main" id="{BC0F929E-FE70-4B32-BC6D-C3D13B8D6920}"/>
+              </a:ext>
+            </a:extLst>
+          </p:cNvPr>
+          <p:cNvPicPr>
+            <a:picLocks noChangeAspect="1"/>
+          </p:cNvPicPr>
+          <p:nvPr/>
+        </p:nvPicPr>
+        <p:blipFill>
+          <a:blip r:embed="rId3"/>
+          <a:stretch>
+            <a:fillRect/>
+          </a:stretch>
+        </p:blipFill>
+        <p:spPr>
+          <a:xfrm>
+            <a:off x="4457699" y="2068286"/>
+            <a:ext cx="4605148" cy="3453861"/>
+          </a:xfrm>
+          <a:prstGeom prst="rect">
+            <a:avLst/>
+          </a:prstGeom>
+        </p:spPr>
+      </p:pic>
     </p:spTree>
     <p:extLst>
       <p:ext uri="{BB962C8B-B14F-4D97-AF65-F5344CB8AC3E}">

--- a/thesisDefense.pptx
+++ b/thesisDefense.pptx
@@ -25,18 +25,18 @@
     <p:sldId id="314" r:id="rId13"/>
     <p:sldId id="315" r:id="rId14"/>
     <p:sldId id="317" r:id="rId15"/>
-    <p:sldId id="318" r:id="rId16"/>
-    <p:sldId id="319" r:id="rId17"/>
-    <p:sldId id="320" r:id="rId18"/>
-    <p:sldId id="321" r:id="rId19"/>
-    <p:sldId id="322" r:id="rId20"/>
-    <p:sldId id="323" r:id="rId21"/>
-    <p:sldId id="324" r:id="rId22"/>
-    <p:sldId id="325" r:id="rId23"/>
-    <p:sldId id="327" r:id="rId24"/>
-    <p:sldId id="326" r:id="rId25"/>
-    <p:sldId id="329" r:id="rId26"/>
-    <p:sldId id="330" r:id="rId27"/>
+    <p:sldId id="319" r:id="rId16"/>
+    <p:sldId id="320" r:id="rId17"/>
+    <p:sldId id="321" r:id="rId18"/>
+    <p:sldId id="322" r:id="rId19"/>
+    <p:sldId id="323" r:id="rId20"/>
+    <p:sldId id="324" r:id="rId21"/>
+    <p:sldId id="325" r:id="rId22"/>
+    <p:sldId id="327" r:id="rId23"/>
+    <p:sldId id="326" r:id="rId24"/>
+    <p:sldId id="329" r:id="rId25"/>
+    <p:sldId id="330" r:id="rId26"/>
+    <p:sldId id="331" r:id="rId27"/>
     <p:sldId id="303" r:id="rId28"/>
   </p:sldIdLst>
   <p:sldSz cx="9144000" cy="6858000" type="screen4x3"/>
@@ -185,7 +185,6 @@
             <p14:sldId id="314"/>
             <p14:sldId id="315"/>
             <p14:sldId id="317"/>
-            <p14:sldId id="318"/>
             <p14:sldId id="319"/>
             <p14:sldId id="320"/>
             <p14:sldId id="321"/>
@@ -197,6 +196,7 @@
             <p14:sldId id="326"/>
             <p14:sldId id="329"/>
             <p14:sldId id="330"/>
+            <p14:sldId id="331"/>
             <p14:sldId id="303"/>
           </p14:sldIdLst>
         </p14:section>
@@ -1520,7 +1520,277 @@
           <a:p>
             <a:r>
               <a:rPr lang="tr-TR" dirty="0"/>
-              <a:t>-Road is represented with 0.15m maximum allowed Maximum error.</a:t>
+              <a:t>-</a:t>
+            </a:r>
+            <a:r>
+              <a:rPr lang="tr-TR" dirty="0" err="1"/>
+              <a:t>We</a:t>
+            </a:r>
+            <a:r>
+              <a:rPr lang="tr-TR" dirty="0"/>
+              <a:t> </a:t>
+            </a:r>
+            <a:r>
+              <a:rPr lang="tr-TR" dirty="0" err="1"/>
+              <a:t>propose</a:t>
+            </a:r>
+            <a:r>
+              <a:rPr lang="tr-TR" dirty="0"/>
+              <a:t> a </a:t>
+            </a:r>
+            <a:r>
+              <a:rPr lang="tr-TR" dirty="0" err="1"/>
+              <a:t>novel</a:t>
+            </a:r>
+            <a:r>
+              <a:rPr lang="tr-TR" dirty="0"/>
+              <a:t> </a:t>
+            </a:r>
+            <a:r>
+              <a:rPr lang="tr-TR" dirty="0" err="1"/>
+              <a:t>method</a:t>
+            </a:r>
+            <a:r>
+              <a:rPr lang="tr-TR" dirty="0"/>
+              <a:t> </a:t>
+            </a:r>
+            <a:r>
+              <a:rPr lang="tr-TR" dirty="0" err="1"/>
+              <a:t>based</a:t>
+            </a:r>
+            <a:r>
+              <a:rPr lang="tr-TR" dirty="0"/>
+              <a:t> on </a:t>
+            </a:r>
+            <a:r>
+              <a:rPr lang="tr-TR" dirty="0" err="1"/>
+              <a:t>arc-splines</a:t>
+            </a:r>
+            <a:r>
+              <a:rPr lang="tr-TR" dirty="0"/>
+              <a:t>. </a:t>
+            </a:r>
+            <a:r>
+              <a:rPr lang="tr-TR" dirty="0" err="1"/>
+              <a:t>This</a:t>
+            </a:r>
+            <a:r>
+              <a:rPr lang="tr-TR" dirty="0"/>
+              <a:t> has </a:t>
+            </a:r>
+            <a:r>
+              <a:rPr lang="tr-TR" dirty="0" err="1"/>
+              <a:t>various</a:t>
+            </a:r>
+            <a:r>
+              <a:rPr lang="tr-TR" dirty="0"/>
+              <a:t> </a:t>
+            </a:r>
+            <a:r>
+              <a:rPr lang="tr-TR" dirty="0" err="1"/>
+              <a:t>advantages</a:t>
+            </a:r>
+            <a:r>
+              <a:rPr lang="tr-TR" dirty="0"/>
+              <a:t>, it has a </a:t>
+            </a:r>
+            <a:r>
+              <a:rPr lang="tr-TR" dirty="0" err="1"/>
+              <a:t>similar</a:t>
+            </a:r>
+            <a:r>
+              <a:rPr lang="tr-TR" dirty="0"/>
+              <a:t> </a:t>
+            </a:r>
+            <a:r>
+              <a:rPr lang="tr-TR" dirty="0" err="1"/>
+              <a:t>mathematical</a:t>
+            </a:r>
+            <a:r>
+              <a:rPr lang="tr-TR" dirty="0"/>
+              <a:t> </a:t>
+            </a:r>
+            <a:r>
+              <a:rPr lang="tr-TR" dirty="0" err="1"/>
+              <a:t>representation</a:t>
+            </a:r>
+            <a:r>
+              <a:rPr lang="tr-TR" dirty="0"/>
+              <a:t> </a:t>
+            </a:r>
+            <a:r>
+              <a:rPr lang="tr-TR" dirty="0" err="1"/>
+              <a:t>to</a:t>
+            </a:r>
+            <a:r>
+              <a:rPr lang="tr-TR" dirty="0"/>
+              <a:t> </a:t>
+            </a:r>
+            <a:r>
+              <a:rPr lang="tr-TR" dirty="0" err="1"/>
+              <a:t>road</a:t>
+            </a:r>
+            <a:r>
+              <a:rPr lang="tr-TR" dirty="0"/>
+              <a:t> </a:t>
+            </a:r>
+            <a:r>
+              <a:rPr lang="tr-TR" dirty="0" err="1"/>
+              <a:t>centerline</a:t>
+            </a:r>
+            <a:r>
+              <a:rPr lang="tr-TR" dirty="0"/>
+              <a:t>. </a:t>
+            </a:r>
+            <a:r>
+              <a:rPr lang="tr-TR" dirty="0" err="1"/>
+              <a:t>It</a:t>
+            </a:r>
+            <a:r>
+              <a:rPr lang="tr-TR" dirty="0"/>
+              <a:t> is </a:t>
+            </a:r>
+            <a:r>
+              <a:rPr lang="tr-TR" dirty="0" err="1"/>
+              <a:t>possible</a:t>
+            </a:r>
+            <a:r>
+              <a:rPr lang="tr-TR" dirty="0"/>
+              <a:t> </a:t>
+            </a:r>
+            <a:r>
+              <a:rPr lang="tr-TR" dirty="0" err="1"/>
+              <a:t>to</a:t>
+            </a:r>
+            <a:r>
+              <a:rPr lang="tr-TR" dirty="0"/>
+              <a:t> </a:t>
+            </a:r>
+            <a:r>
+              <a:rPr lang="tr-TR" dirty="0" err="1"/>
+              <a:t>utilize</a:t>
+            </a:r>
+            <a:r>
+              <a:rPr lang="tr-TR" dirty="0"/>
+              <a:t> </a:t>
+            </a:r>
+            <a:r>
+              <a:rPr lang="tr-TR" dirty="0" err="1"/>
+              <a:t>the</a:t>
+            </a:r>
+            <a:r>
+              <a:rPr lang="tr-TR" dirty="0"/>
+              <a:t> </a:t>
+            </a:r>
+            <a:r>
+              <a:rPr lang="tr-TR" dirty="0" err="1"/>
+              <a:t>road</a:t>
+            </a:r>
+            <a:r>
+              <a:rPr lang="tr-TR" dirty="0"/>
+              <a:t> </a:t>
+            </a:r>
+            <a:r>
+              <a:rPr lang="tr-TR" dirty="0" err="1"/>
+              <a:t>curvature</a:t>
+            </a:r>
+            <a:r>
+              <a:rPr lang="tr-TR" dirty="0"/>
+              <a:t> </a:t>
+            </a:r>
+            <a:r>
+              <a:rPr lang="tr-TR" dirty="0" err="1"/>
+              <a:t>information</a:t>
+            </a:r>
+            <a:r>
+              <a:rPr lang="tr-TR" dirty="0"/>
+              <a:t> </a:t>
+            </a:r>
+            <a:r>
+              <a:rPr lang="tr-TR" dirty="0" err="1"/>
+              <a:t>with</a:t>
+            </a:r>
+            <a:r>
+              <a:rPr lang="tr-TR" dirty="0"/>
+              <a:t> </a:t>
+            </a:r>
+            <a:r>
+              <a:rPr lang="tr-TR" dirty="0" err="1"/>
+              <a:t>this</a:t>
+            </a:r>
+            <a:r>
+              <a:rPr lang="tr-TR" dirty="0"/>
+              <a:t> </a:t>
+            </a:r>
+            <a:r>
+              <a:rPr lang="tr-TR" dirty="0" err="1"/>
+              <a:t>method</a:t>
+            </a:r>
+            <a:r>
+              <a:rPr lang="tr-TR" dirty="0"/>
+              <a:t>.</a:t>
+            </a:r>
+          </a:p>
+          <a:p>
+            <a:r>
+              <a:rPr lang="tr-TR" dirty="0"/>
+              <a:t>-</a:t>
+            </a:r>
+            <a:r>
+              <a:rPr lang="tr-TR" dirty="0" err="1"/>
+              <a:t>It</a:t>
+            </a:r>
+            <a:r>
+              <a:rPr lang="tr-TR" dirty="0"/>
+              <a:t> is </a:t>
+            </a:r>
+            <a:r>
+              <a:rPr lang="tr-TR" dirty="0" err="1"/>
+              <a:t>possible</a:t>
+            </a:r>
+            <a:r>
+              <a:rPr lang="tr-TR" dirty="0"/>
+              <a:t> </a:t>
+            </a:r>
+            <a:r>
+              <a:rPr lang="tr-TR" dirty="0" err="1"/>
+              <a:t>to</a:t>
+            </a:r>
+            <a:r>
+              <a:rPr lang="tr-TR" dirty="0"/>
+              <a:t> </a:t>
+            </a:r>
+            <a:r>
+              <a:rPr lang="tr-TR" dirty="0" err="1"/>
+              <a:t>superpose</a:t>
+            </a:r>
+            <a:r>
+              <a:rPr lang="tr-TR" dirty="0"/>
+              <a:t> </a:t>
+            </a:r>
+            <a:r>
+              <a:rPr lang="tr-TR" dirty="0" err="1"/>
+              <a:t>arc-splines</a:t>
+            </a:r>
+            <a:r>
+              <a:rPr lang="tr-TR" dirty="0"/>
+              <a:t> on top of </a:t>
+            </a:r>
+            <a:r>
+              <a:rPr lang="tr-TR" dirty="0" err="1"/>
+              <a:t>each</a:t>
+            </a:r>
+            <a:r>
+              <a:rPr lang="tr-TR" dirty="0"/>
+              <a:t> </a:t>
+            </a:r>
+            <a:r>
+              <a:rPr lang="tr-TR" dirty="0" err="1"/>
+              <a:t>other</a:t>
+            </a:r>
+            <a:r>
+              <a:rPr lang="tr-TR" dirty="0"/>
+              <a:t>.</a:t>
             </a:r>
           </a:p>
         </p:txBody>
@@ -1557,7 +1827,7 @@
     </p:spTree>
     <p:extLst>
       <p:ext uri="{BB962C8B-B14F-4D97-AF65-F5344CB8AC3E}">
-        <p14:creationId xmlns:p14="http://schemas.microsoft.com/office/powerpoint/2010/main" val="361101409"/>
+        <p14:creationId xmlns:p14="http://schemas.microsoft.com/office/powerpoint/2010/main" val="823611805"/>
       </p:ext>
     </p:extLst>
   </p:cSld>
@@ -1613,273 +1883,313 @@
           <a:p>
             <a:r>
               <a:rPr lang="tr-TR" dirty="0"/>
+              <a:t>-HCC </a:t>
+            </a:r>
+            <a:r>
+              <a:rPr lang="tr-TR" dirty="0" err="1"/>
+              <a:t>maneuver</a:t>
+            </a:r>
+            <a:r>
+              <a:rPr lang="tr-TR" dirty="0"/>
+              <a:t> is </a:t>
+            </a:r>
+            <a:r>
+              <a:rPr lang="tr-TR" dirty="0" err="1"/>
+              <a:t>developed</a:t>
+            </a:r>
+            <a:r>
+              <a:rPr lang="tr-TR" dirty="0"/>
+              <a:t> </a:t>
+            </a:r>
+            <a:r>
+              <a:rPr lang="tr-TR" dirty="0" err="1"/>
+              <a:t>to</a:t>
+            </a:r>
+            <a:r>
+              <a:rPr lang="tr-TR" dirty="0"/>
+              <a:t> </a:t>
+            </a:r>
+            <a:r>
+              <a:rPr lang="tr-TR" dirty="0" err="1"/>
+              <a:t>correct</a:t>
+            </a:r>
+            <a:r>
+              <a:rPr lang="tr-TR" dirty="0"/>
+              <a:t> </a:t>
+            </a:r>
+            <a:r>
+              <a:rPr lang="tr-TR" dirty="0" err="1"/>
+              <a:t>for</a:t>
+            </a:r>
+            <a:r>
+              <a:rPr lang="tr-TR" dirty="0"/>
+              <a:t> </a:t>
+            </a:r>
+            <a:r>
+              <a:rPr lang="tr-TR" dirty="0" err="1"/>
+              <a:t>heading</a:t>
+            </a:r>
+            <a:r>
+              <a:rPr lang="tr-TR" dirty="0"/>
+              <a:t> </a:t>
+            </a:r>
+            <a:r>
+              <a:rPr lang="tr-TR" dirty="0" err="1"/>
+              <a:t>and</a:t>
+            </a:r>
+            <a:r>
+              <a:rPr lang="tr-TR" dirty="0"/>
+              <a:t> </a:t>
+            </a:r>
+            <a:r>
+              <a:rPr lang="tr-TR" dirty="0" err="1"/>
+              <a:t>curvature</a:t>
+            </a:r>
+            <a:r>
+              <a:rPr lang="tr-TR" dirty="0"/>
+              <a:t> </a:t>
+            </a:r>
+            <a:r>
+              <a:rPr lang="tr-TR" dirty="0" err="1"/>
+              <a:t>error</a:t>
+            </a:r>
+            <a:r>
+              <a:rPr lang="tr-TR" dirty="0"/>
+              <a:t> </a:t>
+            </a:r>
+            <a:r>
+              <a:rPr lang="tr-TR" dirty="0" err="1"/>
+              <a:t>simultaneously</a:t>
+            </a:r>
+            <a:r>
+              <a:rPr lang="tr-TR" dirty="0"/>
+              <a:t>. </a:t>
+            </a:r>
+            <a:r>
+              <a:rPr lang="tr-TR" dirty="0" err="1"/>
+              <a:t>There</a:t>
+            </a:r>
+            <a:r>
+              <a:rPr lang="tr-TR" dirty="0"/>
+              <a:t> </a:t>
+            </a:r>
+            <a:r>
+              <a:rPr lang="tr-TR" dirty="0" err="1"/>
+              <a:t>are</a:t>
+            </a:r>
+            <a:r>
+              <a:rPr lang="tr-TR" dirty="0"/>
+              <a:t> 4 </a:t>
+            </a:r>
+            <a:r>
+              <a:rPr lang="tr-TR" dirty="0" err="1"/>
+              <a:t>cases</a:t>
+            </a:r>
+            <a:r>
+              <a:rPr lang="tr-TR" dirty="0"/>
+              <a:t>, </a:t>
+            </a:r>
+            <a:r>
+              <a:rPr lang="tr-TR" dirty="0" err="1"/>
+              <a:t>first</a:t>
+            </a:r>
+            <a:r>
+              <a:rPr lang="tr-TR" dirty="0"/>
+              <a:t> 2 </a:t>
+            </a:r>
+            <a:r>
+              <a:rPr lang="tr-TR" dirty="0" err="1"/>
+              <a:t>are</a:t>
+            </a:r>
+            <a:r>
+              <a:rPr lang="tr-TR" dirty="0"/>
+              <a:t> </a:t>
+            </a:r>
+            <a:r>
+              <a:rPr lang="tr-TR" dirty="0" err="1"/>
+              <a:t>opposite</a:t>
+            </a:r>
+            <a:r>
+              <a:rPr lang="tr-TR" dirty="0"/>
+              <a:t> </a:t>
+            </a:r>
+            <a:r>
+              <a:rPr lang="tr-TR" dirty="0" err="1"/>
+              <a:t>to</a:t>
+            </a:r>
+            <a:r>
+              <a:rPr lang="tr-TR" dirty="0"/>
+              <a:t> </a:t>
+            </a:r>
+            <a:r>
+              <a:rPr lang="tr-TR" dirty="0" err="1"/>
+              <a:t>each</a:t>
+            </a:r>
+            <a:r>
+              <a:rPr lang="tr-TR" dirty="0"/>
+              <a:t> </a:t>
+            </a:r>
+            <a:r>
+              <a:rPr lang="tr-TR" dirty="0" err="1"/>
+              <a:t>other</a:t>
+            </a:r>
+            <a:r>
+              <a:rPr lang="tr-TR" dirty="0"/>
+              <a:t> </a:t>
+            </a:r>
+            <a:r>
+              <a:rPr lang="tr-TR" dirty="0" err="1"/>
+              <a:t>and</a:t>
+            </a:r>
+            <a:r>
+              <a:rPr lang="tr-TR" dirty="0"/>
+              <a:t> </a:t>
+            </a:r>
+            <a:r>
+              <a:rPr lang="tr-TR" dirty="0" err="1"/>
+              <a:t>the</a:t>
+            </a:r>
+            <a:r>
+              <a:rPr lang="tr-TR" dirty="0"/>
+              <a:t> </a:t>
+            </a:r>
+            <a:r>
+              <a:rPr lang="tr-TR" dirty="0" err="1"/>
+              <a:t>other</a:t>
+            </a:r>
+            <a:r>
+              <a:rPr lang="tr-TR" dirty="0"/>
+              <a:t> 2 </a:t>
+            </a:r>
+            <a:r>
+              <a:rPr lang="tr-TR" dirty="0" err="1"/>
+              <a:t>are</a:t>
+            </a:r>
+            <a:r>
+              <a:rPr lang="tr-TR" dirty="0"/>
+              <a:t> </a:t>
+            </a:r>
+            <a:r>
+              <a:rPr lang="tr-TR" dirty="0" err="1"/>
+              <a:t>symmetric</a:t>
+            </a:r>
+            <a:r>
+              <a:rPr lang="tr-TR" dirty="0"/>
+              <a:t> </a:t>
+            </a:r>
+            <a:r>
+              <a:rPr lang="tr-TR" dirty="0" err="1"/>
+              <a:t>to</a:t>
+            </a:r>
+            <a:r>
+              <a:rPr lang="tr-TR" dirty="0"/>
+              <a:t> </a:t>
+            </a:r>
+            <a:r>
+              <a:rPr lang="tr-TR" dirty="0" err="1"/>
+              <a:t>first</a:t>
+            </a:r>
+            <a:r>
+              <a:rPr lang="tr-TR" dirty="0"/>
+              <a:t> 2 </a:t>
+            </a:r>
+            <a:r>
+              <a:rPr lang="tr-TR" dirty="0" err="1"/>
+              <a:t>cases</a:t>
+            </a:r>
+            <a:r>
+              <a:rPr lang="tr-TR" dirty="0"/>
+              <a:t>.</a:t>
+            </a:r>
+          </a:p>
+          <a:p>
+            <a:r>
+              <a:rPr lang="tr-TR" dirty="0"/>
               <a:t>-</a:t>
             </a:r>
             <a:r>
               <a:rPr lang="tr-TR" dirty="0" err="1"/>
-              <a:t>We</a:t>
-            </a:r>
-            <a:r>
-              <a:rPr lang="tr-TR" dirty="0"/>
-              <a:t> </a:t>
-            </a:r>
-            <a:r>
-              <a:rPr lang="tr-TR" dirty="0" err="1"/>
-              <a:t>propose</a:t>
-            </a:r>
-            <a:r>
-              <a:rPr lang="tr-TR" dirty="0"/>
-              <a:t> a </a:t>
-            </a:r>
-            <a:r>
-              <a:rPr lang="tr-TR" dirty="0" err="1"/>
-              <a:t>novel</a:t>
-            </a:r>
-            <a:r>
-              <a:rPr lang="tr-TR" dirty="0"/>
-              <a:t> </a:t>
-            </a:r>
-            <a:r>
-              <a:rPr lang="tr-TR" dirty="0" err="1"/>
-              <a:t>method</a:t>
-            </a:r>
-            <a:r>
-              <a:rPr lang="tr-TR" dirty="0"/>
-              <a:t> </a:t>
-            </a:r>
-            <a:r>
-              <a:rPr lang="tr-TR" dirty="0" err="1"/>
-              <a:t>based</a:t>
-            </a:r>
-            <a:r>
-              <a:rPr lang="tr-TR" dirty="0"/>
-              <a:t> on </a:t>
-            </a:r>
-            <a:r>
-              <a:rPr lang="tr-TR" dirty="0" err="1"/>
-              <a:t>arc-splines</a:t>
-            </a:r>
-            <a:r>
-              <a:rPr lang="tr-TR" dirty="0"/>
-              <a:t>. </a:t>
-            </a:r>
-            <a:r>
-              <a:rPr lang="tr-TR" dirty="0" err="1"/>
               <a:t>This</a:t>
             </a:r>
             <a:r>
               <a:rPr lang="tr-TR" dirty="0"/>
-              <a:t> has </a:t>
-            </a:r>
-            <a:r>
-              <a:rPr lang="tr-TR" dirty="0" err="1"/>
-              <a:t>various</a:t>
-            </a:r>
-            <a:r>
-              <a:rPr lang="tr-TR" dirty="0"/>
-              <a:t> </a:t>
-            </a:r>
-            <a:r>
-              <a:rPr lang="tr-TR" dirty="0" err="1"/>
-              <a:t>advantages</a:t>
-            </a:r>
-            <a:r>
-              <a:rPr lang="tr-TR" dirty="0"/>
-              <a:t>, it has a </a:t>
-            </a:r>
-            <a:r>
-              <a:rPr lang="tr-TR" dirty="0" err="1"/>
-              <a:t>similar</a:t>
-            </a:r>
-            <a:r>
-              <a:rPr lang="tr-TR" dirty="0"/>
-              <a:t> </a:t>
-            </a:r>
-            <a:r>
-              <a:rPr lang="tr-TR" dirty="0" err="1"/>
-              <a:t>mathematical</a:t>
-            </a:r>
-            <a:r>
-              <a:rPr lang="tr-TR" dirty="0"/>
-              <a:t> </a:t>
-            </a:r>
-            <a:r>
-              <a:rPr lang="tr-TR" dirty="0" err="1"/>
-              <a:t>representation</a:t>
-            </a:r>
-            <a:r>
-              <a:rPr lang="tr-TR" dirty="0"/>
-              <a:t> </a:t>
-            </a:r>
-            <a:r>
-              <a:rPr lang="tr-TR" dirty="0" err="1"/>
-              <a:t>to</a:t>
-            </a:r>
-            <a:r>
-              <a:rPr lang="tr-TR" dirty="0"/>
-              <a:t> </a:t>
-            </a:r>
-            <a:r>
-              <a:rPr lang="tr-TR" dirty="0" err="1"/>
-              <a:t>road</a:t>
-            </a:r>
-            <a:r>
-              <a:rPr lang="tr-TR" dirty="0"/>
-              <a:t> </a:t>
-            </a:r>
-            <a:r>
-              <a:rPr lang="tr-TR" dirty="0" err="1"/>
-              <a:t>centerline</a:t>
-            </a:r>
-            <a:r>
-              <a:rPr lang="tr-TR" dirty="0"/>
-              <a:t>. </a:t>
-            </a:r>
-            <a:r>
-              <a:rPr lang="tr-TR" dirty="0" err="1"/>
-              <a:t>It</a:t>
-            </a:r>
-            <a:r>
-              <a:rPr lang="tr-TR" dirty="0"/>
-              <a:t> is </a:t>
-            </a:r>
-            <a:r>
-              <a:rPr lang="tr-TR" dirty="0" err="1"/>
-              <a:t>possible</a:t>
-            </a:r>
-            <a:r>
-              <a:rPr lang="tr-TR" dirty="0"/>
-              <a:t> </a:t>
-            </a:r>
-            <a:r>
-              <a:rPr lang="tr-TR" dirty="0" err="1"/>
-              <a:t>to</a:t>
-            </a:r>
-            <a:r>
-              <a:rPr lang="tr-TR" dirty="0"/>
-              <a:t> </a:t>
-            </a:r>
-            <a:r>
-              <a:rPr lang="tr-TR" dirty="0" err="1"/>
-              <a:t>utilize</a:t>
-            </a:r>
-            <a:r>
-              <a:rPr lang="tr-TR" dirty="0"/>
-              <a:t> </a:t>
-            </a:r>
-            <a:r>
-              <a:rPr lang="tr-TR" dirty="0" err="1"/>
-              <a:t>the</a:t>
-            </a:r>
-            <a:r>
-              <a:rPr lang="tr-TR" dirty="0"/>
-              <a:t> </a:t>
-            </a:r>
-            <a:r>
-              <a:rPr lang="tr-TR" dirty="0" err="1"/>
-              <a:t>road</a:t>
-            </a:r>
-            <a:r>
-              <a:rPr lang="tr-TR" dirty="0"/>
-              <a:t> </a:t>
-            </a:r>
-            <a:r>
-              <a:rPr lang="tr-TR" dirty="0" err="1"/>
-              <a:t>curvature</a:t>
-            </a:r>
-            <a:r>
-              <a:rPr lang="tr-TR" dirty="0"/>
-              <a:t> </a:t>
-            </a:r>
-            <a:r>
-              <a:rPr lang="tr-TR" dirty="0" err="1"/>
-              <a:t>information</a:t>
-            </a:r>
-            <a:r>
-              <a:rPr lang="tr-TR" dirty="0"/>
-              <a:t> </a:t>
-            </a:r>
-            <a:r>
-              <a:rPr lang="tr-TR" dirty="0" err="1"/>
-              <a:t>with</a:t>
-            </a:r>
-            <a:r>
-              <a:rPr lang="tr-TR" dirty="0"/>
-              <a:t> </a:t>
-            </a:r>
-            <a:r>
-              <a:rPr lang="tr-TR" dirty="0" err="1"/>
-              <a:t>this</a:t>
-            </a:r>
-            <a:r>
-              <a:rPr lang="tr-TR" dirty="0"/>
-              <a:t> </a:t>
-            </a:r>
-            <a:r>
-              <a:rPr lang="tr-TR" dirty="0" err="1"/>
-              <a:t>method</a:t>
-            </a:r>
-            <a:r>
-              <a:rPr lang="tr-TR" dirty="0"/>
-              <a:t>.</a:t>
-            </a:r>
-          </a:p>
-          <a:p>
-            <a:r>
-              <a:rPr lang="tr-TR" dirty="0"/>
-              <a:t>-</a:t>
-            </a:r>
-            <a:r>
-              <a:rPr lang="tr-TR" dirty="0" err="1"/>
-              <a:t>It</a:t>
-            </a:r>
-            <a:r>
-              <a:rPr lang="tr-TR" dirty="0"/>
-              <a:t> is </a:t>
-            </a:r>
-            <a:r>
-              <a:rPr lang="tr-TR" dirty="0" err="1"/>
-              <a:t>possible</a:t>
-            </a:r>
-            <a:r>
-              <a:rPr lang="tr-TR" dirty="0"/>
-              <a:t> </a:t>
-            </a:r>
-            <a:r>
-              <a:rPr lang="tr-TR" dirty="0" err="1"/>
-              <a:t>to</a:t>
-            </a:r>
-            <a:r>
-              <a:rPr lang="tr-TR" dirty="0"/>
-              <a:t> </a:t>
-            </a:r>
-            <a:r>
-              <a:rPr lang="tr-TR" dirty="0" err="1"/>
-              <a:t>superpose</a:t>
-            </a:r>
-            <a:r>
-              <a:rPr lang="tr-TR" dirty="0"/>
-              <a:t> </a:t>
-            </a:r>
-            <a:r>
-              <a:rPr lang="tr-TR" dirty="0" err="1"/>
-              <a:t>arc-splines</a:t>
-            </a:r>
-            <a:r>
-              <a:rPr lang="tr-TR" dirty="0"/>
-              <a:t> on top of </a:t>
-            </a:r>
-            <a:r>
-              <a:rPr lang="tr-TR" dirty="0" err="1"/>
-              <a:t>each</a:t>
-            </a:r>
-            <a:r>
-              <a:rPr lang="tr-TR" dirty="0"/>
-              <a:t> </a:t>
-            </a:r>
-            <a:r>
-              <a:rPr lang="tr-TR" dirty="0" err="1"/>
-              <a:t>other</a:t>
+              <a:t> </a:t>
+            </a:r>
+            <a:r>
+              <a:rPr lang="tr-TR" dirty="0" err="1"/>
+              <a:t>maneuver</a:t>
+            </a:r>
+            <a:r>
+              <a:rPr lang="tr-TR" dirty="0"/>
+              <a:t> </a:t>
+            </a:r>
+            <a:r>
+              <a:rPr lang="tr-TR" dirty="0" err="1"/>
+              <a:t>does</a:t>
+            </a:r>
+            <a:r>
+              <a:rPr lang="tr-TR" dirty="0"/>
+              <a:t> not </a:t>
+            </a:r>
+            <a:r>
+              <a:rPr lang="tr-TR" dirty="0" err="1"/>
+              <a:t>care</a:t>
+            </a:r>
+            <a:r>
+              <a:rPr lang="tr-TR" dirty="0"/>
+              <a:t> </a:t>
+            </a:r>
+            <a:r>
+              <a:rPr lang="tr-TR" dirty="0" err="1"/>
+              <a:t>about</a:t>
+            </a:r>
+            <a:r>
+              <a:rPr lang="tr-TR" dirty="0"/>
+              <a:t> </a:t>
+            </a:r>
+            <a:r>
+              <a:rPr lang="tr-TR" dirty="0" err="1"/>
+              <a:t>position</a:t>
+            </a:r>
+            <a:r>
+              <a:rPr lang="tr-TR" dirty="0"/>
+              <a:t> </a:t>
+            </a:r>
+            <a:r>
+              <a:rPr lang="tr-TR" dirty="0" err="1"/>
+              <a:t>therefore</a:t>
+            </a:r>
+            <a:r>
+              <a:rPr lang="tr-TR" dirty="0"/>
+              <a:t> it </a:t>
+            </a:r>
+            <a:r>
+              <a:rPr lang="tr-TR" dirty="0" err="1"/>
+              <a:t>might</a:t>
+            </a:r>
+            <a:r>
+              <a:rPr lang="tr-TR" dirty="0"/>
+              <a:t> </a:t>
+            </a:r>
+            <a:r>
+              <a:rPr lang="tr-TR" dirty="0" err="1"/>
+              <a:t>introduce</a:t>
+            </a:r>
+            <a:r>
+              <a:rPr lang="tr-TR" dirty="0"/>
+              <a:t> </a:t>
+            </a:r>
+            <a:r>
+              <a:rPr lang="tr-TR" dirty="0" err="1"/>
+              <a:t>position</a:t>
+            </a:r>
+            <a:r>
+              <a:rPr lang="tr-TR" dirty="0"/>
+              <a:t> </a:t>
+            </a:r>
+            <a:r>
+              <a:rPr lang="tr-TR" dirty="0" err="1"/>
+              <a:t>error</a:t>
             </a:r>
             <a:r>
               <a:rPr lang="tr-TR" dirty="0"/>
@@ -1920,7 +2230,7 @@
     </p:spTree>
     <p:extLst>
       <p:ext uri="{BB962C8B-B14F-4D97-AF65-F5344CB8AC3E}">
-        <p14:creationId xmlns:p14="http://schemas.microsoft.com/office/powerpoint/2010/main" val="823611805"/>
+        <p14:creationId xmlns:p14="http://schemas.microsoft.com/office/powerpoint/2010/main" val="1892030407"/>
       </p:ext>
     </p:extLst>
   </p:cSld>
@@ -1976,7 +2286,79 @@
           <a:p>
             <a:r>
               <a:rPr lang="tr-TR" dirty="0"/>
-              <a:t>-HCC </a:t>
+              <a:t>-</a:t>
+            </a:r>
+            <a:r>
+              <a:rPr lang="tr-TR" dirty="0" err="1"/>
+              <a:t>Uses</a:t>
+            </a:r>
+            <a:r>
+              <a:rPr lang="tr-TR" dirty="0"/>
+              <a:t> </a:t>
+            </a:r>
+            <a:r>
+              <a:rPr lang="tr-TR" dirty="0" err="1"/>
+              <a:t>bi-elementary</a:t>
+            </a:r>
+            <a:r>
+              <a:rPr lang="tr-TR" dirty="0"/>
+              <a:t> </a:t>
+            </a:r>
+            <a:r>
+              <a:rPr lang="tr-TR" dirty="0" err="1"/>
+              <a:t>paths</a:t>
+            </a:r>
+            <a:r>
+              <a:rPr lang="tr-TR" dirty="0"/>
+              <a:t> </a:t>
+            </a:r>
+            <a:r>
+              <a:rPr lang="tr-TR" dirty="0" err="1"/>
+              <a:t>that</a:t>
+            </a:r>
+            <a:r>
+              <a:rPr lang="tr-TR" dirty="0"/>
+              <a:t> </a:t>
+            </a:r>
+            <a:r>
+              <a:rPr lang="tr-TR" dirty="0" err="1"/>
+              <a:t>are</a:t>
+            </a:r>
+            <a:r>
+              <a:rPr lang="tr-TR" dirty="0"/>
+              <a:t> </a:t>
+            </a:r>
+            <a:r>
+              <a:rPr lang="tr-TR" dirty="0" err="1"/>
+              <a:t>frequently</a:t>
+            </a:r>
+            <a:r>
+              <a:rPr lang="tr-TR" dirty="0"/>
+              <a:t> </a:t>
+            </a:r>
+            <a:r>
+              <a:rPr lang="tr-TR" dirty="0" err="1"/>
+              <a:t>used</a:t>
+            </a:r>
+            <a:r>
+              <a:rPr lang="tr-TR" dirty="0"/>
+              <a:t> in </a:t>
+            </a:r>
+            <a:r>
+              <a:rPr lang="tr-TR" dirty="0" err="1"/>
+              <a:t>lane</a:t>
+            </a:r>
+            <a:r>
+              <a:rPr lang="tr-TR" dirty="0"/>
+              <a:t> </a:t>
+            </a:r>
+            <a:r>
+              <a:rPr lang="tr-TR" dirty="0" err="1"/>
+              <a:t>change</a:t>
+            </a:r>
+            <a:r>
+              <a:rPr lang="tr-TR" dirty="0"/>
+              <a:t> </a:t>
             </a:r>
             <a:r>
               <a:rPr lang="tr-TR" dirty="0" err="1"/>
@@ -1984,27 +2366,241 @@
             </a:r>
             <a:r>
               <a:rPr lang="tr-TR" dirty="0"/>
+              <a:t> </a:t>
+            </a:r>
+            <a:r>
+              <a:rPr lang="tr-TR" dirty="0" err="1"/>
+              <a:t>applications</a:t>
+            </a:r>
+            <a:r>
+              <a:rPr lang="tr-TR" dirty="0"/>
+              <a:t>. </a:t>
+            </a:r>
+            <a:r>
+              <a:rPr lang="tr-TR" dirty="0" err="1"/>
+              <a:t>In</a:t>
+            </a:r>
+            <a:r>
+              <a:rPr lang="tr-TR" dirty="0"/>
+              <a:t> </a:t>
+            </a:r>
+            <a:r>
+              <a:rPr lang="tr-TR" dirty="0" err="1"/>
+              <a:t>this</a:t>
+            </a:r>
+            <a:r>
+              <a:rPr lang="tr-TR" dirty="0"/>
+              <a:t> </a:t>
+            </a:r>
+            <a:r>
+              <a:rPr lang="tr-TR" dirty="0" err="1"/>
+              <a:t>case</a:t>
+            </a:r>
+            <a:r>
+              <a:rPr lang="tr-TR" dirty="0"/>
+              <a:t> it is </a:t>
+            </a:r>
+            <a:r>
+              <a:rPr lang="tr-TR" dirty="0" err="1"/>
+              <a:t>used</a:t>
+            </a:r>
+            <a:r>
+              <a:rPr lang="tr-TR" dirty="0"/>
+              <a:t> </a:t>
+            </a:r>
+            <a:r>
+              <a:rPr lang="tr-TR" dirty="0" err="1"/>
+              <a:t>to</a:t>
+            </a:r>
+            <a:r>
+              <a:rPr lang="tr-TR" dirty="0"/>
+              <a:t> </a:t>
+            </a:r>
+            <a:r>
+              <a:rPr lang="tr-TR" dirty="0" err="1"/>
+              <a:t>correct</a:t>
+            </a:r>
+            <a:r>
+              <a:rPr lang="tr-TR" dirty="0"/>
+              <a:t> </a:t>
+            </a:r>
+            <a:r>
+              <a:rPr lang="tr-TR" dirty="0" err="1"/>
+              <a:t>for</a:t>
+            </a:r>
+            <a:r>
+              <a:rPr lang="tr-TR" dirty="0"/>
+              <a:t> </a:t>
+            </a:r>
+            <a:r>
+              <a:rPr lang="tr-TR" dirty="0" err="1"/>
+              <a:t>position</a:t>
+            </a:r>
+            <a:r>
+              <a:rPr lang="tr-TR" dirty="0"/>
+              <a:t> </a:t>
+            </a:r>
+            <a:r>
+              <a:rPr lang="tr-TR" dirty="0" err="1"/>
+              <a:t>offset</a:t>
+            </a:r>
+            <a:r>
+              <a:rPr lang="tr-TR" dirty="0"/>
+              <a:t> </a:t>
+            </a:r>
+            <a:r>
+              <a:rPr lang="tr-TR" dirty="0" err="1"/>
+              <a:t>from</a:t>
+            </a:r>
+            <a:r>
+              <a:rPr lang="tr-TR" dirty="0"/>
+              <a:t> </a:t>
+            </a:r>
+            <a:r>
+              <a:rPr lang="tr-TR" dirty="0" err="1"/>
+              <a:t>the</a:t>
+            </a:r>
+            <a:r>
+              <a:rPr lang="tr-TR" dirty="0"/>
+              <a:t> </a:t>
+            </a:r>
+            <a:r>
+              <a:rPr lang="tr-TR" dirty="0" err="1"/>
+              <a:t>centerline</a:t>
+            </a:r>
+            <a:r>
+              <a:rPr lang="tr-TR" dirty="0"/>
+              <a:t> of </a:t>
+            </a:r>
+            <a:r>
+              <a:rPr lang="tr-TR" dirty="0" err="1"/>
+              <a:t>the</a:t>
+            </a:r>
+            <a:r>
+              <a:rPr lang="tr-TR" dirty="0"/>
+              <a:t> </a:t>
+            </a:r>
+            <a:r>
+              <a:rPr lang="tr-TR" dirty="0" err="1"/>
+              <a:t>road</a:t>
+            </a:r>
+            <a:r>
+              <a:rPr lang="tr-TR" dirty="0"/>
+              <a:t>. First HCC </a:t>
+            </a:r>
+            <a:r>
+              <a:rPr lang="tr-TR" dirty="0" err="1"/>
+              <a:t>maneuver’s</a:t>
+            </a:r>
+            <a:r>
+              <a:rPr lang="tr-TR" dirty="0"/>
+              <a:t> </a:t>
+            </a:r>
+            <a:r>
+              <a:rPr lang="tr-TR" dirty="0" err="1"/>
+              <a:t>endpoint</a:t>
+            </a:r>
+            <a:r>
+              <a:rPr lang="tr-TR" dirty="0"/>
               <a:t> is </a:t>
             </a:r>
             <a:r>
               <a:rPr lang="tr-TR" dirty="0" err="1"/>
-              <a:t>developed</a:t>
-            </a:r>
-            <a:r>
-              <a:rPr lang="tr-TR" dirty="0"/>
-              <a:t> </a:t>
-            </a:r>
-            <a:r>
-              <a:rPr lang="tr-TR" dirty="0" err="1"/>
-              <a:t>to</a:t>
-            </a:r>
-            <a:r>
-              <a:rPr lang="tr-TR" dirty="0"/>
-              <a:t> </a:t>
-            </a:r>
-            <a:r>
-              <a:rPr lang="tr-TR" dirty="0" err="1"/>
-              <a:t>correct</a:t>
+              <a:t>computed</a:t>
+            </a:r>
+            <a:r>
+              <a:rPr lang="tr-TR" dirty="0"/>
+              <a:t> </a:t>
+            </a:r>
+            <a:r>
+              <a:rPr lang="tr-TR" dirty="0" err="1"/>
+              <a:t>and</a:t>
+            </a:r>
+            <a:r>
+              <a:rPr lang="tr-TR" dirty="0"/>
+              <a:t> </a:t>
+            </a:r>
+            <a:r>
+              <a:rPr lang="tr-TR" dirty="0" err="1"/>
+              <a:t>the</a:t>
+            </a:r>
+            <a:r>
+              <a:rPr lang="tr-TR" dirty="0"/>
+              <a:t> </a:t>
+            </a:r>
+            <a:r>
+              <a:rPr lang="tr-TR" dirty="0" err="1"/>
+              <a:t>position</a:t>
+            </a:r>
+            <a:r>
+              <a:rPr lang="tr-TR" dirty="0"/>
+              <a:t> </a:t>
+            </a:r>
+            <a:r>
+              <a:rPr lang="tr-TR" dirty="0" err="1"/>
+              <a:t>error</a:t>
+            </a:r>
+            <a:r>
+              <a:rPr lang="tr-TR" dirty="0"/>
+              <a:t> is </a:t>
+            </a:r>
+            <a:r>
+              <a:rPr lang="tr-TR" dirty="0" err="1"/>
+              <a:t>taken</a:t>
+            </a:r>
+            <a:r>
+              <a:rPr lang="tr-TR" dirty="0"/>
+              <a:t> </a:t>
+            </a:r>
+            <a:r>
+              <a:rPr lang="tr-TR" dirty="0" err="1"/>
+              <a:t>from</a:t>
+            </a:r>
+            <a:r>
+              <a:rPr lang="tr-TR" dirty="0"/>
+              <a:t> HCC </a:t>
+            </a:r>
+            <a:r>
+              <a:rPr lang="tr-TR" dirty="0" err="1"/>
+              <a:t>maneuver’s</a:t>
+            </a:r>
+            <a:r>
+              <a:rPr lang="tr-TR" dirty="0"/>
+              <a:t> </a:t>
+            </a:r>
+            <a:r>
+              <a:rPr lang="tr-TR" dirty="0" err="1"/>
+              <a:t>endpoint</a:t>
+            </a:r>
+            <a:r>
+              <a:rPr lang="tr-TR" dirty="0"/>
+              <a:t>.</a:t>
+            </a:r>
+          </a:p>
+          <a:p>
+            <a:r>
+              <a:rPr lang="tr-TR" dirty="0"/>
+              <a:t>-</a:t>
+            </a:r>
+            <a:r>
+              <a:rPr lang="tr-TR" dirty="0" err="1"/>
+              <a:t>This</a:t>
+            </a:r>
+            <a:r>
+              <a:rPr lang="tr-TR" dirty="0"/>
+              <a:t> </a:t>
+            </a:r>
+            <a:r>
+              <a:rPr lang="tr-TR" dirty="0" err="1"/>
+              <a:t>maneuver</a:t>
+            </a:r>
+            <a:r>
+              <a:rPr lang="tr-TR" dirty="0"/>
+              <a:t> </a:t>
+            </a:r>
+            <a:r>
+              <a:rPr lang="tr-TR" dirty="0" err="1"/>
+              <a:t>accounts</a:t>
             </a:r>
             <a:r>
               <a:rPr lang="tr-TR" dirty="0"/>
@@ -2020,6 +2616,70 @@
             </a:r>
             <a:r>
               <a:rPr lang="tr-TR" dirty="0" err="1"/>
+              <a:t>position</a:t>
+            </a:r>
+            <a:r>
+              <a:rPr lang="tr-TR" dirty="0"/>
+              <a:t> </a:t>
+            </a:r>
+            <a:r>
+              <a:rPr lang="tr-TR" dirty="0" err="1"/>
+              <a:t>error</a:t>
+            </a:r>
+            <a:r>
+              <a:rPr lang="tr-TR" dirty="0"/>
+              <a:t> </a:t>
+            </a:r>
+            <a:r>
+              <a:rPr lang="tr-TR" dirty="0" err="1"/>
+              <a:t>only</a:t>
+            </a:r>
+            <a:r>
+              <a:rPr lang="tr-TR" dirty="0"/>
+              <a:t>, </a:t>
+            </a:r>
+            <a:r>
+              <a:rPr lang="tr-TR" dirty="0" err="1"/>
+              <a:t>by</a:t>
+            </a:r>
+            <a:r>
+              <a:rPr lang="tr-TR" dirty="0"/>
+              <a:t> </a:t>
+            </a:r>
+            <a:r>
+              <a:rPr lang="tr-TR" dirty="0" err="1"/>
+              <a:t>its</a:t>
+            </a:r>
+            <a:r>
+              <a:rPr lang="tr-TR" dirty="0"/>
+              <a:t> natüre it </a:t>
+            </a:r>
+            <a:r>
+              <a:rPr lang="tr-TR" dirty="0" err="1"/>
+              <a:t>does</a:t>
+            </a:r>
+            <a:r>
+              <a:rPr lang="tr-TR" dirty="0"/>
+              <a:t> not </a:t>
+            </a:r>
+            <a:r>
+              <a:rPr lang="tr-TR" dirty="0" err="1"/>
+              <a:t>change</a:t>
+            </a:r>
+            <a:r>
+              <a:rPr lang="tr-TR" dirty="0"/>
+              <a:t> </a:t>
+            </a:r>
+            <a:r>
+              <a:rPr lang="tr-TR" dirty="0" err="1"/>
+              <a:t>the</a:t>
+            </a:r>
+            <a:r>
+              <a:rPr lang="tr-TR" dirty="0"/>
+              <a:t> </a:t>
+            </a:r>
+            <a:r>
+              <a:rPr lang="tr-TR" dirty="0" err="1"/>
               <a:t>heading</a:t>
             </a:r>
             <a:r>
@@ -2040,103 +2700,7 @@
             </a:r>
             <a:r>
               <a:rPr lang="tr-TR" dirty="0"/>
-              <a:t> </a:t>
-            </a:r>
-            <a:r>
-              <a:rPr lang="tr-TR" dirty="0" err="1"/>
-              <a:t>error</a:t>
-            </a:r>
-            <a:r>
-              <a:rPr lang="tr-TR" dirty="0"/>
-              <a:t> </a:t>
-            </a:r>
-            <a:r>
-              <a:rPr lang="tr-TR" dirty="0" err="1"/>
-              <a:t>simultaneously</a:t>
-            </a:r>
-            <a:r>
-              <a:rPr lang="tr-TR" dirty="0"/>
-              <a:t>. </a:t>
-            </a:r>
-            <a:r>
-              <a:rPr lang="tr-TR" dirty="0" err="1"/>
-              <a:t>There</a:t>
-            </a:r>
-            <a:r>
-              <a:rPr lang="tr-TR" dirty="0"/>
-              <a:t> </a:t>
-            </a:r>
-            <a:r>
-              <a:rPr lang="tr-TR" dirty="0" err="1"/>
-              <a:t>are</a:t>
-            </a:r>
-            <a:r>
-              <a:rPr lang="tr-TR" dirty="0"/>
-              <a:t> 4 </a:t>
-            </a:r>
-            <a:r>
-              <a:rPr lang="tr-TR" dirty="0" err="1"/>
-              <a:t>cases</a:t>
-            </a:r>
-            <a:r>
-              <a:rPr lang="tr-TR" dirty="0"/>
-              <a:t>, </a:t>
-            </a:r>
-            <a:r>
-              <a:rPr lang="tr-TR" dirty="0" err="1"/>
-              <a:t>first</a:t>
-            </a:r>
-            <a:r>
-              <a:rPr lang="tr-TR" dirty="0"/>
-              <a:t> 2 </a:t>
-            </a:r>
-            <a:r>
-              <a:rPr lang="tr-TR" dirty="0" err="1"/>
-              <a:t>are</a:t>
-            </a:r>
-            <a:r>
-              <a:rPr lang="tr-TR" dirty="0"/>
-              <a:t> </a:t>
-            </a:r>
-            <a:r>
-              <a:rPr lang="tr-TR" dirty="0" err="1"/>
-              <a:t>opposite</a:t>
-            </a:r>
-            <a:r>
-              <a:rPr lang="tr-TR" dirty="0"/>
-              <a:t> </a:t>
-            </a:r>
-            <a:r>
-              <a:rPr lang="tr-TR" dirty="0" err="1"/>
-              <a:t>to</a:t>
-            </a:r>
-            <a:r>
-              <a:rPr lang="tr-TR" dirty="0"/>
-              <a:t> </a:t>
-            </a:r>
-            <a:r>
-              <a:rPr lang="tr-TR" dirty="0" err="1"/>
-              <a:t>each</a:t>
-            </a:r>
-            <a:r>
-              <a:rPr lang="tr-TR" dirty="0"/>
-              <a:t> </a:t>
-            </a:r>
-            <a:r>
-              <a:rPr lang="tr-TR" dirty="0" err="1"/>
-              <a:t>other</a:t>
-            </a:r>
-            <a:r>
-              <a:rPr lang="tr-TR" dirty="0"/>
-              <a:t> </a:t>
-            </a:r>
-            <a:r>
-              <a:rPr lang="tr-TR" dirty="0" err="1"/>
-              <a:t>and</a:t>
-            </a:r>
-            <a:r>
-              <a:rPr lang="tr-TR" dirty="0"/>
-              <a:t> </a:t>
+              <a:t> of </a:t>
             </a:r>
             <a:r>
               <a:rPr lang="tr-TR" dirty="0" err="1"/>
@@ -2148,146 +2712,9 @@
             </a:r>
             <a:r>
               <a:rPr lang="tr-TR" dirty="0" err="1"/>
-              <a:t>other</a:t>
-            </a:r>
-            <a:r>
-              <a:rPr lang="tr-TR" dirty="0"/>
-              <a:t> 2 </a:t>
-            </a:r>
-            <a:r>
-              <a:rPr lang="tr-TR" dirty="0" err="1"/>
-              <a:t>are</a:t>
-            </a:r>
-            <a:r>
-              <a:rPr lang="tr-TR" dirty="0"/>
-              <a:t> </a:t>
-            </a:r>
-            <a:r>
-              <a:rPr lang="tr-TR" dirty="0" err="1"/>
-              <a:t>symmetric</a:t>
-            </a:r>
-            <a:r>
-              <a:rPr lang="tr-TR" dirty="0"/>
-              <a:t> </a:t>
-            </a:r>
-            <a:r>
-              <a:rPr lang="tr-TR" dirty="0" err="1"/>
-              <a:t>to</a:t>
-            </a:r>
-            <a:r>
-              <a:rPr lang="tr-TR" dirty="0"/>
-              <a:t> </a:t>
-            </a:r>
-            <a:r>
-              <a:rPr lang="tr-TR" dirty="0" err="1"/>
-              <a:t>first</a:t>
-            </a:r>
-            <a:r>
-              <a:rPr lang="tr-TR" dirty="0"/>
-              <a:t> 2 </a:t>
-            </a:r>
-            <a:r>
-              <a:rPr lang="tr-TR" dirty="0" err="1"/>
-              <a:t>cases</a:t>
-            </a:r>
-            <a:r>
-              <a:rPr lang="tr-TR" dirty="0"/>
-              <a:t>.</a:t>
-            </a:r>
-          </a:p>
-          <a:p>
-            <a:r>
-              <a:rPr lang="tr-TR" dirty="0"/>
-              <a:t>-</a:t>
-            </a:r>
-            <a:r>
-              <a:rPr lang="tr-TR" dirty="0" err="1"/>
-              <a:t>This</a:t>
-            </a:r>
-            <a:r>
-              <a:rPr lang="tr-TR" dirty="0"/>
-              <a:t> </a:t>
-            </a:r>
-            <a:r>
-              <a:rPr lang="tr-TR" dirty="0" err="1"/>
-              <a:t>maneuver</a:t>
-            </a:r>
-            <a:r>
-              <a:rPr lang="tr-TR" dirty="0"/>
-              <a:t> </a:t>
-            </a:r>
-            <a:r>
-              <a:rPr lang="tr-TR" dirty="0" err="1"/>
-              <a:t>does</a:t>
-            </a:r>
-            <a:r>
-              <a:rPr lang="tr-TR" dirty="0"/>
-              <a:t> not </a:t>
-            </a:r>
-            <a:r>
-              <a:rPr lang="tr-TR" dirty="0" err="1"/>
-              <a:t>care</a:t>
-            </a:r>
-            <a:r>
-              <a:rPr lang="tr-TR" dirty="0"/>
-              <a:t> </a:t>
-            </a:r>
-            <a:r>
-              <a:rPr lang="tr-TR" dirty="0" err="1"/>
-              <a:t>about</a:t>
-            </a:r>
-            <a:r>
-              <a:rPr lang="tr-TR" dirty="0"/>
-              <a:t> </a:t>
-            </a:r>
-            <a:r>
-              <a:rPr lang="tr-TR" dirty="0" err="1"/>
-              <a:t>position</a:t>
-            </a:r>
-            <a:r>
-              <a:rPr lang="tr-TR" dirty="0"/>
-              <a:t> </a:t>
-            </a:r>
-            <a:r>
-              <a:rPr lang="tr-TR" dirty="0" err="1"/>
-              <a:t>therefore</a:t>
-            </a:r>
-            <a:r>
-              <a:rPr lang="tr-TR" dirty="0"/>
-              <a:t> it </a:t>
-            </a:r>
-            <a:r>
-              <a:rPr lang="tr-TR" dirty="0" err="1"/>
-              <a:t>might</a:t>
-            </a:r>
-            <a:r>
-              <a:rPr lang="tr-TR" dirty="0"/>
-              <a:t> </a:t>
-            </a:r>
-            <a:r>
-              <a:rPr lang="tr-TR" dirty="0" err="1"/>
-              <a:t>introduce</a:t>
-            </a:r>
-            <a:r>
-              <a:rPr lang="tr-TR" dirty="0"/>
-              <a:t> </a:t>
-            </a:r>
-            <a:r>
-              <a:rPr lang="tr-TR" dirty="0" err="1"/>
-              <a:t>position</a:t>
-            </a:r>
-            <a:r>
-              <a:rPr lang="tr-TR" dirty="0"/>
-              <a:t> </a:t>
-            </a:r>
-            <a:r>
-              <a:rPr lang="tr-TR" dirty="0" err="1"/>
-              <a:t>error</a:t>
-            </a:r>
-            <a:r>
-              <a:rPr lang="tr-TR" dirty="0"/>
-              <a:t>.</a:t>
-            </a:r>
+              <a:t>vehicle</a:t>
+            </a:r>
+            <a:endParaRPr lang="tr-TR" dirty="0"/>
           </a:p>
         </p:txBody>
       </p:sp>
@@ -2323,7 +2750,7 @@
     </p:spTree>
     <p:extLst>
       <p:ext uri="{BB962C8B-B14F-4D97-AF65-F5344CB8AC3E}">
-        <p14:creationId xmlns:p14="http://schemas.microsoft.com/office/powerpoint/2010/main" val="1892030407"/>
+        <p14:creationId xmlns:p14="http://schemas.microsoft.com/office/powerpoint/2010/main" val="774442022"/>
       </p:ext>
     </p:extLst>
   </p:cSld>
@@ -2383,111 +2810,95 @@
             </a:r>
             <a:r>
               <a:rPr lang="tr-TR" dirty="0" err="1"/>
-              <a:t>Uses</a:t>
-            </a:r>
-            <a:r>
-              <a:rPr lang="tr-TR" dirty="0"/>
-              <a:t> </a:t>
-            </a:r>
-            <a:r>
-              <a:rPr lang="tr-TR" dirty="0" err="1"/>
-              <a:t>bi-elementary</a:t>
-            </a:r>
-            <a:r>
-              <a:rPr lang="tr-TR" dirty="0"/>
-              <a:t> </a:t>
-            </a:r>
-            <a:r>
-              <a:rPr lang="tr-TR" dirty="0" err="1"/>
-              <a:t>paths</a:t>
-            </a:r>
-            <a:r>
-              <a:rPr lang="tr-TR" dirty="0"/>
-              <a:t> </a:t>
-            </a:r>
-            <a:r>
-              <a:rPr lang="tr-TR" dirty="0" err="1"/>
-              <a:t>that</a:t>
-            </a:r>
-            <a:r>
-              <a:rPr lang="tr-TR" dirty="0"/>
-              <a:t> </a:t>
-            </a:r>
-            <a:r>
-              <a:rPr lang="tr-TR" dirty="0" err="1"/>
-              <a:t>are</a:t>
-            </a:r>
-            <a:r>
-              <a:rPr lang="tr-TR" dirty="0"/>
-              <a:t> </a:t>
-            </a:r>
-            <a:r>
-              <a:rPr lang="tr-TR" dirty="0" err="1"/>
-              <a:t>frequently</a:t>
-            </a:r>
-            <a:r>
-              <a:rPr lang="tr-TR" dirty="0"/>
-              <a:t> </a:t>
-            </a:r>
-            <a:r>
-              <a:rPr lang="tr-TR" dirty="0" err="1"/>
-              <a:t>used</a:t>
-            </a:r>
-            <a:r>
-              <a:rPr lang="tr-TR" dirty="0"/>
-              <a:t> in </a:t>
-            </a:r>
-            <a:r>
-              <a:rPr lang="tr-TR" dirty="0" err="1"/>
-              <a:t>lane</a:t>
-            </a:r>
-            <a:r>
-              <a:rPr lang="tr-TR" dirty="0"/>
-              <a:t> </a:t>
-            </a:r>
-            <a:r>
-              <a:rPr lang="tr-TR" dirty="0" err="1"/>
-              <a:t>change</a:t>
-            </a:r>
-            <a:r>
-              <a:rPr lang="tr-TR" dirty="0"/>
-              <a:t> </a:t>
-            </a:r>
-            <a:r>
-              <a:rPr lang="tr-TR" dirty="0" err="1"/>
-              <a:t>maneuver</a:t>
-            </a:r>
-            <a:r>
-              <a:rPr lang="tr-TR" dirty="0"/>
-              <a:t> </a:t>
-            </a:r>
-            <a:r>
-              <a:rPr lang="tr-TR" dirty="0" err="1"/>
-              <a:t>applications</a:t>
-            </a:r>
-            <a:r>
-              <a:rPr lang="tr-TR" dirty="0"/>
-              <a:t>. </a:t>
-            </a:r>
-            <a:r>
-              <a:rPr lang="tr-TR" dirty="0" err="1"/>
-              <a:t>In</a:t>
-            </a:r>
-            <a:r>
-              <a:rPr lang="tr-TR" dirty="0"/>
-              <a:t> </a:t>
-            </a:r>
-            <a:r>
-              <a:rPr lang="tr-TR" dirty="0" err="1"/>
-              <a:t>this</a:t>
-            </a:r>
-            <a:r>
-              <a:rPr lang="tr-TR" dirty="0"/>
-              <a:t> </a:t>
-            </a:r>
-            <a:r>
-              <a:rPr lang="tr-TR" dirty="0" err="1"/>
-              <a:t>case</a:t>
+              <a:t>If</a:t>
+            </a:r>
+            <a:r>
+              <a:rPr lang="tr-TR" dirty="0"/>
+              <a:t> </a:t>
+            </a:r>
+            <a:r>
+              <a:rPr lang="tr-TR" dirty="0" err="1"/>
+              <a:t>the</a:t>
+            </a:r>
+            <a:r>
+              <a:rPr lang="tr-TR" dirty="0"/>
+              <a:t> </a:t>
+            </a:r>
+            <a:r>
+              <a:rPr lang="tr-TR" dirty="0" err="1"/>
+              <a:t>road</a:t>
+            </a:r>
+            <a:r>
+              <a:rPr lang="tr-TR" dirty="0"/>
+              <a:t> </a:t>
+            </a:r>
+            <a:r>
+              <a:rPr lang="tr-TR" dirty="0" err="1"/>
+              <a:t>segment</a:t>
+            </a:r>
+            <a:r>
+              <a:rPr lang="tr-TR" dirty="0"/>
+              <a:t> is </a:t>
+            </a:r>
+            <a:r>
+              <a:rPr lang="tr-TR" dirty="0" err="1"/>
+              <a:t>clothoid</a:t>
+            </a:r>
+            <a:r>
+              <a:rPr lang="tr-TR" dirty="0"/>
+              <a:t>, it has a </a:t>
+            </a:r>
+            <a:r>
+              <a:rPr lang="tr-TR" dirty="0" err="1"/>
+              <a:t>curvature</a:t>
+            </a:r>
+            <a:r>
+              <a:rPr lang="tr-TR" dirty="0"/>
+              <a:t> </a:t>
+            </a:r>
+            <a:r>
+              <a:rPr lang="tr-TR" dirty="0" err="1"/>
+              <a:t>like</a:t>
+            </a:r>
+            <a:r>
+              <a:rPr lang="tr-TR" dirty="0"/>
+              <a:t> </a:t>
+            </a:r>
+            <a:r>
+              <a:rPr lang="tr-TR" dirty="0" err="1"/>
+              <a:t>the</a:t>
+            </a:r>
+            <a:r>
+              <a:rPr lang="tr-TR" dirty="0"/>
+              <a:t> </a:t>
+            </a:r>
+            <a:r>
+              <a:rPr lang="tr-TR" dirty="0" err="1"/>
+              <a:t>path</a:t>
+            </a:r>
+            <a:r>
+              <a:rPr lang="tr-TR" dirty="0"/>
+              <a:t> on </a:t>
+            </a:r>
+            <a:r>
+              <a:rPr lang="tr-TR" dirty="0" err="1"/>
+              <a:t>the</a:t>
+            </a:r>
+            <a:r>
+              <a:rPr lang="tr-TR" dirty="0"/>
+              <a:t> </a:t>
+            </a:r>
+            <a:r>
+              <a:rPr lang="tr-TR" dirty="0" err="1"/>
+              <a:t>left</a:t>
+            </a:r>
+            <a:r>
+              <a:rPr lang="tr-TR" dirty="0"/>
+              <a:t> </a:t>
+            </a:r>
+            <a:r>
+              <a:rPr lang="tr-TR" dirty="0" err="1"/>
+              <a:t>and</a:t>
             </a:r>
             <a:r>
               <a:rPr lang="tr-TR" dirty="0"/>
@@ -2495,7 +2906,7 @@
             </a:r>
             <a:r>
               <a:rPr lang="tr-TR" dirty="0" err="1"/>
-              <a:t>used</a:t>
+              <a:t>easy</a:t>
             </a:r>
             <a:r>
               <a:rPr lang="tr-TR" dirty="0"/>
@@ -2511,7 +2922,154 @@
             </a:r>
             <a:r>
               <a:rPr lang="tr-TR" dirty="0" err="1"/>
-              <a:t>correct</a:t>
+              <a:t>superpose</a:t>
+            </a:r>
+            <a:r>
+              <a:rPr lang="tr-TR" dirty="0"/>
+              <a:t> since it is </a:t>
+            </a:r>
+            <a:r>
+              <a:rPr lang="tr-TR" dirty="0" err="1"/>
+              <a:t>just</a:t>
+            </a:r>
+            <a:r>
+              <a:rPr lang="tr-TR" dirty="0"/>
+              <a:t> a </a:t>
+            </a:r>
+            <a:r>
+              <a:rPr lang="tr-TR" dirty="0" err="1"/>
+              <a:t>linear</a:t>
+            </a:r>
+            <a:r>
+              <a:rPr lang="tr-TR" dirty="0"/>
+              <a:t> </a:t>
+            </a:r>
+            <a:r>
+              <a:rPr lang="tr-TR" dirty="0" err="1"/>
+              <a:t>function</a:t>
+            </a:r>
+            <a:endParaRPr lang="tr-TR" dirty="0"/>
+          </a:p>
+          <a:p>
+            <a:r>
+              <a:rPr lang="tr-TR" dirty="0"/>
+              <a:t>-</a:t>
+            </a:r>
+            <a:r>
+              <a:rPr lang="tr-TR" dirty="0" err="1"/>
+              <a:t>If</a:t>
+            </a:r>
+            <a:r>
+              <a:rPr lang="tr-TR" dirty="0"/>
+              <a:t> </a:t>
+            </a:r>
+            <a:r>
+              <a:rPr lang="tr-TR" dirty="0" err="1"/>
+              <a:t>the</a:t>
+            </a:r>
+            <a:r>
+              <a:rPr lang="tr-TR" dirty="0"/>
+              <a:t> </a:t>
+            </a:r>
+            <a:r>
+              <a:rPr lang="tr-TR" dirty="0" err="1"/>
+              <a:t>road</a:t>
+            </a:r>
+            <a:r>
+              <a:rPr lang="tr-TR" dirty="0"/>
+              <a:t> </a:t>
+            </a:r>
+            <a:r>
+              <a:rPr lang="tr-TR" dirty="0" err="1"/>
+              <a:t>segment</a:t>
+            </a:r>
+            <a:r>
+              <a:rPr lang="tr-TR" dirty="0"/>
+              <a:t> is a </a:t>
+            </a:r>
+            <a:r>
+              <a:rPr lang="tr-TR" dirty="0" err="1"/>
+              <a:t>line</a:t>
+            </a:r>
+            <a:r>
+              <a:rPr lang="tr-TR" dirty="0"/>
+              <a:t> </a:t>
+            </a:r>
+            <a:r>
+              <a:rPr lang="tr-TR" dirty="0" err="1"/>
+              <a:t>segment</a:t>
+            </a:r>
+            <a:r>
+              <a:rPr lang="tr-TR" dirty="0"/>
+              <a:t>, it has </a:t>
+            </a:r>
+            <a:r>
+              <a:rPr lang="tr-TR" dirty="0" err="1"/>
+              <a:t>zero</a:t>
+            </a:r>
+            <a:r>
+              <a:rPr lang="tr-TR" dirty="0"/>
+              <a:t> </a:t>
+            </a:r>
+            <a:r>
+              <a:rPr lang="tr-TR" dirty="0" err="1"/>
+              <a:t>curvature</a:t>
+            </a:r>
+            <a:r>
+              <a:rPr lang="tr-TR" dirty="0"/>
+              <a:t> </a:t>
+            </a:r>
+            <a:r>
+              <a:rPr lang="tr-TR" dirty="0" err="1"/>
+              <a:t>so</a:t>
+            </a:r>
+            <a:r>
+              <a:rPr lang="tr-TR" dirty="0"/>
+              <a:t> </a:t>
+            </a:r>
+            <a:r>
+              <a:rPr lang="tr-TR" dirty="0" err="1"/>
+              <a:t>nothing</a:t>
+            </a:r>
+            <a:r>
+              <a:rPr lang="tr-TR" dirty="0"/>
+              <a:t> </a:t>
+            </a:r>
+            <a:r>
+              <a:rPr lang="tr-TR" dirty="0" err="1"/>
+              <a:t>needs</a:t>
+            </a:r>
+            <a:r>
+              <a:rPr lang="tr-TR" dirty="0"/>
+              <a:t> </a:t>
+            </a:r>
+            <a:r>
+              <a:rPr lang="tr-TR" dirty="0" err="1"/>
+              <a:t>to</a:t>
+            </a:r>
+            <a:r>
+              <a:rPr lang="tr-TR" dirty="0"/>
+              <a:t> be </a:t>
+            </a:r>
+            <a:r>
+              <a:rPr lang="tr-TR" dirty="0" err="1"/>
+              <a:t>superposed</a:t>
+            </a:r>
+            <a:r>
+              <a:rPr lang="tr-TR" dirty="0"/>
+              <a:t> </a:t>
+            </a:r>
+            <a:r>
+              <a:rPr lang="tr-TR" dirty="0" err="1"/>
+              <a:t>to</a:t>
+            </a:r>
+            <a:r>
+              <a:rPr lang="tr-TR" dirty="0"/>
+              <a:t> </a:t>
+            </a:r>
+            <a:r>
+              <a:rPr lang="tr-TR" dirty="0" err="1"/>
+              <a:t>compensate</a:t>
             </a:r>
             <a:r>
               <a:rPr lang="tr-TR" dirty="0"/>
@@ -2527,79 +3085,69 @@
             </a:r>
             <a:r>
               <a:rPr lang="tr-TR" dirty="0" err="1"/>
-              <a:t>position</a:t>
-            </a:r>
-            <a:r>
-              <a:rPr lang="tr-TR" dirty="0"/>
-              <a:t> </a:t>
-            </a:r>
-            <a:r>
-              <a:rPr lang="tr-TR" dirty="0" err="1"/>
-              <a:t>offset</a:t>
-            </a:r>
-            <a:r>
-              <a:rPr lang="tr-TR" dirty="0"/>
-              <a:t> </a:t>
-            </a:r>
-            <a:r>
-              <a:rPr lang="tr-TR" dirty="0" err="1"/>
-              <a:t>from</a:t>
-            </a:r>
-            <a:r>
-              <a:rPr lang="tr-TR" dirty="0"/>
-              <a:t> </a:t>
-            </a:r>
-            <a:r>
-              <a:rPr lang="tr-TR" dirty="0" err="1"/>
-              <a:t>the</a:t>
-            </a:r>
-            <a:r>
-              <a:rPr lang="tr-TR" dirty="0"/>
-              <a:t> </a:t>
-            </a:r>
-            <a:r>
-              <a:rPr lang="tr-TR" dirty="0" err="1"/>
-              <a:t>centerline</a:t>
-            </a:r>
-            <a:r>
-              <a:rPr lang="tr-TR" dirty="0"/>
-              <a:t> of </a:t>
-            </a:r>
-            <a:r>
-              <a:rPr lang="tr-TR" dirty="0" err="1"/>
-              <a:t>the</a:t>
-            </a:r>
-            <a:r>
-              <a:rPr lang="tr-TR" dirty="0"/>
-              <a:t> </a:t>
-            </a:r>
-            <a:r>
-              <a:rPr lang="tr-TR" dirty="0" err="1"/>
               <a:t>road</a:t>
             </a:r>
             <a:r>
               <a:rPr lang="tr-TR" dirty="0"/>
-              <a:t>. First HCC </a:t>
-            </a:r>
-            <a:r>
-              <a:rPr lang="tr-TR" dirty="0" err="1"/>
-              <a:t>maneuver’s</a:t>
-            </a:r>
-            <a:r>
-              <a:rPr lang="tr-TR" dirty="0"/>
-              <a:t> </a:t>
-            </a:r>
-            <a:r>
-              <a:rPr lang="tr-TR" dirty="0" err="1"/>
-              <a:t>endpoint</a:t>
-            </a:r>
-            <a:r>
-              <a:rPr lang="tr-TR" dirty="0"/>
-              <a:t> is </a:t>
-            </a:r>
-            <a:r>
-              <a:rPr lang="tr-TR" dirty="0" err="1"/>
-              <a:t>computed</a:t>
+              <a:t> </a:t>
+            </a:r>
+            <a:r>
+              <a:rPr lang="tr-TR" dirty="0" err="1"/>
+              <a:t>curvature</a:t>
+            </a:r>
+            <a:r>
+              <a:rPr lang="tr-TR" dirty="0"/>
+              <a:t>.</a:t>
+            </a:r>
+          </a:p>
+          <a:p>
+            <a:r>
+              <a:rPr lang="tr-TR" dirty="0"/>
+              <a:t>-Since </a:t>
+            </a:r>
+            <a:r>
+              <a:rPr lang="tr-TR" dirty="0" err="1"/>
+              <a:t>road</a:t>
+            </a:r>
+            <a:r>
+              <a:rPr lang="tr-TR" dirty="0"/>
+              <a:t> </a:t>
+            </a:r>
+            <a:r>
+              <a:rPr lang="tr-TR" dirty="0" err="1"/>
+              <a:t>curvature</a:t>
+            </a:r>
+            <a:r>
+              <a:rPr lang="tr-TR" dirty="0"/>
+              <a:t> is a </a:t>
+            </a:r>
+            <a:r>
+              <a:rPr lang="tr-TR" dirty="0" err="1"/>
+              <a:t>linear</a:t>
+            </a:r>
+            <a:r>
+              <a:rPr lang="tr-TR" dirty="0"/>
+              <a:t> </a:t>
+            </a:r>
+            <a:r>
+              <a:rPr lang="tr-TR" dirty="0" err="1"/>
+              <a:t>function</a:t>
+            </a:r>
+            <a:r>
+              <a:rPr lang="tr-TR" dirty="0"/>
+              <a:t>, it is not </a:t>
+            </a:r>
+            <a:r>
+              <a:rPr lang="tr-TR" dirty="0" err="1"/>
+              <a:t>computationally</a:t>
+            </a:r>
+            <a:r>
+              <a:rPr lang="tr-TR" dirty="0"/>
+              <a:t> </a:t>
+            </a:r>
+            <a:r>
+              <a:rPr lang="tr-TR" dirty="0" err="1"/>
+              <a:t>expensive</a:t>
             </a:r>
             <a:r>
               <a:rPr lang="tr-TR" dirty="0"/>
@@ -2611,203 +3159,32 @@
             </a:r>
             <a:r>
               <a:rPr lang="tr-TR" dirty="0"/>
-              <a:t> </a:t>
-            </a:r>
-            <a:r>
-              <a:rPr lang="tr-TR" dirty="0" err="1"/>
-              <a:t>the</a:t>
-            </a:r>
-            <a:r>
-              <a:rPr lang="tr-TR" dirty="0"/>
-              <a:t> </a:t>
-            </a:r>
-            <a:r>
-              <a:rPr lang="tr-TR" dirty="0" err="1"/>
-              <a:t>position</a:t>
-            </a:r>
-            <a:r>
-              <a:rPr lang="tr-TR" dirty="0"/>
-              <a:t> </a:t>
-            </a:r>
-            <a:r>
-              <a:rPr lang="tr-TR" dirty="0" err="1"/>
-              <a:t>error</a:t>
-            </a:r>
-            <a:r>
-              <a:rPr lang="tr-TR" dirty="0"/>
-              <a:t> is </a:t>
-            </a:r>
-            <a:r>
-              <a:rPr lang="tr-TR" dirty="0" err="1"/>
-              <a:t>taken</a:t>
-            </a:r>
-            <a:r>
-              <a:rPr lang="tr-TR" dirty="0"/>
-              <a:t> </a:t>
-            </a:r>
-            <a:r>
-              <a:rPr lang="tr-TR" dirty="0" err="1"/>
-              <a:t>from</a:t>
-            </a:r>
-            <a:r>
-              <a:rPr lang="tr-TR" dirty="0"/>
-              <a:t> HCC </a:t>
-            </a:r>
-            <a:r>
-              <a:rPr lang="tr-TR" dirty="0" err="1"/>
-              <a:t>maneuver’s</a:t>
-            </a:r>
-            <a:r>
-              <a:rPr lang="tr-TR" dirty="0"/>
-              <a:t> </a:t>
-            </a:r>
-            <a:r>
-              <a:rPr lang="tr-TR" dirty="0" err="1"/>
-              <a:t>endpoint</a:t>
+              <a:t> it is </a:t>
+            </a:r>
+            <a:r>
+              <a:rPr lang="tr-TR" dirty="0" err="1"/>
+              <a:t>easy</a:t>
+            </a:r>
+            <a:r>
+              <a:rPr lang="tr-TR" dirty="0"/>
+              <a:t> </a:t>
+            </a:r>
+            <a:r>
+              <a:rPr lang="tr-TR" dirty="0" err="1"/>
+              <a:t>to</a:t>
+            </a:r>
+            <a:r>
+              <a:rPr lang="tr-TR" dirty="0"/>
+              <a:t> </a:t>
+            </a:r>
+            <a:r>
+              <a:rPr lang="tr-TR" dirty="0" err="1"/>
+              <a:t>compute</a:t>
             </a:r>
             <a:r>
               <a:rPr lang="tr-TR" dirty="0"/>
               <a:t>.</a:t>
             </a:r>
-          </a:p>
-          <a:p>
-            <a:r>
-              <a:rPr lang="tr-TR" dirty="0"/>
-              <a:t>-</a:t>
-            </a:r>
-            <a:r>
-              <a:rPr lang="tr-TR" dirty="0" err="1"/>
-              <a:t>This</a:t>
-            </a:r>
-            <a:r>
-              <a:rPr lang="tr-TR" dirty="0"/>
-              <a:t> </a:t>
-            </a:r>
-            <a:r>
-              <a:rPr lang="tr-TR" dirty="0" err="1"/>
-              <a:t>maneuver</a:t>
-            </a:r>
-            <a:r>
-              <a:rPr lang="tr-TR" dirty="0"/>
-              <a:t> </a:t>
-            </a:r>
-            <a:r>
-              <a:rPr lang="tr-TR" dirty="0" err="1"/>
-              <a:t>accounts</a:t>
-            </a:r>
-            <a:r>
-              <a:rPr lang="tr-TR" dirty="0"/>
-              <a:t> </a:t>
-            </a:r>
-            <a:r>
-              <a:rPr lang="tr-TR" dirty="0" err="1"/>
-              <a:t>for</a:t>
-            </a:r>
-            <a:r>
-              <a:rPr lang="tr-TR" dirty="0"/>
-              <a:t> </a:t>
-            </a:r>
-            <a:r>
-              <a:rPr lang="tr-TR" dirty="0" err="1"/>
-              <a:t>position</a:t>
-            </a:r>
-            <a:r>
-              <a:rPr lang="tr-TR" dirty="0"/>
-              <a:t> </a:t>
-            </a:r>
-            <a:r>
-              <a:rPr lang="tr-TR" dirty="0" err="1"/>
-              <a:t>error</a:t>
-            </a:r>
-            <a:r>
-              <a:rPr lang="tr-TR" dirty="0"/>
-              <a:t> </a:t>
-            </a:r>
-            <a:r>
-              <a:rPr lang="tr-TR" dirty="0" err="1"/>
-              <a:t>only</a:t>
-            </a:r>
-            <a:r>
-              <a:rPr lang="tr-TR" dirty="0"/>
-              <a:t>, </a:t>
-            </a:r>
-            <a:r>
-              <a:rPr lang="tr-TR" dirty="0" err="1"/>
-              <a:t>by</a:t>
-            </a:r>
-            <a:r>
-              <a:rPr lang="tr-TR" dirty="0"/>
-              <a:t> </a:t>
-            </a:r>
-            <a:r>
-              <a:rPr lang="tr-TR" dirty="0" err="1"/>
-              <a:t>its</a:t>
-            </a:r>
-            <a:r>
-              <a:rPr lang="tr-TR" dirty="0"/>
-              <a:t> natüre it </a:t>
-            </a:r>
-            <a:r>
-              <a:rPr lang="tr-TR" dirty="0" err="1"/>
-              <a:t>does</a:t>
-            </a:r>
-            <a:r>
-              <a:rPr lang="tr-TR" dirty="0"/>
-              <a:t> not </a:t>
-            </a:r>
-            <a:r>
-              <a:rPr lang="tr-TR" dirty="0" err="1"/>
-              <a:t>change</a:t>
-            </a:r>
-            <a:r>
-              <a:rPr lang="tr-TR" dirty="0"/>
-              <a:t> </a:t>
-            </a:r>
-            <a:r>
-              <a:rPr lang="tr-TR" dirty="0" err="1"/>
-              <a:t>the</a:t>
-            </a:r>
-            <a:r>
-              <a:rPr lang="tr-TR" dirty="0"/>
-              <a:t> </a:t>
-            </a:r>
-            <a:r>
-              <a:rPr lang="tr-TR" dirty="0" err="1"/>
-              <a:t>heading</a:t>
-            </a:r>
-            <a:r>
-              <a:rPr lang="tr-TR" dirty="0"/>
-              <a:t> </a:t>
-            </a:r>
-            <a:r>
-              <a:rPr lang="tr-TR" dirty="0" err="1"/>
-              <a:t>and</a:t>
-            </a:r>
-            <a:r>
-              <a:rPr lang="tr-TR" dirty="0"/>
-              <a:t> </a:t>
-            </a:r>
-            <a:r>
-              <a:rPr lang="tr-TR" dirty="0" err="1"/>
-              <a:t>curvature</a:t>
-            </a:r>
-            <a:r>
-              <a:rPr lang="tr-TR" dirty="0"/>
-              <a:t> of </a:t>
-            </a:r>
-            <a:r>
-              <a:rPr lang="tr-TR" dirty="0" err="1"/>
-              <a:t>the</a:t>
-            </a:r>
-            <a:r>
-              <a:rPr lang="tr-TR" dirty="0"/>
-              <a:t> </a:t>
-            </a:r>
-            <a:r>
-              <a:rPr lang="tr-TR" dirty="0" err="1"/>
-              <a:t>vehicle</a:t>
-            </a:r>
-            <a:endParaRPr lang="tr-TR" dirty="0"/>
           </a:p>
         </p:txBody>
       </p:sp>
@@ -2843,7 +3220,7 @@
     </p:spTree>
     <p:extLst>
       <p:ext uri="{BB962C8B-B14F-4D97-AF65-F5344CB8AC3E}">
-        <p14:creationId xmlns:p14="http://schemas.microsoft.com/office/powerpoint/2010/main" val="774442022"/>
+        <p14:creationId xmlns:p14="http://schemas.microsoft.com/office/powerpoint/2010/main" val="1747157483"/>
       </p:ext>
     </p:extLst>
   </p:cSld>
@@ -2903,11 +3280,151 @@
             </a:r>
             <a:r>
               <a:rPr lang="tr-TR" dirty="0" err="1"/>
-              <a:t>If</a:t>
-            </a:r>
-            <a:r>
-              <a:rPr lang="tr-TR" dirty="0"/>
-              <a:t> </a:t>
+              <a:t>All</a:t>
+            </a:r>
+            <a:r>
+              <a:rPr lang="tr-TR" dirty="0"/>
+              <a:t> </a:t>
+            </a:r>
+            <a:r>
+              <a:rPr lang="tr-TR" dirty="0" err="1"/>
+              <a:t>maneuvers</a:t>
+            </a:r>
+            <a:r>
+              <a:rPr lang="tr-TR" dirty="0"/>
+              <a:t> </a:t>
+            </a:r>
+            <a:r>
+              <a:rPr lang="tr-TR" dirty="0" err="1"/>
+              <a:t>are</a:t>
+            </a:r>
+            <a:r>
+              <a:rPr lang="tr-TR" dirty="0"/>
+              <a:t> </a:t>
+            </a:r>
+            <a:r>
+              <a:rPr lang="tr-TR" dirty="0" err="1"/>
+              <a:t>directly</a:t>
+            </a:r>
+            <a:r>
+              <a:rPr lang="tr-TR" dirty="0"/>
+              <a:t> </a:t>
+            </a:r>
+            <a:r>
+              <a:rPr lang="tr-TR" dirty="0" err="1"/>
+              <a:t>added</a:t>
+            </a:r>
+            <a:r>
+              <a:rPr lang="tr-TR" dirty="0"/>
+              <a:t> </a:t>
+            </a:r>
+            <a:r>
+              <a:rPr lang="tr-TR" dirty="0" err="1"/>
+              <a:t>up</a:t>
+            </a:r>
+            <a:r>
+              <a:rPr lang="tr-TR" dirty="0"/>
+              <a:t> </a:t>
+            </a:r>
+            <a:r>
+              <a:rPr lang="tr-TR" dirty="0" err="1"/>
+              <a:t>for</a:t>
+            </a:r>
+            <a:r>
+              <a:rPr lang="tr-TR" dirty="0"/>
+              <a:t> </a:t>
+            </a:r>
+            <a:r>
+              <a:rPr lang="tr-TR" dirty="0" err="1"/>
+              <a:t>superposition</a:t>
+            </a:r>
+            <a:r>
+              <a:rPr lang="tr-TR" dirty="0"/>
+              <a:t>.</a:t>
+            </a:r>
+          </a:p>
+          <a:p>
+            <a:r>
+              <a:rPr lang="tr-TR" dirty="0"/>
+              <a:t>-</a:t>
+            </a:r>
+            <a:r>
+              <a:rPr lang="tr-TR" dirty="0" err="1"/>
+              <a:t>Arc-length</a:t>
+            </a:r>
+            <a:r>
+              <a:rPr lang="tr-TR" dirty="0"/>
+              <a:t> is </a:t>
+            </a:r>
+            <a:r>
+              <a:rPr lang="tr-TR" dirty="0" err="1"/>
+              <a:t>defined</a:t>
+            </a:r>
+            <a:r>
+              <a:rPr lang="tr-TR" dirty="0"/>
+              <a:t> </a:t>
+            </a:r>
+            <a:r>
+              <a:rPr lang="tr-TR" dirty="0" err="1"/>
+              <a:t>by</a:t>
+            </a:r>
+            <a:r>
+              <a:rPr lang="tr-TR" dirty="0"/>
+              <a:t> HCC </a:t>
+            </a:r>
+            <a:r>
+              <a:rPr lang="tr-TR" dirty="0" err="1"/>
+              <a:t>maneuver</a:t>
+            </a:r>
+            <a:r>
+              <a:rPr lang="tr-TR" dirty="0"/>
+              <a:t>.</a:t>
+            </a:r>
+          </a:p>
+          <a:p>
+            <a:r>
+              <a:rPr lang="tr-TR" dirty="0"/>
+              <a:t>-</a:t>
+            </a:r>
+            <a:r>
+              <a:rPr lang="tr-TR" dirty="0" err="1"/>
+              <a:t>Resulting</a:t>
+            </a:r>
+            <a:r>
+              <a:rPr lang="tr-TR" dirty="0"/>
+              <a:t> </a:t>
+            </a:r>
+            <a:r>
+              <a:rPr lang="tr-TR" dirty="0" err="1"/>
+              <a:t>trajectory</a:t>
+            </a:r>
+            <a:r>
+              <a:rPr lang="tr-TR" dirty="0"/>
+              <a:t> is a </a:t>
+            </a:r>
+            <a:r>
+              <a:rPr lang="tr-TR" dirty="0" err="1"/>
+              <a:t>number</a:t>
+            </a:r>
+            <a:r>
+              <a:rPr lang="tr-TR" dirty="0"/>
+              <a:t> of </a:t>
+            </a:r>
+            <a:r>
+              <a:rPr lang="tr-TR" dirty="0" err="1"/>
+              <a:t>clothoids</a:t>
+            </a:r>
+            <a:r>
+              <a:rPr lang="tr-TR" dirty="0"/>
+              <a:t> </a:t>
+            </a:r>
+            <a:r>
+              <a:rPr lang="tr-TR" dirty="0" err="1"/>
+              <a:t>based</a:t>
+            </a:r>
+            <a:r>
+              <a:rPr lang="tr-TR" dirty="0"/>
+              <a:t> on </a:t>
             </a:r>
             <a:r>
               <a:rPr lang="tr-TR" dirty="0" err="1"/>
@@ -2919,15 +3436,23 @@
             </a:r>
             <a:r>
               <a:rPr lang="tr-TR" dirty="0" err="1"/>
-              <a:t>road</a:t>
-            </a:r>
-            <a:r>
-              <a:rPr lang="tr-TR" dirty="0"/>
-              <a:t> </a:t>
-            </a:r>
-            <a:r>
-              <a:rPr lang="tr-TR" dirty="0" err="1"/>
-              <a:t>segment</a:t>
+              <a:t>required</a:t>
+            </a:r>
+            <a:r>
+              <a:rPr lang="tr-TR" dirty="0"/>
+              <a:t> </a:t>
+            </a:r>
+            <a:r>
+              <a:rPr lang="tr-TR" dirty="0" err="1"/>
+              <a:t>trajectory</a:t>
+            </a:r>
+            <a:r>
+              <a:rPr lang="tr-TR" dirty="0"/>
+              <a:t> </a:t>
+            </a:r>
+            <a:r>
+              <a:rPr lang="tr-TR" dirty="0" err="1"/>
+              <a:t>which</a:t>
             </a:r>
             <a:r>
               <a:rPr lang="tr-TR" dirty="0"/>
@@ -2935,344 +3460,47 @@
             </a:r>
             <a:r>
               <a:rPr lang="tr-TR" dirty="0" err="1"/>
-              <a:t>clothoid</a:t>
-            </a:r>
-            <a:r>
-              <a:rPr lang="tr-TR" dirty="0"/>
-              <a:t>, it has a </a:t>
-            </a:r>
-            <a:r>
-              <a:rPr lang="tr-TR" dirty="0" err="1"/>
-              <a:t>curvature</a:t>
-            </a:r>
-            <a:r>
-              <a:rPr lang="tr-TR" dirty="0"/>
-              <a:t> </a:t>
-            </a:r>
-            <a:r>
-              <a:rPr lang="tr-TR" dirty="0" err="1"/>
-              <a:t>like</a:t>
-            </a:r>
-            <a:r>
-              <a:rPr lang="tr-TR" dirty="0"/>
-              <a:t> </a:t>
-            </a:r>
-            <a:r>
-              <a:rPr lang="tr-TR" dirty="0" err="1"/>
-              <a:t>the</a:t>
-            </a:r>
-            <a:r>
-              <a:rPr lang="tr-TR" dirty="0"/>
-              <a:t> </a:t>
-            </a:r>
-            <a:r>
-              <a:rPr lang="tr-TR" dirty="0" err="1"/>
-              <a:t>path</a:t>
-            </a:r>
-            <a:r>
-              <a:rPr lang="tr-TR" dirty="0"/>
-              <a:t> on </a:t>
-            </a:r>
-            <a:r>
-              <a:rPr lang="tr-TR" dirty="0" err="1"/>
-              <a:t>the</a:t>
-            </a:r>
-            <a:r>
-              <a:rPr lang="tr-TR" dirty="0"/>
-              <a:t> </a:t>
-            </a:r>
-            <a:r>
-              <a:rPr lang="tr-TR" dirty="0" err="1"/>
-              <a:t>left</a:t>
-            </a:r>
-            <a:r>
-              <a:rPr lang="tr-TR" dirty="0"/>
-              <a:t> </a:t>
-            </a:r>
-            <a:r>
-              <a:rPr lang="tr-TR" dirty="0" err="1"/>
-              <a:t>and</a:t>
-            </a:r>
-            <a:r>
-              <a:rPr lang="tr-TR" dirty="0"/>
-              <a:t> it is </a:t>
-            </a:r>
-            <a:r>
-              <a:rPr lang="tr-TR" dirty="0" err="1"/>
-              <a:t>easy</a:t>
-            </a:r>
-            <a:r>
-              <a:rPr lang="tr-TR" dirty="0"/>
-              <a:t> </a:t>
-            </a:r>
-            <a:r>
-              <a:rPr lang="tr-TR" dirty="0" err="1"/>
-              <a:t>to</a:t>
-            </a:r>
-            <a:r>
-              <a:rPr lang="tr-TR" dirty="0"/>
-              <a:t> </a:t>
-            </a:r>
-            <a:r>
-              <a:rPr lang="tr-TR" dirty="0" err="1"/>
-              <a:t>superpose</a:t>
-            </a:r>
-            <a:r>
-              <a:rPr lang="tr-TR" dirty="0"/>
-              <a:t> since it is </a:t>
-            </a:r>
-            <a:r>
-              <a:rPr lang="tr-TR" dirty="0" err="1"/>
-              <a:t>just</a:t>
-            </a:r>
-            <a:r>
-              <a:rPr lang="tr-TR" dirty="0"/>
-              <a:t> a </a:t>
-            </a:r>
-            <a:r>
-              <a:rPr lang="tr-TR" dirty="0" err="1"/>
-              <a:t>linear</a:t>
-            </a:r>
-            <a:r>
-              <a:rPr lang="tr-TR" dirty="0"/>
-              <a:t> </a:t>
-            </a:r>
-            <a:r>
-              <a:rPr lang="tr-TR" dirty="0" err="1"/>
-              <a:t>function</a:t>
-            </a:r>
-            <a:endParaRPr lang="tr-TR" dirty="0"/>
-          </a:p>
-          <a:p>
-            <a:r>
-              <a:rPr lang="tr-TR" dirty="0"/>
-              <a:t>-</a:t>
-            </a:r>
-            <a:r>
-              <a:rPr lang="tr-TR" dirty="0" err="1"/>
-              <a:t>If</a:t>
-            </a:r>
-            <a:r>
-              <a:rPr lang="tr-TR" dirty="0"/>
-              <a:t> </a:t>
-            </a:r>
-            <a:r>
-              <a:rPr lang="tr-TR" dirty="0" err="1"/>
-              <a:t>the</a:t>
-            </a:r>
-            <a:r>
-              <a:rPr lang="tr-TR" dirty="0"/>
-              <a:t> </a:t>
-            </a:r>
-            <a:r>
-              <a:rPr lang="tr-TR" dirty="0" err="1"/>
-              <a:t>road</a:t>
-            </a:r>
-            <a:r>
-              <a:rPr lang="tr-TR" dirty="0"/>
-              <a:t> </a:t>
-            </a:r>
-            <a:r>
-              <a:rPr lang="tr-TR" dirty="0" err="1"/>
-              <a:t>segment</a:t>
-            </a:r>
-            <a:r>
-              <a:rPr lang="tr-TR" dirty="0"/>
-              <a:t> is a </a:t>
-            </a:r>
-            <a:r>
-              <a:rPr lang="tr-TR" dirty="0" err="1"/>
-              <a:t>line</a:t>
-            </a:r>
-            <a:r>
-              <a:rPr lang="tr-TR" dirty="0"/>
-              <a:t> </a:t>
-            </a:r>
-            <a:r>
-              <a:rPr lang="tr-TR" dirty="0" err="1"/>
-              <a:t>segment</a:t>
-            </a:r>
-            <a:r>
-              <a:rPr lang="tr-TR" dirty="0"/>
-              <a:t>, it has </a:t>
-            </a:r>
-            <a:r>
-              <a:rPr lang="tr-TR" dirty="0" err="1"/>
-              <a:t>zero</a:t>
-            </a:r>
-            <a:r>
-              <a:rPr lang="tr-TR" dirty="0"/>
-              <a:t> </a:t>
-            </a:r>
-            <a:r>
-              <a:rPr lang="tr-TR" dirty="0" err="1"/>
-              <a:t>curvature</a:t>
-            </a:r>
-            <a:r>
-              <a:rPr lang="tr-TR" dirty="0"/>
-              <a:t> </a:t>
-            </a:r>
-            <a:r>
-              <a:rPr lang="tr-TR" dirty="0" err="1"/>
-              <a:t>so</a:t>
-            </a:r>
-            <a:r>
-              <a:rPr lang="tr-TR" dirty="0"/>
-              <a:t> </a:t>
-            </a:r>
-            <a:r>
-              <a:rPr lang="tr-TR" dirty="0" err="1"/>
-              <a:t>nothing</a:t>
-            </a:r>
-            <a:r>
-              <a:rPr lang="tr-TR" dirty="0"/>
-              <a:t> </a:t>
-            </a:r>
-            <a:r>
-              <a:rPr lang="tr-TR" dirty="0" err="1"/>
-              <a:t>needs</a:t>
-            </a:r>
-            <a:r>
-              <a:rPr lang="tr-TR" dirty="0"/>
-              <a:t> </a:t>
-            </a:r>
-            <a:r>
-              <a:rPr lang="tr-TR" dirty="0" err="1"/>
-              <a:t>to</a:t>
-            </a:r>
-            <a:r>
-              <a:rPr lang="tr-TR" dirty="0"/>
-              <a:t> be </a:t>
-            </a:r>
-            <a:r>
-              <a:rPr lang="tr-TR" dirty="0" err="1"/>
-              <a:t>superposed</a:t>
-            </a:r>
-            <a:r>
-              <a:rPr lang="tr-TR" dirty="0"/>
-              <a:t> </a:t>
-            </a:r>
-            <a:r>
-              <a:rPr lang="tr-TR" dirty="0" err="1"/>
-              <a:t>to</a:t>
-            </a:r>
-            <a:r>
-              <a:rPr lang="tr-TR" dirty="0"/>
-              <a:t> </a:t>
-            </a:r>
-            <a:r>
-              <a:rPr lang="tr-TR" dirty="0" err="1"/>
-              <a:t>compensate</a:t>
-            </a:r>
-            <a:r>
-              <a:rPr lang="tr-TR" dirty="0"/>
-              <a:t> </a:t>
-            </a:r>
-            <a:r>
-              <a:rPr lang="tr-TR" dirty="0" err="1"/>
-              <a:t>for</a:t>
-            </a:r>
-            <a:r>
-              <a:rPr lang="tr-TR" dirty="0"/>
-              <a:t> </a:t>
-            </a:r>
-            <a:r>
-              <a:rPr lang="tr-TR" dirty="0" err="1"/>
-              <a:t>road</a:t>
-            </a:r>
-            <a:r>
-              <a:rPr lang="tr-TR" dirty="0"/>
-              <a:t> </a:t>
-            </a:r>
-            <a:r>
-              <a:rPr lang="tr-TR" dirty="0" err="1"/>
-              <a:t>curvature</a:t>
-            </a:r>
-            <a:r>
-              <a:rPr lang="tr-TR" dirty="0"/>
-              <a:t>.</a:t>
-            </a:r>
-          </a:p>
-          <a:p>
-            <a:r>
-              <a:rPr lang="tr-TR" dirty="0"/>
-              <a:t>-Since </a:t>
-            </a:r>
-            <a:r>
-              <a:rPr lang="tr-TR" dirty="0" err="1"/>
-              <a:t>road</a:t>
-            </a:r>
-            <a:r>
-              <a:rPr lang="tr-TR" dirty="0"/>
-              <a:t> </a:t>
-            </a:r>
-            <a:r>
-              <a:rPr lang="tr-TR" dirty="0" err="1"/>
-              <a:t>curvature</a:t>
-            </a:r>
-            <a:r>
-              <a:rPr lang="tr-TR" dirty="0"/>
-              <a:t> is a </a:t>
-            </a:r>
-            <a:r>
-              <a:rPr lang="tr-TR" dirty="0" err="1"/>
-              <a:t>linear</a:t>
-            </a:r>
-            <a:r>
-              <a:rPr lang="tr-TR" dirty="0"/>
-              <a:t> </a:t>
-            </a:r>
-            <a:r>
-              <a:rPr lang="tr-TR" dirty="0" err="1"/>
-              <a:t>function</a:t>
-            </a:r>
-            <a:r>
-              <a:rPr lang="tr-TR" dirty="0"/>
-              <a:t>, it is not </a:t>
-            </a:r>
-            <a:r>
-              <a:rPr lang="tr-TR" dirty="0" err="1"/>
-              <a:t>computationally</a:t>
-            </a:r>
-            <a:r>
-              <a:rPr lang="tr-TR" dirty="0"/>
-              <a:t> </a:t>
-            </a:r>
-            <a:r>
-              <a:rPr lang="tr-TR" dirty="0" err="1"/>
-              <a:t>expensive</a:t>
-            </a:r>
-            <a:r>
-              <a:rPr lang="tr-TR" dirty="0"/>
-              <a:t> </a:t>
-            </a:r>
-            <a:r>
-              <a:rPr lang="tr-TR" dirty="0" err="1"/>
-              <a:t>and</a:t>
-            </a:r>
-            <a:r>
-              <a:rPr lang="tr-TR" dirty="0"/>
-              <a:t> it is </a:t>
-            </a:r>
-            <a:r>
-              <a:rPr lang="tr-TR" dirty="0" err="1"/>
-              <a:t>easy</a:t>
-            </a:r>
-            <a:r>
-              <a:rPr lang="tr-TR" dirty="0"/>
-              <a:t> </a:t>
-            </a:r>
-            <a:r>
-              <a:rPr lang="tr-TR" dirty="0" err="1"/>
-              <a:t>to</a:t>
-            </a:r>
-            <a:r>
-              <a:rPr lang="tr-TR" dirty="0"/>
-              <a:t> </a:t>
-            </a:r>
-            <a:r>
-              <a:rPr lang="tr-TR" dirty="0" err="1"/>
-              <a:t>compute</a:t>
+              <a:t>approximated</a:t>
+            </a:r>
+            <a:r>
+              <a:rPr lang="tr-TR" dirty="0"/>
+              <a:t> </a:t>
+            </a:r>
+            <a:r>
+              <a:rPr lang="tr-TR" dirty="0" err="1"/>
+              <a:t>by</a:t>
+            </a:r>
+            <a:r>
+              <a:rPr lang="tr-TR" dirty="0"/>
+              <a:t> </a:t>
+            </a:r>
+            <a:r>
+              <a:rPr lang="tr-TR" dirty="0" err="1"/>
+              <a:t>arc</a:t>
+            </a:r>
+            <a:r>
+              <a:rPr lang="tr-TR" dirty="0"/>
+              <a:t> </a:t>
+            </a:r>
+            <a:r>
+              <a:rPr lang="tr-TR" dirty="0" err="1"/>
+              <a:t>splines</a:t>
+            </a:r>
+            <a:r>
+              <a:rPr lang="tr-TR" dirty="0"/>
+              <a:t> as </a:t>
+            </a:r>
+            <a:r>
+              <a:rPr lang="tr-TR" dirty="0" err="1"/>
+              <a:t>previously</a:t>
+            </a:r>
+            <a:r>
+              <a:rPr lang="tr-TR" dirty="0"/>
+              <a:t> </a:t>
+            </a:r>
+            <a:r>
+              <a:rPr lang="tr-TR" dirty="0" err="1"/>
+              <a:t>discussed</a:t>
             </a:r>
             <a:r>
               <a:rPr lang="tr-TR" dirty="0"/>
@@ -3313,7 +3541,7 @@
     </p:spTree>
     <p:extLst>
       <p:ext uri="{BB962C8B-B14F-4D97-AF65-F5344CB8AC3E}">
-        <p14:creationId xmlns:p14="http://schemas.microsoft.com/office/powerpoint/2010/main" val="1747157483"/>
+        <p14:creationId xmlns:p14="http://schemas.microsoft.com/office/powerpoint/2010/main" val="2390941196"/>
       </p:ext>
     </p:extLst>
   </p:cSld>
@@ -3373,63 +3601,221 @@
             </a:r>
             <a:r>
               <a:rPr lang="tr-TR" dirty="0" err="1"/>
-              <a:t>All</a:t>
-            </a:r>
-            <a:r>
-              <a:rPr lang="tr-TR" dirty="0"/>
-              <a:t> </a:t>
-            </a:r>
-            <a:r>
-              <a:rPr lang="tr-TR" dirty="0" err="1"/>
-              <a:t>maneuvers</a:t>
-            </a:r>
-            <a:r>
-              <a:rPr lang="tr-TR" dirty="0"/>
-              <a:t> </a:t>
-            </a:r>
-            <a:r>
-              <a:rPr lang="tr-TR" dirty="0" err="1"/>
-              <a:t>are</a:t>
-            </a:r>
-            <a:r>
-              <a:rPr lang="tr-TR" dirty="0"/>
-              <a:t> </a:t>
-            </a:r>
-            <a:r>
-              <a:rPr lang="tr-TR" dirty="0" err="1"/>
-              <a:t>directly</a:t>
-            </a:r>
-            <a:r>
-              <a:rPr lang="tr-TR" dirty="0"/>
-              <a:t> </a:t>
-            </a:r>
-            <a:r>
-              <a:rPr lang="tr-TR" dirty="0" err="1"/>
-              <a:t>added</a:t>
-            </a:r>
-            <a:r>
-              <a:rPr lang="tr-TR" dirty="0"/>
-              <a:t> </a:t>
-            </a:r>
-            <a:r>
-              <a:rPr lang="tr-TR" dirty="0" err="1"/>
-              <a:t>up</a:t>
-            </a:r>
-            <a:r>
-              <a:rPr lang="tr-TR" dirty="0"/>
-              <a:t> </a:t>
-            </a:r>
-            <a:r>
-              <a:rPr lang="tr-TR" dirty="0" err="1"/>
-              <a:t>for</a:t>
-            </a:r>
-            <a:r>
-              <a:rPr lang="tr-TR" dirty="0"/>
-              <a:t> </a:t>
-            </a:r>
-            <a:r>
-              <a:rPr lang="tr-TR" dirty="0" err="1"/>
-              <a:t>superposition</a:t>
+              <a:t>Euclidian</a:t>
+            </a:r>
+            <a:r>
+              <a:rPr lang="tr-TR" dirty="0"/>
+              <a:t> </a:t>
+            </a:r>
+            <a:r>
+              <a:rPr lang="tr-TR" dirty="0" err="1"/>
+              <a:t>distance</a:t>
+            </a:r>
+            <a:r>
+              <a:rPr lang="tr-TR" dirty="0"/>
+              <a:t> </a:t>
+            </a:r>
+            <a:r>
+              <a:rPr lang="tr-TR" dirty="0" err="1"/>
+              <a:t>over</a:t>
+            </a:r>
+            <a:r>
+              <a:rPr lang="tr-TR" dirty="0"/>
+              <a:t> </a:t>
+            </a:r>
+            <a:r>
+              <a:rPr lang="tr-TR" dirty="0" err="1"/>
+              <a:t>the</a:t>
+            </a:r>
+            <a:r>
+              <a:rPr lang="tr-TR" dirty="0"/>
+              <a:t> </a:t>
+            </a:r>
+            <a:r>
+              <a:rPr lang="tr-TR" dirty="0" err="1"/>
+              <a:t>trajectory</a:t>
+            </a:r>
+            <a:r>
+              <a:rPr lang="tr-TR" dirty="0"/>
+              <a:t> is an </a:t>
+            </a:r>
+            <a:r>
+              <a:rPr lang="tr-TR" dirty="0" err="1"/>
+              <a:t>important</a:t>
+            </a:r>
+            <a:r>
+              <a:rPr lang="tr-TR" dirty="0"/>
+              <a:t> </a:t>
+            </a:r>
+            <a:r>
+              <a:rPr lang="tr-TR" dirty="0" err="1"/>
+              <a:t>metric</a:t>
+            </a:r>
+            <a:r>
+              <a:rPr lang="tr-TR" dirty="0"/>
+              <a:t> </a:t>
+            </a:r>
+            <a:r>
+              <a:rPr lang="tr-TR" dirty="0" err="1"/>
+              <a:t>to</a:t>
+            </a:r>
+            <a:r>
+              <a:rPr lang="tr-TR" dirty="0"/>
+              <a:t> </a:t>
+            </a:r>
+            <a:r>
+              <a:rPr lang="tr-TR" dirty="0" err="1"/>
+              <a:t>understand</a:t>
+            </a:r>
+            <a:r>
+              <a:rPr lang="tr-TR" dirty="0"/>
+              <a:t> </a:t>
+            </a:r>
+            <a:r>
+              <a:rPr lang="tr-TR" dirty="0" err="1"/>
+              <a:t>whether</a:t>
+            </a:r>
+            <a:r>
+              <a:rPr lang="tr-TR" dirty="0"/>
+              <a:t> </a:t>
+            </a:r>
+            <a:r>
+              <a:rPr lang="tr-TR" dirty="0" err="1"/>
+              <a:t>the</a:t>
+            </a:r>
+            <a:r>
+              <a:rPr lang="tr-TR" dirty="0"/>
+              <a:t> </a:t>
+            </a:r>
+            <a:r>
+              <a:rPr lang="tr-TR" dirty="0" err="1"/>
+              <a:t>vehicle</a:t>
+            </a:r>
+            <a:r>
+              <a:rPr lang="tr-TR" dirty="0"/>
+              <a:t> </a:t>
+            </a:r>
+            <a:r>
+              <a:rPr lang="tr-TR" dirty="0" err="1"/>
+              <a:t>leaves</a:t>
+            </a:r>
+            <a:r>
+              <a:rPr lang="tr-TR" dirty="0"/>
+              <a:t> </a:t>
+            </a:r>
+            <a:r>
+              <a:rPr lang="tr-TR" dirty="0" err="1"/>
+              <a:t>the</a:t>
+            </a:r>
+            <a:r>
+              <a:rPr lang="tr-TR" dirty="0"/>
+              <a:t> </a:t>
+            </a:r>
+            <a:r>
+              <a:rPr lang="tr-TR" dirty="0" err="1"/>
+              <a:t>road</a:t>
+            </a:r>
+            <a:r>
+              <a:rPr lang="tr-TR" dirty="0"/>
+              <a:t> </a:t>
+            </a:r>
+            <a:r>
+              <a:rPr lang="tr-TR" dirty="0" err="1"/>
+              <a:t>or</a:t>
+            </a:r>
+            <a:r>
+              <a:rPr lang="tr-TR" dirty="0"/>
+              <a:t> not.</a:t>
+            </a:r>
+          </a:p>
+          <a:p>
+            <a:r>
+              <a:rPr lang="tr-TR" dirty="0"/>
+              <a:t>-</a:t>
+            </a:r>
+            <a:r>
+              <a:rPr lang="tr-TR" dirty="0" err="1"/>
+              <a:t>Heading</a:t>
+            </a:r>
+            <a:r>
+              <a:rPr lang="tr-TR" dirty="0"/>
+              <a:t> </a:t>
+            </a:r>
+            <a:r>
+              <a:rPr lang="tr-TR" dirty="0" err="1"/>
+              <a:t>error</a:t>
+            </a:r>
+            <a:r>
+              <a:rPr lang="tr-TR" dirty="0"/>
+              <a:t> is </a:t>
+            </a:r>
+            <a:r>
+              <a:rPr lang="tr-TR" dirty="0" err="1"/>
+              <a:t>the</a:t>
+            </a:r>
+            <a:r>
+              <a:rPr lang="tr-TR" dirty="0"/>
+              <a:t> </a:t>
+            </a:r>
+            <a:r>
+              <a:rPr lang="tr-TR" dirty="0" err="1"/>
+              <a:t>heading</a:t>
+            </a:r>
+            <a:r>
+              <a:rPr lang="tr-TR" dirty="0"/>
+              <a:t> </a:t>
+            </a:r>
+            <a:r>
+              <a:rPr lang="tr-TR" dirty="0" err="1"/>
+              <a:t>difference</a:t>
+            </a:r>
+            <a:r>
+              <a:rPr lang="tr-TR" dirty="0"/>
+              <a:t> </a:t>
+            </a:r>
+            <a:r>
+              <a:rPr lang="tr-TR" dirty="0" err="1"/>
+              <a:t>between</a:t>
+            </a:r>
+            <a:r>
+              <a:rPr lang="tr-TR" dirty="0"/>
+              <a:t> </a:t>
+            </a:r>
+            <a:r>
+              <a:rPr lang="tr-TR" dirty="0" err="1"/>
+              <a:t>the</a:t>
+            </a:r>
+            <a:r>
+              <a:rPr lang="tr-TR" dirty="0"/>
+              <a:t> </a:t>
+            </a:r>
+            <a:r>
+              <a:rPr lang="tr-TR" dirty="0" err="1"/>
+              <a:t>vehicle</a:t>
+            </a:r>
+            <a:r>
+              <a:rPr lang="tr-TR" dirty="0"/>
+              <a:t> </a:t>
+            </a:r>
+            <a:r>
+              <a:rPr lang="tr-TR" dirty="0" err="1"/>
+              <a:t>and</a:t>
+            </a:r>
+            <a:r>
+              <a:rPr lang="tr-TR" dirty="0"/>
+              <a:t> </a:t>
+            </a:r>
+            <a:r>
+              <a:rPr lang="tr-TR" dirty="0" err="1"/>
+              <a:t>the</a:t>
+            </a:r>
+            <a:r>
+              <a:rPr lang="tr-TR" dirty="0"/>
+              <a:t> </a:t>
+            </a:r>
+            <a:r>
+              <a:rPr lang="tr-TR" dirty="0" err="1"/>
+              <a:t>road</a:t>
             </a:r>
             <a:r>
               <a:rPr lang="tr-TR" dirty="0"/>
@@ -3443,7 +3829,15 @@
             </a:r>
             <a:r>
               <a:rPr lang="tr-TR" dirty="0" err="1"/>
-              <a:t>Arc-length</a:t>
+              <a:t>Curvature</a:t>
+            </a:r>
+            <a:r>
+              <a:rPr lang="tr-TR" dirty="0"/>
+              <a:t> </a:t>
+            </a:r>
+            <a:r>
+              <a:rPr lang="tr-TR" dirty="0" err="1"/>
+              <a:t>error</a:t>
             </a:r>
             <a:r>
               <a:rPr lang="tr-TR" dirty="0"/>
@@ -3451,76 +3845,6 @@
             </a:r>
             <a:r>
               <a:rPr lang="tr-TR" dirty="0" err="1"/>
-              <a:t>defined</a:t>
-            </a:r>
-            <a:r>
-              <a:rPr lang="tr-TR" dirty="0"/>
-              <a:t> </a:t>
-            </a:r>
-            <a:r>
-              <a:rPr lang="tr-TR" dirty="0" err="1"/>
-              <a:t>by</a:t>
-            </a:r>
-            <a:r>
-              <a:rPr lang="tr-TR" dirty="0"/>
-              <a:t> HCC </a:t>
-            </a:r>
-            <a:r>
-              <a:rPr lang="tr-TR" dirty="0" err="1"/>
-              <a:t>maneuver</a:t>
-            </a:r>
-            <a:r>
-              <a:rPr lang="tr-TR" dirty="0"/>
-              <a:t>.</a:t>
-            </a:r>
-          </a:p>
-          <a:p>
-            <a:r>
-              <a:rPr lang="tr-TR" dirty="0"/>
-              <a:t>-</a:t>
-            </a:r>
-            <a:r>
-              <a:rPr lang="tr-TR" dirty="0" err="1"/>
-              <a:t>Resulting</a:t>
-            </a:r>
-            <a:r>
-              <a:rPr lang="tr-TR" dirty="0"/>
-              <a:t> </a:t>
-            </a:r>
-            <a:r>
-              <a:rPr lang="tr-TR" dirty="0" err="1"/>
-              <a:t>trajectory</a:t>
-            </a:r>
-            <a:r>
-              <a:rPr lang="tr-TR" dirty="0"/>
-              <a:t> is a </a:t>
-            </a:r>
-            <a:r>
-              <a:rPr lang="tr-TR" dirty="0" err="1"/>
-              <a:t>number</a:t>
-            </a:r>
-            <a:r>
-              <a:rPr lang="tr-TR" dirty="0"/>
-              <a:t> of </a:t>
-            </a:r>
-            <a:r>
-              <a:rPr lang="tr-TR" dirty="0" err="1"/>
-              <a:t>clothoids</a:t>
-            </a:r>
-            <a:r>
-              <a:rPr lang="tr-TR" dirty="0"/>
-              <a:t> </a:t>
-            </a:r>
-            <a:r>
-              <a:rPr lang="tr-TR" dirty="0" err="1"/>
-              <a:t>based</a:t>
-            </a:r>
-            <a:r>
-              <a:rPr lang="tr-TR" dirty="0"/>
-              <a:t> on </a:t>
-            </a:r>
-            <a:r>
-              <a:rPr lang="tr-TR" dirty="0" err="1"/>
               <a:t>the</a:t>
             </a:r>
             <a:r>
@@ -3529,71 +3853,71 @@
             </a:r>
             <a:r>
               <a:rPr lang="tr-TR" dirty="0" err="1"/>
-              <a:t>required</a:t>
-            </a:r>
-            <a:r>
-              <a:rPr lang="tr-TR" dirty="0"/>
-              <a:t> </a:t>
-            </a:r>
-            <a:r>
-              <a:rPr lang="tr-TR" dirty="0" err="1"/>
-              <a:t>trajectory</a:t>
-            </a:r>
-            <a:r>
-              <a:rPr lang="tr-TR" dirty="0"/>
-              <a:t> </a:t>
-            </a:r>
-            <a:r>
-              <a:rPr lang="tr-TR" dirty="0" err="1"/>
-              <a:t>which</a:t>
-            </a:r>
-            <a:r>
-              <a:rPr lang="tr-TR" dirty="0"/>
-              <a:t> is </a:t>
-            </a:r>
-            <a:r>
-              <a:rPr lang="tr-TR" dirty="0" err="1"/>
-              <a:t>approximated</a:t>
-            </a:r>
-            <a:r>
-              <a:rPr lang="tr-TR" dirty="0"/>
-              <a:t> </a:t>
-            </a:r>
-            <a:r>
-              <a:rPr lang="tr-TR" dirty="0" err="1"/>
-              <a:t>by</a:t>
-            </a:r>
-            <a:r>
-              <a:rPr lang="tr-TR" dirty="0"/>
-              <a:t> </a:t>
-            </a:r>
-            <a:r>
-              <a:rPr lang="tr-TR" dirty="0" err="1"/>
-              <a:t>arc</a:t>
-            </a:r>
-            <a:r>
-              <a:rPr lang="tr-TR" dirty="0"/>
-              <a:t> </a:t>
-            </a:r>
-            <a:r>
-              <a:rPr lang="tr-TR" dirty="0" err="1"/>
-              <a:t>splines</a:t>
-            </a:r>
-            <a:r>
-              <a:rPr lang="tr-TR" dirty="0"/>
-              <a:t> as </a:t>
-            </a:r>
-            <a:r>
-              <a:rPr lang="tr-TR" dirty="0" err="1"/>
-              <a:t>previously</a:t>
-            </a:r>
-            <a:r>
-              <a:rPr lang="tr-TR" dirty="0"/>
-              <a:t> </a:t>
-            </a:r>
-            <a:r>
-              <a:rPr lang="tr-TR" dirty="0" err="1"/>
-              <a:t>discussed</a:t>
+              <a:t>curvature</a:t>
+            </a:r>
+            <a:r>
+              <a:rPr lang="tr-TR" dirty="0"/>
+              <a:t> </a:t>
+            </a:r>
+            <a:r>
+              <a:rPr lang="tr-TR" dirty="0" err="1"/>
+              <a:t>difference</a:t>
+            </a:r>
+            <a:r>
+              <a:rPr lang="tr-TR" dirty="0"/>
+              <a:t> </a:t>
+            </a:r>
+            <a:r>
+              <a:rPr lang="tr-TR" dirty="0" err="1"/>
+              <a:t>between</a:t>
+            </a:r>
+            <a:r>
+              <a:rPr lang="tr-TR" dirty="0"/>
+              <a:t> </a:t>
+            </a:r>
+            <a:r>
+              <a:rPr lang="tr-TR" dirty="0" err="1"/>
+              <a:t>the</a:t>
+            </a:r>
+            <a:r>
+              <a:rPr lang="tr-TR" dirty="0"/>
+              <a:t> </a:t>
+            </a:r>
+            <a:r>
+              <a:rPr lang="tr-TR" dirty="0" err="1"/>
+              <a:t>vehicle</a:t>
+            </a:r>
+            <a:r>
+              <a:rPr lang="tr-TR" dirty="0"/>
+              <a:t> </a:t>
+            </a:r>
+            <a:r>
+              <a:rPr lang="tr-TR" dirty="0" err="1"/>
+              <a:t>curvature</a:t>
+            </a:r>
+            <a:r>
+              <a:rPr lang="tr-TR" dirty="0"/>
+              <a:t> </a:t>
+            </a:r>
+            <a:r>
+              <a:rPr lang="tr-TR" dirty="0" err="1"/>
+              <a:t>and</a:t>
+            </a:r>
+            <a:r>
+              <a:rPr lang="tr-TR" dirty="0"/>
+              <a:t> </a:t>
+            </a:r>
+            <a:r>
+              <a:rPr lang="tr-TR" dirty="0" err="1"/>
+              <a:t>road</a:t>
+            </a:r>
+            <a:r>
+              <a:rPr lang="tr-TR" dirty="0"/>
+              <a:t> </a:t>
+            </a:r>
+            <a:r>
+              <a:rPr lang="tr-TR" dirty="0" err="1"/>
+              <a:t>curvature</a:t>
             </a:r>
             <a:r>
               <a:rPr lang="tr-TR" dirty="0"/>
@@ -3634,7 +3958,7 @@
     </p:spTree>
     <p:extLst>
       <p:ext uri="{BB962C8B-B14F-4D97-AF65-F5344CB8AC3E}">
-        <p14:creationId xmlns:p14="http://schemas.microsoft.com/office/powerpoint/2010/main" val="2390941196"/>
+        <p14:creationId xmlns:p14="http://schemas.microsoft.com/office/powerpoint/2010/main" val="2864457713"/>
       </p:ext>
     </p:extLst>
   </p:cSld>
@@ -3694,131 +4018,27 @@
             </a:r>
             <a:r>
               <a:rPr lang="tr-TR" dirty="0" err="1"/>
-              <a:t>Euclidian</a:t>
-            </a:r>
-            <a:r>
-              <a:rPr lang="tr-TR" dirty="0"/>
-              <a:t> </a:t>
-            </a:r>
-            <a:r>
-              <a:rPr lang="tr-TR" dirty="0" err="1"/>
-              <a:t>distance</a:t>
-            </a:r>
-            <a:r>
-              <a:rPr lang="tr-TR" dirty="0"/>
-              <a:t> </a:t>
-            </a:r>
-            <a:r>
-              <a:rPr lang="tr-TR" dirty="0" err="1"/>
-              <a:t>over</a:t>
-            </a:r>
-            <a:r>
-              <a:rPr lang="tr-TR" dirty="0"/>
-              <a:t> </a:t>
-            </a:r>
-            <a:r>
-              <a:rPr lang="tr-TR" dirty="0" err="1"/>
-              <a:t>the</a:t>
-            </a:r>
-            <a:r>
-              <a:rPr lang="tr-TR" dirty="0"/>
-              <a:t> </a:t>
-            </a:r>
-            <a:r>
-              <a:rPr lang="tr-TR" dirty="0" err="1"/>
-              <a:t>trajectory</a:t>
-            </a:r>
-            <a:r>
-              <a:rPr lang="tr-TR" dirty="0"/>
-              <a:t> is an </a:t>
-            </a:r>
-            <a:r>
-              <a:rPr lang="tr-TR" dirty="0" err="1"/>
-              <a:t>important</a:t>
-            </a:r>
-            <a:r>
-              <a:rPr lang="tr-TR" dirty="0"/>
-              <a:t> </a:t>
-            </a:r>
-            <a:r>
-              <a:rPr lang="tr-TR" dirty="0" err="1"/>
-              <a:t>metric</a:t>
-            </a:r>
-            <a:r>
-              <a:rPr lang="tr-TR" dirty="0"/>
-              <a:t> </a:t>
-            </a:r>
-            <a:r>
-              <a:rPr lang="tr-TR" dirty="0" err="1"/>
-              <a:t>to</a:t>
-            </a:r>
-            <a:r>
-              <a:rPr lang="tr-TR" dirty="0"/>
-              <a:t> </a:t>
-            </a:r>
-            <a:r>
-              <a:rPr lang="tr-TR" dirty="0" err="1"/>
-              <a:t>understand</a:t>
-            </a:r>
-            <a:r>
-              <a:rPr lang="tr-TR" dirty="0"/>
-              <a:t> </a:t>
-            </a:r>
-            <a:r>
-              <a:rPr lang="tr-TR" dirty="0" err="1"/>
-              <a:t>whether</a:t>
-            </a:r>
-            <a:r>
-              <a:rPr lang="tr-TR" dirty="0"/>
-              <a:t> </a:t>
-            </a:r>
-            <a:r>
-              <a:rPr lang="tr-TR" dirty="0" err="1"/>
-              <a:t>the</a:t>
-            </a:r>
-            <a:r>
-              <a:rPr lang="tr-TR" dirty="0"/>
-              <a:t> </a:t>
-            </a:r>
-            <a:r>
-              <a:rPr lang="tr-TR" dirty="0" err="1"/>
-              <a:t>vehicle</a:t>
-            </a:r>
-            <a:r>
-              <a:rPr lang="tr-TR" dirty="0"/>
-              <a:t> </a:t>
-            </a:r>
-            <a:r>
-              <a:rPr lang="tr-TR" dirty="0" err="1"/>
-              <a:t>leaves</a:t>
-            </a:r>
-            <a:r>
-              <a:rPr lang="tr-TR" dirty="0"/>
-              <a:t> </a:t>
-            </a:r>
-            <a:r>
-              <a:rPr lang="tr-TR" dirty="0" err="1"/>
-              <a:t>the</a:t>
-            </a:r>
-            <a:r>
-              <a:rPr lang="tr-TR" dirty="0"/>
-              <a:t> </a:t>
-            </a:r>
-            <a:r>
-              <a:rPr lang="tr-TR" dirty="0" err="1"/>
-              <a:t>road</a:t>
-            </a:r>
-            <a:r>
-              <a:rPr lang="tr-TR" dirty="0"/>
-              <a:t> </a:t>
-            </a:r>
-            <a:r>
-              <a:rPr lang="tr-TR" dirty="0" err="1"/>
-              <a:t>or</a:t>
-            </a:r>
-            <a:r>
-              <a:rPr lang="tr-TR" dirty="0"/>
-              <a:t> not.</a:t>
+              <a:t>Plots</a:t>
+            </a:r>
+            <a:r>
+              <a:rPr lang="tr-TR" dirty="0"/>
+              <a:t> </a:t>
+            </a:r>
+            <a:r>
+              <a:rPr lang="tr-TR" dirty="0" err="1"/>
+              <a:t>may</a:t>
+            </a:r>
+            <a:r>
+              <a:rPr lang="tr-TR" dirty="0"/>
+              <a:t> be </a:t>
+            </a:r>
+            <a:r>
+              <a:rPr lang="tr-TR" dirty="0" err="1"/>
+              <a:t>observed</a:t>
+            </a:r>
+            <a:r>
+              <a:rPr lang="tr-TR" dirty="0"/>
+              <a:t>.</a:t>
             </a:r>
           </a:p>
           <a:p>
@@ -3828,189 +4048,47 @@
             </a:r>
             <a:r>
               <a:rPr lang="tr-TR" dirty="0" err="1"/>
-              <a:t>Heading</a:t>
-            </a:r>
-            <a:r>
-              <a:rPr lang="tr-TR" dirty="0"/>
-              <a:t> </a:t>
-            </a:r>
-            <a:r>
-              <a:rPr lang="tr-TR" dirty="0" err="1"/>
-              <a:t>error</a:t>
-            </a:r>
-            <a:r>
-              <a:rPr lang="tr-TR" dirty="0"/>
-              <a:t> is </a:t>
-            </a:r>
-            <a:r>
-              <a:rPr lang="tr-TR" dirty="0" err="1"/>
-              <a:t>the</a:t>
-            </a:r>
-            <a:r>
-              <a:rPr lang="tr-TR" dirty="0"/>
-              <a:t> </a:t>
-            </a:r>
-            <a:r>
-              <a:rPr lang="tr-TR" dirty="0" err="1"/>
-              <a:t>heading</a:t>
-            </a:r>
-            <a:r>
-              <a:rPr lang="tr-TR" dirty="0"/>
-              <a:t> </a:t>
-            </a:r>
-            <a:r>
-              <a:rPr lang="tr-TR" dirty="0" err="1"/>
-              <a:t>difference</a:t>
-            </a:r>
-            <a:r>
-              <a:rPr lang="tr-TR" dirty="0"/>
-              <a:t> </a:t>
-            </a:r>
-            <a:r>
-              <a:rPr lang="tr-TR" dirty="0" err="1"/>
-              <a:t>between</a:t>
-            </a:r>
-            <a:r>
-              <a:rPr lang="tr-TR" dirty="0"/>
-              <a:t> </a:t>
-            </a:r>
-            <a:r>
-              <a:rPr lang="tr-TR" dirty="0" err="1"/>
-              <a:t>the</a:t>
-            </a:r>
-            <a:r>
-              <a:rPr lang="tr-TR" dirty="0"/>
-              <a:t> </a:t>
-            </a:r>
-            <a:r>
-              <a:rPr lang="tr-TR" dirty="0" err="1"/>
-              <a:t>vehicle</a:t>
-            </a:r>
-            <a:r>
-              <a:rPr lang="tr-TR" dirty="0"/>
-              <a:t> </a:t>
-            </a:r>
-            <a:r>
-              <a:rPr lang="tr-TR" dirty="0" err="1"/>
-              <a:t>and</a:t>
-            </a:r>
-            <a:r>
-              <a:rPr lang="tr-TR" dirty="0"/>
-              <a:t> </a:t>
-            </a:r>
-            <a:r>
-              <a:rPr lang="tr-TR" dirty="0" err="1"/>
-              <a:t>the</a:t>
-            </a:r>
-            <a:r>
-              <a:rPr lang="tr-TR" dirty="0"/>
-              <a:t> </a:t>
-            </a:r>
-            <a:r>
-              <a:rPr lang="tr-TR" dirty="0" err="1"/>
-              <a:t>road</a:t>
-            </a:r>
-            <a:r>
-              <a:rPr lang="tr-TR" dirty="0"/>
-              <a:t>.</a:t>
-            </a:r>
-          </a:p>
-          <a:p>
-            <a:r>
-              <a:rPr lang="tr-TR" dirty="0"/>
-              <a:t>-</a:t>
-            </a:r>
-            <a:r>
-              <a:rPr lang="tr-TR" dirty="0" err="1"/>
-              <a:t>Curvature</a:t>
-            </a:r>
-            <a:r>
-              <a:rPr lang="tr-TR" dirty="0"/>
-              <a:t> </a:t>
-            </a:r>
-            <a:r>
-              <a:rPr lang="tr-TR" dirty="0" err="1"/>
-              <a:t>error</a:t>
-            </a:r>
-            <a:r>
-              <a:rPr lang="tr-TR" dirty="0"/>
-              <a:t> is </a:t>
-            </a:r>
-            <a:r>
-              <a:rPr lang="tr-TR" dirty="0" err="1"/>
-              <a:t>the</a:t>
-            </a:r>
-            <a:r>
-              <a:rPr lang="tr-TR" dirty="0"/>
-              <a:t> </a:t>
-            </a:r>
-            <a:r>
-              <a:rPr lang="tr-TR" dirty="0" err="1"/>
-              <a:t>curvature</a:t>
-            </a:r>
-            <a:r>
-              <a:rPr lang="tr-TR" dirty="0"/>
-              <a:t> </a:t>
-            </a:r>
-            <a:r>
-              <a:rPr lang="tr-TR" dirty="0" err="1"/>
-              <a:t>difference</a:t>
-            </a:r>
-            <a:r>
-              <a:rPr lang="tr-TR" dirty="0"/>
-              <a:t> </a:t>
-            </a:r>
-            <a:r>
-              <a:rPr lang="tr-TR" dirty="0" err="1"/>
-              <a:t>between</a:t>
-            </a:r>
-            <a:r>
-              <a:rPr lang="tr-TR" dirty="0"/>
-              <a:t> </a:t>
-            </a:r>
-            <a:r>
-              <a:rPr lang="tr-TR" dirty="0" err="1"/>
-              <a:t>the</a:t>
-            </a:r>
-            <a:r>
-              <a:rPr lang="tr-TR" dirty="0"/>
-              <a:t> </a:t>
-            </a:r>
-            <a:r>
-              <a:rPr lang="tr-TR" dirty="0" err="1"/>
-              <a:t>vehicle</a:t>
-            </a:r>
-            <a:r>
-              <a:rPr lang="tr-TR" dirty="0"/>
-              <a:t> </a:t>
-            </a:r>
-            <a:r>
-              <a:rPr lang="tr-TR" dirty="0" err="1"/>
-              <a:t>curvature</a:t>
-            </a:r>
-            <a:r>
-              <a:rPr lang="tr-TR" dirty="0"/>
-              <a:t> </a:t>
-            </a:r>
-            <a:r>
-              <a:rPr lang="tr-TR" dirty="0" err="1"/>
-              <a:t>and</a:t>
-            </a:r>
-            <a:r>
-              <a:rPr lang="tr-TR" dirty="0"/>
-              <a:t> </a:t>
-            </a:r>
-            <a:r>
-              <a:rPr lang="tr-TR" dirty="0" err="1"/>
-              <a:t>road</a:t>
-            </a:r>
-            <a:r>
-              <a:rPr lang="tr-TR" dirty="0"/>
-              <a:t> </a:t>
-            </a:r>
-            <a:r>
-              <a:rPr lang="tr-TR" dirty="0" err="1"/>
-              <a:t>curvature</a:t>
+              <a:t>Error</a:t>
+            </a:r>
+            <a:r>
+              <a:rPr lang="tr-TR" dirty="0"/>
+              <a:t> </a:t>
+            </a:r>
+            <a:r>
+              <a:rPr lang="tr-TR" dirty="0" err="1"/>
+              <a:t>reaches</a:t>
+            </a:r>
+            <a:r>
+              <a:rPr lang="tr-TR" dirty="0"/>
+              <a:t> </a:t>
+            </a:r>
+            <a:r>
+              <a:rPr lang="tr-TR" dirty="0" err="1"/>
+              <a:t>zero</a:t>
+            </a:r>
+            <a:r>
+              <a:rPr lang="tr-TR" dirty="0"/>
+              <a:t> </a:t>
+            </a:r>
+            <a:r>
+              <a:rPr lang="tr-TR" dirty="0" err="1"/>
+              <a:t>for</a:t>
+            </a:r>
+            <a:r>
+              <a:rPr lang="tr-TR" dirty="0"/>
+              <a:t> </a:t>
+            </a:r>
+            <a:r>
+              <a:rPr lang="tr-TR" dirty="0" err="1"/>
+              <a:t>all</a:t>
+            </a:r>
+            <a:r>
+              <a:rPr lang="tr-TR" dirty="0"/>
+              <a:t> </a:t>
+            </a:r>
+            <a:r>
+              <a:rPr lang="tr-TR" dirty="0" err="1"/>
+              <a:t>cases</a:t>
             </a:r>
             <a:r>
               <a:rPr lang="tr-TR" dirty="0"/>
@@ -4051,7 +4129,7 @@
     </p:spTree>
     <p:extLst>
       <p:ext uri="{BB962C8B-B14F-4D97-AF65-F5344CB8AC3E}">
-        <p14:creationId xmlns:p14="http://schemas.microsoft.com/office/powerpoint/2010/main" val="2864457713"/>
+        <p14:creationId xmlns:p14="http://schemas.microsoft.com/office/powerpoint/2010/main" val="311328167"/>
       </p:ext>
     </p:extLst>
   </p:cSld>
@@ -4338,7 +4416,7 @@
     </p:spTree>
     <p:extLst>
       <p:ext uri="{BB962C8B-B14F-4D97-AF65-F5344CB8AC3E}">
-        <p14:creationId xmlns:p14="http://schemas.microsoft.com/office/powerpoint/2010/main" val="311328167"/>
+        <p14:creationId xmlns:p14="http://schemas.microsoft.com/office/powerpoint/2010/main" val="1872992749"/>
       </p:ext>
     </p:extLst>
   </p:cSld>
@@ -4398,23 +4476,138 @@
             </a:r>
             <a:r>
               <a:rPr lang="tr-TR" dirty="0" err="1"/>
-              <a:t>Plots</a:t>
-            </a:r>
-            <a:r>
-              <a:rPr lang="tr-TR" dirty="0"/>
-              <a:t> </a:t>
-            </a:r>
-            <a:r>
-              <a:rPr lang="tr-TR" dirty="0" err="1"/>
-              <a:t>may</a:t>
-            </a:r>
-            <a:r>
-              <a:rPr lang="tr-TR" dirty="0"/>
-              <a:t> be </a:t>
-            </a:r>
-            <a:r>
-              <a:rPr lang="tr-TR" dirty="0" err="1"/>
-              <a:t>observed</a:t>
+              <a:t>Varying</a:t>
+            </a:r>
+            <a:r>
+              <a:rPr lang="tr-TR" dirty="0"/>
+              <a:t> </a:t>
+            </a:r>
+            <a:r>
+              <a:rPr lang="tr-TR" dirty="0" err="1"/>
+              <a:t>length</a:t>
+            </a:r>
+            <a:r>
+              <a:rPr lang="tr-TR" dirty="0"/>
+              <a:t> of </a:t>
+            </a:r>
+            <a:r>
+              <a:rPr lang="tr-TR" dirty="0" err="1"/>
+              <a:t>Bézier</a:t>
+            </a:r>
+            <a:r>
+              <a:rPr lang="tr-TR" dirty="0"/>
+              <a:t> </a:t>
+            </a:r>
+            <a:r>
+              <a:rPr lang="tr-TR" dirty="0" err="1"/>
+              <a:t>curves</a:t>
+            </a:r>
+            <a:r>
+              <a:rPr lang="tr-TR" dirty="0"/>
+              <a:t> </a:t>
+            </a:r>
+            <a:r>
+              <a:rPr lang="tr-TR" dirty="0" err="1"/>
+              <a:t>are</a:t>
+            </a:r>
+            <a:r>
+              <a:rPr lang="tr-TR" dirty="0"/>
+              <a:t> </a:t>
+            </a:r>
+            <a:r>
+              <a:rPr lang="tr-TR" dirty="0" err="1"/>
+              <a:t>inspected</a:t>
+            </a:r>
+            <a:r>
+              <a:rPr lang="tr-TR" dirty="0"/>
+              <a:t> </a:t>
+            </a:r>
+            <a:r>
+              <a:rPr lang="tr-TR" dirty="0" err="1"/>
+              <a:t>to</a:t>
+            </a:r>
+            <a:r>
+              <a:rPr lang="tr-TR" dirty="0"/>
+              <a:t> </a:t>
+            </a:r>
+            <a:r>
+              <a:rPr lang="tr-TR" dirty="0" err="1"/>
+              <a:t>have</a:t>
+            </a:r>
+            <a:r>
+              <a:rPr lang="tr-TR" dirty="0"/>
+              <a:t> a </a:t>
+            </a:r>
+            <a:r>
+              <a:rPr lang="tr-TR" dirty="0" err="1"/>
+              <a:t>variety</a:t>
+            </a:r>
+            <a:r>
+              <a:rPr lang="tr-TR" dirty="0"/>
+              <a:t> of </a:t>
+            </a:r>
+            <a:r>
+              <a:rPr lang="tr-TR" dirty="0" err="1"/>
+              <a:t>comparison</a:t>
+            </a:r>
+            <a:endParaRPr lang="tr-TR" dirty="0"/>
+          </a:p>
+          <a:p>
+            <a:r>
+              <a:rPr lang="tr-TR" dirty="0"/>
+              <a:t>-</a:t>
+            </a:r>
+            <a:r>
+              <a:rPr lang="tr-TR" dirty="0" err="1"/>
+              <a:t>Arc-splines</a:t>
+            </a:r>
+            <a:r>
+              <a:rPr lang="tr-TR" dirty="0"/>
+              <a:t> </a:t>
+            </a:r>
+            <a:r>
+              <a:rPr lang="tr-TR" dirty="0" err="1"/>
+              <a:t>tend</a:t>
+            </a:r>
+            <a:r>
+              <a:rPr lang="tr-TR" dirty="0"/>
+              <a:t> </a:t>
+            </a:r>
+            <a:r>
+              <a:rPr lang="tr-TR" dirty="0" err="1"/>
+              <a:t>to</a:t>
+            </a:r>
+            <a:r>
+              <a:rPr lang="tr-TR" dirty="0"/>
+              <a:t> </a:t>
+            </a:r>
+            <a:r>
+              <a:rPr lang="tr-TR" dirty="0" err="1"/>
+              <a:t>have</a:t>
+            </a:r>
+            <a:r>
+              <a:rPr lang="tr-TR" dirty="0"/>
+              <a:t> a </a:t>
+            </a:r>
+            <a:r>
+              <a:rPr lang="tr-TR" dirty="0" err="1"/>
+              <a:t>more</a:t>
+            </a:r>
+            <a:r>
+              <a:rPr lang="tr-TR" dirty="0"/>
+              <a:t> </a:t>
+            </a:r>
+            <a:r>
+              <a:rPr lang="tr-TR" dirty="0" err="1"/>
+              <a:t>stable</a:t>
+            </a:r>
+            <a:r>
+              <a:rPr lang="tr-TR" dirty="0"/>
+              <a:t> </a:t>
+            </a:r>
+            <a:r>
+              <a:rPr lang="tr-TR" dirty="0" err="1"/>
+              <a:t>solution</a:t>
             </a:r>
             <a:r>
               <a:rPr lang="tr-TR" dirty="0"/>
@@ -4428,15 +4621,23 @@
             </a:r>
             <a:r>
               <a:rPr lang="tr-TR" dirty="0" err="1"/>
-              <a:t>Error</a:t>
-            </a:r>
-            <a:r>
-              <a:rPr lang="tr-TR" dirty="0"/>
-              <a:t> </a:t>
-            </a:r>
-            <a:r>
-              <a:rPr lang="tr-TR" dirty="0" err="1"/>
-              <a:t>reaches</a:t>
+              <a:t>Position</a:t>
+            </a:r>
+            <a:r>
+              <a:rPr lang="tr-TR" dirty="0"/>
+              <a:t> </a:t>
+            </a:r>
+            <a:r>
+              <a:rPr lang="tr-TR" dirty="0" err="1"/>
+              <a:t>error</a:t>
+            </a:r>
+            <a:r>
+              <a:rPr lang="tr-TR" dirty="0"/>
+              <a:t> </a:t>
+            </a:r>
+            <a:r>
+              <a:rPr lang="tr-TR" dirty="0" err="1"/>
+              <a:t>approaches</a:t>
             </a:r>
             <a:r>
               <a:rPr lang="tr-TR" dirty="0"/>
@@ -4452,28 +4653,82 @@
             </a:r>
             <a:r>
               <a:rPr lang="tr-TR" dirty="0" err="1"/>
-              <a:t>for</a:t>
-            </a:r>
-            <a:r>
-              <a:rPr lang="tr-TR" dirty="0"/>
-              <a:t> </a:t>
-            </a:r>
-            <a:r>
-              <a:rPr lang="tr-TR" dirty="0" err="1"/>
-              <a:t>all</a:t>
-            </a:r>
-            <a:r>
-              <a:rPr lang="tr-TR" dirty="0"/>
-              <a:t> </a:t>
-            </a:r>
-            <a:r>
-              <a:rPr lang="tr-TR" dirty="0" err="1"/>
-              <a:t>cases</a:t>
+              <a:t>faster</a:t>
             </a:r>
             <a:r>
               <a:rPr lang="tr-TR" dirty="0"/>
               <a:t>.</a:t>
             </a:r>
+          </a:p>
+          <a:p>
+            <a:r>
+              <a:rPr lang="tr-TR" dirty="0"/>
+              <a:t>-</a:t>
+            </a:r>
+            <a:r>
+              <a:rPr lang="tr-TR" dirty="0" err="1"/>
+              <a:t>Curvature</a:t>
+            </a:r>
+            <a:r>
+              <a:rPr lang="tr-TR" dirty="0"/>
+              <a:t> </a:t>
+            </a:r>
+            <a:r>
+              <a:rPr lang="tr-TR" dirty="0" err="1"/>
+              <a:t>error</a:t>
+            </a:r>
+            <a:r>
+              <a:rPr lang="tr-TR" dirty="0"/>
+              <a:t> is </a:t>
+            </a:r>
+            <a:r>
+              <a:rPr lang="tr-TR" dirty="0" err="1"/>
+              <a:t>almost</a:t>
+            </a:r>
+            <a:r>
+              <a:rPr lang="tr-TR" dirty="0"/>
+              <a:t> </a:t>
+            </a:r>
+            <a:r>
+              <a:rPr lang="tr-TR" dirty="0" err="1"/>
+              <a:t>always</a:t>
+            </a:r>
+            <a:r>
+              <a:rPr lang="tr-TR" dirty="0"/>
+              <a:t> </a:t>
+            </a:r>
+            <a:r>
+              <a:rPr lang="tr-TR" dirty="0" err="1"/>
+              <a:t>lower</a:t>
+            </a:r>
+            <a:r>
+              <a:rPr lang="tr-TR" dirty="0"/>
+              <a:t> </a:t>
+            </a:r>
+            <a:r>
+              <a:rPr lang="tr-TR" dirty="0" err="1"/>
+              <a:t>than</a:t>
+            </a:r>
+            <a:r>
+              <a:rPr lang="tr-TR" dirty="0"/>
+              <a:t> </a:t>
+            </a:r>
+            <a:r>
+              <a:rPr lang="tr-TR" dirty="0" err="1"/>
+              <a:t>Bézier</a:t>
+            </a:r>
+            <a:r>
+              <a:rPr lang="tr-TR" dirty="0"/>
+              <a:t> </a:t>
+            </a:r>
+            <a:r>
+              <a:rPr lang="tr-TR" dirty="0" err="1"/>
+              <a:t>curves</a:t>
+            </a:r>
+            <a:endParaRPr lang="tr-TR" dirty="0"/>
+          </a:p>
+          <a:p>
+            <a:endParaRPr lang="tr-TR" dirty="0"/>
           </a:p>
         </p:txBody>
       </p:sp>
@@ -4509,7 +4764,7 @@
     </p:spTree>
     <p:extLst>
       <p:ext uri="{BB962C8B-B14F-4D97-AF65-F5344CB8AC3E}">
-        <p14:creationId xmlns:p14="http://schemas.microsoft.com/office/powerpoint/2010/main" val="1872992749"/>
+        <p14:creationId xmlns:p14="http://schemas.microsoft.com/office/powerpoint/2010/main" val="3427398872"/>
       </p:ext>
     </p:extLst>
   </p:cSld>
@@ -4569,15 +4824,253 @@
             </a:r>
             <a:r>
               <a:rPr lang="tr-TR" dirty="0" err="1"/>
-              <a:t>Varying</a:t>
-            </a:r>
-            <a:r>
-              <a:rPr lang="tr-TR" dirty="0"/>
-              <a:t> </a:t>
-            </a:r>
-            <a:r>
-              <a:rPr lang="tr-TR" dirty="0" err="1"/>
-              <a:t>length</a:t>
+              <a:t>Arc-splines</a:t>
+            </a:r>
+            <a:r>
+              <a:rPr lang="tr-TR" dirty="0"/>
+              <a:t> </a:t>
+            </a:r>
+            <a:r>
+              <a:rPr lang="tr-TR" dirty="0" err="1"/>
+              <a:t>have</a:t>
+            </a:r>
+            <a:r>
+              <a:rPr lang="tr-TR" dirty="0"/>
+              <a:t> </a:t>
+            </a:r>
+            <a:r>
+              <a:rPr lang="tr-TR" dirty="0" err="1"/>
+              <a:t>analytical</a:t>
+            </a:r>
+            <a:r>
+              <a:rPr lang="tr-TR" dirty="0"/>
+              <a:t> </a:t>
+            </a:r>
+            <a:r>
+              <a:rPr lang="tr-TR" dirty="0" err="1"/>
+              <a:t>solution</a:t>
+            </a:r>
+            <a:r>
+              <a:rPr lang="tr-TR" dirty="0"/>
+              <a:t> </a:t>
+            </a:r>
+            <a:r>
+              <a:rPr lang="tr-TR" dirty="0" err="1"/>
+              <a:t>and</a:t>
+            </a:r>
+            <a:r>
+              <a:rPr lang="tr-TR" dirty="0"/>
+              <a:t> </a:t>
+            </a:r>
+            <a:r>
+              <a:rPr lang="tr-TR" dirty="0" err="1"/>
+              <a:t>representation</a:t>
+            </a:r>
+            <a:r>
+              <a:rPr lang="tr-TR" dirty="0"/>
+              <a:t> </a:t>
+            </a:r>
+            <a:r>
+              <a:rPr lang="tr-TR" dirty="0" err="1"/>
+              <a:t>hence</a:t>
+            </a:r>
+            <a:r>
+              <a:rPr lang="tr-TR" dirty="0"/>
+              <a:t> </a:t>
+            </a:r>
+            <a:r>
+              <a:rPr lang="tr-TR" dirty="0" err="1"/>
+              <a:t>they</a:t>
+            </a:r>
+            <a:r>
+              <a:rPr lang="tr-TR" dirty="0"/>
+              <a:t> </a:t>
+            </a:r>
+            <a:r>
+              <a:rPr lang="tr-TR" dirty="0" err="1"/>
+              <a:t>are</a:t>
+            </a:r>
+            <a:r>
+              <a:rPr lang="tr-TR" dirty="0"/>
+              <a:t> </a:t>
+            </a:r>
+            <a:r>
+              <a:rPr lang="tr-TR" dirty="0" err="1"/>
+              <a:t>generally</a:t>
+            </a:r>
+            <a:r>
+              <a:rPr lang="tr-TR" dirty="0"/>
+              <a:t> </a:t>
+            </a:r>
+            <a:r>
+              <a:rPr lang="tr-TR" dirty="0" err="1"/>
+              <a:t>very</a:t>
+            </a:r>
+            <a:r>
+              <a:rPr lang="tr-TR" dirty="0"/>
+              <a:t> </a:t>
+            </a:r>
+            <a:r>
+              <a:rPr lang="tr-TR" dirty="0" err="1"/>
+              <a:t>fast</a:t>
+            </a:r>
+            <a:r>
+              <a:rPr lang="tr-TR" dirty="0"/>
+              <a:t>.</a:t>
+            </a:r>
+          </a:p>
+          <a:p>
+            <a:r>
+              <a:rPr lang="tr-TR" dirty="0"/>
+              <a:t>-</a:t>
+            </a:r>
+            <a:r>
+              <a:rPr lang="tr-TR" dirty="0" err="1"/>
+              <a:t>Bézier</a:t>
+            </a:r>
+            <a:r>
+              <a:rPr lang="tr-TR" dirty="0"/>
+              <a:t> </a:t>
+            </a:r>
+            <a:r>
+              <a:rPr lang="tr-TR" dirty="0" err="1"/>
+              <a:t>curves</a:t>
+            </a:r>
+            <a:r>
+              <a:rPr lang="tr-TR" dirty="0"/>
+              <a:t> on </a:t>
+            </a:r>
+            <a:r>
+              <a:rPr lang="tr-TR" dirty="0" err="1"/>
+              <a:t>the</a:t>
+            </a:r>
+            <a:r>
+              <a:rPr lang="tr-TR" dirty="0"/>
+              <a:t> </a:t>
+            </a:r>
+            <a:r>
+              <a:rPr lang="tr-TR" dirty="0" err="1"/>
+              <a:t>other</a:t>
+            </a:r>
+            <a:r>
+              <a:rPr lang="tr-TR" dirty="0"/>
+              <a:t> </a:t>
+            </a:r>
+            <a:r>
+              <a:rPr lang="tr-TR" dirty="0" err="1"/>
+              <a:t>hand</a:t>
+            </a:r>
+            <a:r>
+              <a:rPr lang="tr-TR" dirty="0"/>
+              <a:t> </a:t>
+            </a:r>
+            <a:r>
+              <a:rPr lang="tr-TR" dirty="0" err="1"/>
+              <a:t>have</a:t>
+            </a:r>
+            <a:r>
+              <a:rPr lang="tr-TR" dirty="0"/>
+              <a:t> a </a:t>
+            </a:r>
+            <a:r>
+              <a:rPr lang="tr-TR" dirty="0" err="1"/>
+              <a:t>cost</a:t>
+            </a:r>
+            <a:r>
+              <a:rPr lang="tr-TR" dirty="0"/>
+              <a:t> </a:t>
+            </a:r>
+            <a:r>
+              <a:rPr lang="tr-TR" dirty="0" err="1"/>
+              <a:t>function</a:t>
+            </a:r>
+            <a:r>
+              <a:rPr lang="tr-TR" dirty="0"/>
+              <a:t>. </a:t>
+            </a:r>
+            <a:r>
+              <a:rPr lang="tr-TR" dirty="0" err="1"/>
+              <a:t>This</a:t>
+            </a:r>
+            <a:r>
+              <a:rPr lang="tr-TR" dirty="0"/>
+              <a:t> </a:t>
+            </a:r>
+            <a:r>
+              <a:rPr lang="tr-TR" dirty="0" err="1"/>
+              <a:t>cost</a:t>
+            </a:r>
+            <a:r>
+              <a:rPr lang="tr-TR" dirty="0"/>
+              <a:t> </a:t>
+            </a:r>
+            <a:r>
+              <a:rPr lang="tr-TR" dirty="0" err="1"/>
+              <a:t>function</a:t>
+            </a:r>
+            <a:r>
+              <a:rPr lang="tr-TR" dirty="0"/>
+              <a:t> is </a:t>
+            </a:r>
+            <a:r>
+              <a:rPr lang="tr-TR" dirty="0" err="1"/>
+              <a:t>utilized</a:t>
+            </a:r>
+            <a:r>
+              <a:rPr lang="tr-TR" dirty="0"/>
+              <a:t> </a:t>
+            </a:r>
+            <a:r>
+              <a:rPr lang="tr-TR" dirty="0" err="1"/>
+              <a:t>to</a:t>
+            </a:r>
+            <a:r>
+              <a:rPr lang="tr-TR" dirty="0"/>
+              <a:t> </a:t>
+            </a:r>
+            <a:r>
+              <a:rPr lang="tr-TR" dirty="0" err="1"/>
+              <a:t>pick</a:t>
+            </a:r>
+            <a:r>
+              <a:rPr lang="tr-TR" dirty="0"/>
+              <a:t> </a:t>
+            </a:r>
+            <a:r>
+              <a:rPr lang="tr-TR" dirty="0" err="1"/>
+              <a:t>the</a:t>
+            </a:r>
+            <a:r>
+              <a:rPr lang="tr-TR" dirty="0"/>
+              <a:t> </a:t>
+            </a:r>
+            <a:r>
+              <a:rPr lang="tr-TR" dirty="0" err="1"/>
+              <a:t>best</a:t>
+            </a:r>
+            <a:r>
+              <a:rPr lang="tr-TR" dirty="0"/>
+              <a:t> </a:t>
+            </a:r>
+            <a:r>
+              <a:rPr lang="tr-TR" dirty="0" err="1"/>
+              <a:t>curve</a:t>
+            </a:r>
+            <a:r>
+              <a:rPr lang="tr-TR" dirty="0"/>
+              <a:t> </a:t>
+            </a:r>
+            <a:r>
+              <a:rPr lang="tr-TR" dirty="0" err="1"/>
+              <a:t>from</a:t>
+            </a:r>
+            <a:r>
+              <a:rPr lang="tr-TR" dirty="0"/>
+              <a:t> a </a:t>
+            </a:r>
+            <a:r>
+              <a:rPr lang="tr-TR" dirty="0" err="1"/>
+              <a:t>family</a:t>
             </a:r>
             <a:r>
               <a:rPr lang="tr-TR" dirty="0"/>
@@ -4597,53 +5090,64 @@
             </a:r>
             <a:r>
               <a:rPr lang="tr-TR" dirty="0"/>
-              <a:t> </a:t>
-            </a:r>
-            <a:r>
-              <a:rPr lang="tr-TR" dirty="0" err="1"/>
-              <a:t>are</a:t>
-            </a:r>
-            <a:r>
-              <a:rPr lang="tr-TR" dirty="0"/>
-              <a:t> </a:t>
-            </a:r>
-            <a:r>
-              <a:rPr lang="tr-TR" dirty="0" err="1"/>
-              <a:t>inspected</a:t>
-            </a:r>
-            <a:r>
-              <a:rPr lang="tr-TR" dirty="0"/>
-              <a:t> </a:t>
-            </a:r>
-            <a:r>
-              <a:rPr lang="tr-TR" dirty="0" err="1"/>
-              <a:t>to</a:t>
-            </a:r>
-            <a:r>
-              <a:rPr lang="tr-TR" dirty="0"/>
-              <a:t> </a:t>
-            </a:r>
-            <a:r>
-              <a:rPr lang="tr-TR" dirty="0" err="1"/>
-              <a:t>have</a:t>
-            </a:r>
-            <a:r>
-              <a:rPr lang="tr-TR" dirty="0"/>
-              <a:t> a </a:t>
-            </a:r>
-            <a:r>
-              <a:rPr lang="tr-TR" dirty="0" err="1"/>
-              <a:t>variety</a:t>
-            </a:r>
-            <a:r>
-              <a:rPr lang="tr-TR" dirty="0"/>
-              <a:t> of </a:t>
-            </a:r>
-            <a:r>
-              <a:rPr lang="tr-TR" dirty="0" err="1"/>
-              <a:t>comparison</a:t>
-            </a:r>
-            <a:endParaRPr lang="tr-TR" dirty="0"/>
+              <a:t>. </a:t>
+            </a:r>
+            <a:r>
+              <a:rPr lang="tr-TR" dirty="0" err="1"/>
+              <a:t>This</a:t>
+            </a:r>
+            <a:r>
+              <a:rPr lang="tr-TR" dirty="0"/>
+              <a:t> </a:t>
+            </a:r>
+            <a:r>
+              <a:rPr lang="tr-TR" dirty="0" err="1"/>
+              <a:t>especially</a:t>
+            </a:r>
+            <a:r>
+              <a:rPr lang="tr-TR" dirty="0"/>
+              <a:t> </a:t>
+            </a:r>
+            <a:r>
+              <a:rPr lang="tr-TR" dirty="0" err="1"/>
+              <a:t>increases</a:t>
+            </a:r>
+            <a:r>
+              <a:rPr lang="tr-TR" dirty="0"/>
+              <a:t> </a:t>
+            </a:r>
+            <a:r>
+              <a:rPr lang="tr-TR" dirty="0" err="1"/>
+              <a:t>the</a:t>
+            </a:r>
+            <a:r>
+              <a:rPr lang="tr-TR" dirty="0"/>
+              <a:t> </a:t>
+            </a:r>
+            <a:r>
+              <a:rPr lang="tr-TR" dirty="0" err="1"/>
+              <a:t>Bézier</a:t>
+            </a:r>
+            <a:r>
+              <a:rPr lang="tr-TR" dirty="0"/>
+              <a:t> </a:t>
+            </a:r>
+            <a:r>
+              <a:rPr lang="tr-TR" dirty="0" err="1"/>
+              <a:t>curve</a:t>
+            </a:r>
+            <a:r>
+              <a:rPr lang="tr-TR" dirty="0"/>
+              <a:t> </a:t>
+            </a:r>
+            <a:r>
+              <a:rPr lang="tr-TR" dirty="0" err="1"/>
+              <a:t>computation</a:t>
+            </a:r>
+            <a:r>
+              <a:rPr lang="tr-TR" dirty="0"/>
+              <a:t> time.</a:t>
+            </a:r>
           </a:p>
           <a:p>
             <a:r>
@@ -4652,173 +5156,20 @@
             </a:r>
             <a:r>
               <a:rPr lang="tr-TR" dirty="0" err="1"/>
-              <a:t>Arc-splines</a:t>
-            </a:r>
-            <a:r>
-              <a:rPr lang="tr-TR" dirty="0"/>
-              <a:t> </a:t>
-            </a:r>
-            <a:r>
-              <a:rPr lang="tr-TR" dirty="0" err="1"/>
-              <a:t>tend</a:t>
-            </a:r>
-            <a:r>
-              <a:rPr lang="tr-TR" dirty="0"/>
-              <a:t> </a:t>
-            </a:r>
-            <a:r>
-              <a:rPr lang="tr-TR" dirty="0" err="1"/>
-              <a:t>to</a:t>
-            </a:r>
-            <a:r>
-              <a:rPr lang="tr-TR" dirty="0"/>
-              <a:t> </a:t>
-            </a:r>
-            <a:r>
-              <a:rPr lang="tr-TR" dirty="0" err="1"/>
-              <a:t>have</a:t>
-            </a:r>
-            <a:r>
-              <a:rPr lang="tr-TR" dirty="0"/>
-              <a:t> a </a:t>
-            </a:r>
-            <a:r>
-              <a:rPr lang="tr-TR" dirty="0" err="1"/>
-              <a:t>more</a:t>
-            </a:r>
-            <a:r>
-              <a:rPr lang="tr-TR" dirty="0"/>
-              <a:t> </a:t>
-            </a:r>
-            <a:r>
-              <a:rPr lang="tr-TR" dirty="0" err="1"/>
-              <a:t>stable</a:t>
-            </a:r>
-            <a:r>
-              <a:rPr lang="tr-TR" dirty="0"/>
-              <a:t> </a:t>
-            </a:r>
-            <a:r>
-              <a:rPr lang="tr-TR" dirty="0" err="1"/>
-              <a:t>solution</a:t>
-            </a:r>
-            <a:r>
-              <a:rPr lang="tr-TR" dirty="0"/>
-              <a:t>.</a:t>
-            </a:r>
-          </a:p>
-          <a:p>
-            <a:r>
-              <a:rPr lang="tr-TR" dirty="0"/>
-              <a:t>-</a:t>
-            </a:r>
-            <a:r>
-              <a:rPr lang="tr-TR" dirty="0" err="1"/>
-              <a:t>Position</a:t>
-            </a:r>
-            <a:r>
-              <a:rPr lang="tr-TR" dirty="0"/>
-              <a:t> </a:t>
-            </a:r>
-            <a:r>
-              <a:rPr lang="tr-TR" dirty="0" err="1"/>
-              <a:t>error</a:t>
-            </a:r>
-            <a:r>
-              <a:rPr lang="tr-TR" dirty="0"/>
-              <a:t> </a:t>
-            </a:r>
-            <a:r>
-              <a:rPr lang="tr-TR" dirty="0" err="1"/>
-              <a:t>approaches</a:t>
-            </a:r>
-            <a:r>
-              <a:rPr lang="tr-TR" dirty="0"/>
-              <a:t> </a:t>
-            </a:r>
-            <a:r>
-              <a:rPr lang="tr-TR" dirty="0" err="1"/>
-              <a:t>zero</a:t>
-            </a:r>
-            <a:r>
-              <a:rPr lang="tr-TR" dirty="0"/>
-              <a:t> </a:t>
-            </a:r>
-            <a:r>
-              <a:rPr lang="tr-TR" dirty="0" err="1"/>
-              <a:t>faster</a:t>
-            </a:r>
-            <a:r>
-              <a:rPr lang="tr-TR" dirty="0"/>
-              <a:t>.</a:t>
-            </a:r>
-          </a:p>
-          <a:p>
-            <a:r>
-              <a:rPr lang="tr-TR" dirty="0"/>
-              <a:t>-</a:t>
-            </a:r>
-            <a:r>
-              <a:rPr lang="tr-TR" dirty="0" err="1"/>
-              <a:t>Curvature</a:t>
-            </a:r>
-            <a:r>
-              <a:rPr lang="tr-TR" dirty="0"/>
-              <a:t> </a:t>
-            </a:r>
-            <a:r>
-              <a:rPr lang="tr-TR" dirty="0" err="1"/>
-              <a:t>error</a:t>
-            </a:r>
-            <a:r>
-              <a:rPr lang="tr-TR" dirty="0"/>
-              <a:t> is </a:t>
-            </a:r>
-            <a:r>
-              <a:rPr lang="tr-TR" dirty="0" err="1"/>
-              <a:t>almost</a:t>
-            </a:r>
-            <a:r>
-              <a:rPr lang="tr-TR" dirty="0"/>
-              <a:t> </a:t>
-            </a:r>
-            <a:r>
-              <a:rPr lang="tr-TR" dirty="0" err="1"/>
-              <a:t>always</a:t>
-            </a:r>
-            <a:r>
-              <a:rPr lang="tr-TR" dirty="0"/>
-              <a:t> </a:t>
-            </a:r>
-            <a:r>
-              <a:rPr lang="tr-TR" dirty="0" err="1"/>
-              <a:t>lower</a:t>
-            </a:r>
-            <a:r>
-              <a:rPr lang="tr-TR" dirty="0"/>
-              <a:t> </a:t>
-            </a:r>
-            <a:r>
-              <a:rPr lang="tr-TR" dirty="0" err="1"/>
-              <a:t>than</a:t>
-            </a:r>
-            <a:r>
-              <a:rPr lang="tr-TR" dirty="0"/>
-              <a:t> </a:t>
-            </a:r>
-            <a:r>
-              <a:rPr lang="tr-TR" dirty="0" err="1"/>
-              <a:t>Bézier</a:t>
-            </a:r>
-            <a:r>
-              <a:rPr lang="tr-TR" dirty="0"/>
-              <a:t> </a:t>
-            </a:r>
-            <a:r>
-              <a:rPr lang="tr-TR" dirty="0" err="1"/>
-              <a:t>curves</a:t>
-            </a:r>
-            <a:endParaRPr lang="tr-TR" dirty="0"/>
+              <a:t>Thesis</a:t>
+            </a:r>
+            <a:r>
+              <a:rPr lang="tr-TR" dirty="0"/>
+              <a:t> </a:t>
+            </a:r>
+            <a:r>
+              <a:rPr lang="tr-TR" dirty="0" err="1"/>
+              <a:t>page</a:t>
+            </a:r>
+            <a:r>
+              <a:rPr lang="tr-TR" dirty="0"/>
+              <a:t> (78)</a:t>
+            </a:r>
           </a:p>
           <a:p>
             <a:endParaRPr lang="tr-TR" dirty="0"/>
@@ -4857,7 +5208,7 @@
     </p:spTree>
     <p:extLst>
       <p:ext uri="{BB962C8B-B14F-4D97-AF65-F5344CB8AC3E}">
-        <p14:creationId xmlns:p14="http://schemas.microsoft.com/office/powerpoint/2010/main" val="3427398872"/>
+        <p14:creationId xmlns:p14="http://schemas.microsoft.com/office/powerpoint/2010/main" val="507530008"/>
       </p:ext>
     </p:extLst>
   </p:cSld>
@@ -4913,35 +5264,207 @@
           <a:p>
             <a:r>
               <a:rPr lang="tr-TR" dirty="0"/>
+              <a:t>-Case-1 </a:t>
+            </a:r>
+            <a:r>
+              <a:rPr lang="tr-TR" dirty="0" err="1"/>
+              <a:t>results</a:t>
+            </a:r>
+            <a:r>
+              <a:rPr lang="tr-TR" dirty="0"/>
+              <a:t> </a:t>
+            </a:r>
+            <a:r>
+              <a:rPr lang="tr-TR" dirty="0" err="1"/>
+              <a:t>are</a:t>
+            </a:r>
+            <a:r>
+              <a:rPr lang="tr-TR" dirty="0"/>
+              <a:t> </a:t>
+            </a:r>
+            <a:r>
+              <a:rPr lang="tr-TR" dirty="0" err="1"/>
+              <a:t>given</a:t>
+            </a:r>
+            <a:r>
+              <a:rPr lang="tr-TR" dirty="0"/>
+              <a:t> </a:t>
+            </a:r>
+            <a:r>
+              <a:rPr lang="tr-TR" dirty="0" err="1"/>
+              <a:t>below</a:t>
+            </a:r>
+            <a:endParaRPr lang="tr-TR" dirty="0"/>
+          </a:p>
+          <a:p>
+            <a:r>
+              <a:rPr lang="tr-TR" dirty="0"/>
               <a:t>-</a:t>
             </a:r>
             <a:r>
               <a:rPr lang="tr-TR" dirty="0" err="1"/>
-              <a:t>Arc-splines</a:t>
-            </a:r>
-            <a:r>
-              <a:rPr lang="tr-TR" dirty="0"/>
-              <a:t> </a:t>
-            </a:r>
-            <a:r>
-              <a:rPr lang="tr-TR" dirty="0" err="1"/>
-              <a:t>have</a:t>
-            </a:r>
-            <a:r>
-              <a:rPr lang="tr-TR" dirty="0"/>
-              <a:t> </a:t>
-            </a:r>
-            <a:r>
-              <a:rPr lang="tr-TR" dirty="0" err="1"/>
-              <a:t>analytical</a:t>
-            </a:r>
-            <a:r>
-              <a:rPr lang="tr-TR" dirty="0"/>
-              <a:t> </a:t>
-            </a:r>
-            <a:r>
-              <a:rPr lang="tr-TR" dirty="0" err="1"/>
-              <a:t>solution</a:t>
+              <a:t>Tracking</a:t>
+            </a:r>
+            <a:r>
+              <a:rPr lang="tr-TR" dirty="0"/>
+              <a:t> </a:t>
+            </a:r>
+            <a:r>
+              <a:rPr lang="tr-TR" dirty="0" err="1"/>
+              <a:t>error</a:t>
+            </a:r>
+            <a:r>
+              <a:rPr lang="tr-TR" dirty="0"/>
+              <a:t> is as </a:t>
+            </a:r>
+            <a:r>
+              <a:rPr lang="tr-TR" dirty="0" err="1"/>
+              <a:t>low</a:t>
+            </a:r>
+            <a:r>
+              <a:rPr lang="tr-TR" dirty="0"/>
+              <a:t> as a </a:t>
+            </a:r>
+            <a:r>
+              <a:rPr lang="tr-TR" dirty="0" err="1"/>
+              <a:t>few</a:t>
+            </a:r>
+            <a:r>
+              <a:rPr lang="tr-TR" dirty="0"/>
+              <a:t> </a:t>
+            </a:r>
+            <a:r>
+              <a:rPr lang="tr-TR" dirty="0" err="1"/>
+              <a:t>centimeters</a:t>
+            </a:r>
+            <a:endParaRPr lang="tr-TR" dirty="0"/>
+          </a:p>
+          <a:p>
+            <a:r>
+              <a:rPr lang="tr-TR" dirty="0"/>
+              <a:t>-</a:t>
+            </a:r>
+            <a:r>
+              <a:rPr lang="tr-TR" dirty="0" err="1"/>
+              <a:t>Trajectory</a:t>
+            </a:r>
+            <a:r>
+              <a:rPr lang="tr-TR" dirty="0"/>
+              <a:t> is </a:t>
+            </a:r>
+            <a:r>
+              <a:rPr lang="tr-TR" dirty="0" err="1"/>
+              <a:t>given</a:t>
+            </a:r>
+            <a:r>
+              <a:rPr lang="tr-TR" dirty="0"/>
+              <a:t> (</a:t>
+            </a:r>
+            <a:r>
+              <a:rPr lang="tr-TR" dirty="0" err="1"/>
+              <a:t>coordinate</a:t>
+            </a:r>
+            <a:r>
+              <a:rPr lang="tr-TR" dirty="0"/>
+              <a:t> </a:t>
+            </a:r>
+            <a:r>
+              <a:rPr lang="tr-TR" dirty="0" err="1"/>
+              <a:t>system</a:t>
+            </a:r>
+            <a:r>
+              <a:rPr lang="tr-TR" dirty="0"/>
+              <a:t> is </a:t>
+            </a:r>
+            <a:r>
+              <a:rPr lang="tr-TR" dirty="0" err="1"/>
+              <a:t>changed</a:t>
+            </a:r>
+            <a:r>
+              <a:rPr lang="tr-TR" dirty="0"/>
+              <a:t> </a:t>
+            </a:r>
+            <a:r>
+              <a:rPr lang="tr-TR" dirty="0" err="1"/>
+              <a:t>so</a:t>
+            </a:r>
+            <a:r>
+              <a:rPr lang="tr-TR" dirty="0"/>
+              <a:t> it </a:t>
+            </a:r>
+            <a:r>
+              <a:rPr lang="tr-TR" dirty="0" err="1"/>
+              <a:t>does</a:t>
+            </a:r>
+            <a:r>
+              <a:rPr lang="tr-TR" dirty="0"/>
+              <a:t> not </a:t>
+            </a:r>
+            <a:r>
+              <a:rPr lang="tr-TR" dirty="0" err="1"/>
+              <a:t>look</a:t>
+            </a:r>
+            <a:r>
+              <a:rPr lang="tr-TR" dirty="0"/>
+              <a:t> </a:t>
+            </a:r>
+            <a:r>
+              <a:rPr lang="tr-TR" dirty="0" err="1"/>
+              <a:t>the</a:t>
+            </a:r>
+            <a:r>
+              <a:rPr lang="tr-TR" dirty="0"/>
+              <a:t> </a:t>
+            </a:r>
+            <a:r>
+              <a:rPr lang="tr-TR" dirty="0" err="1"/>
+              <a:t>same</a:t>
+            </a:r>
+            <a:r>
+              <a:rPr lang="tr-TR" dirty="0"/>
+              <a:t> as </a:t>
+            </a:r>
+            <a:r>
+              <a:rPr lang="tr-TR" dirty="0" err="1"/>
+              <a:t>previous</a:t>
+            </a:r>
+            <a:r>
+              <a:rPr lang="tr-TR" dirty="0"/>
+              <a:t> </a:t>
+            </a:r>
+            <a:r>
+              <a:rPr lang="tr-TR" dirty="0" err="1"/>
+              <a:t>results</a:t>
+            </a:r>
+            <a:r>
+              <a:rPr lang="tr-TR" dirty="0"/>
+              <a:t>)</a:t>
+            </a:r>
+          </a:p>
+          <a:p>
+            <a:r>
+              <a:rPr lang="tr-TR" dirty="0"/>
+              <a:t>-</a:t>
+            </a:r>
+            <a:r>
+              <a:rPr lang="tr-TR" dirty="0" err="1"/>
+              <a:t>Curvature</a:t>
+            </a:r>
+            <a:r>
+              <a:rPr lang="tr-TR" dirty="0"/>
+              <a:t> </a:t>
+            </a:r>
+            <a:r>
+              <a:rPr lang="tr-TR" dirty="0" err="1"/>
+              <a:t>plot</a:t>
+            </a:r>
+            <a:r>
+              <a:rPr lang="tr-TR" dirty="0"/>
+              <a:t> is </a:t>
+            </a:r>
+            <a:r>
+              <a:rPr lang="tr-TR" dirty="0" err="1"/>
+              <a:t>given</a:t>
             </a:r>
             <a:r>
               <a:rPr lang="tr-TR" dirty="0"/>
@@ -4957,55 +5480,47 @@
             </a:r>
             <a:r>
               <a:rPr lang="tr-TR" dirty="0" err="1"/>
-              <a:t>representation</a:t>
-            </a:r>
-            <a:r>
-              <a:rPr lang="tr-TR" dirty="0"/>
-              <a:t> </a:t>
-            </a:r>
-            <a:r>
-              <a:rPr lang="tr-TR" dirty="0" err="1"/>
-              <a:t>hence</a:t>
-            </a:r>
-            <a:r>
-              <a:rPr lang="tr-TR" dirty="0"/>
-              <a:t> </a:t>
-            </a:r>
-            <a:r>
-              <a:rPr lang="tr-TR" dirty="0" err="1"/>
-              <a:t>they</a:t>
-            </a:r>
-            <a:r>
-              <a:rPr lang="tr-TR" dirty="0"/>
-              <a:t> </a:t>
-            </a:r>
-            <a:r>
-              <a:rPr lang="tr-TR" dirty="0" err="1"/>
-              <a:t>are</a:t>
-            </a:r>
-            <a:r>
-              <a:rPr lang="tr-TR" dirty="0"/>
-              <a:t> </a:t>
-            </a:r>
-            <a:r>
-              <a:rPr lang="tr-TR" dirty="0" err="1"/>
-              <a:t>generally</a:t>
-            </a:r>
-            <a:r>
-              <a:rPr lang="tr-TR" dirty="0"/>
-              <a:t> </a:t>
-            </a:r>
-            <a:r>
-              <a:rPr lang="tr-TR" dirty="0" err="1"/>
-              <a:t>very</a:t>
-            </a:r>
-            <a:r>
-              <a:rPr lang="tr-TR" dirty="0"/>
-              <a:t> </a:t>
-            </a:r>
-            <a:r>
-              <a:rPr lang="tr-TR" dirty="0" err="1"/>
-              <a:t>fast</a:t>
+              <a:t>maximum</a:t>
+            </a:r>
+            <a:r>
+              <a:rPr lang="tr-TR" dirty="0"/>
+              <a:t> </a:t>
+            </a:r>
+            <a:r>
+              <a:rPr lang="tr-TR" dirty="0" err="1"/>
+              <a:t>velocity</a:t>
+            </a:r>
+            <a:r>
+              <a:rPr lang="tr-TR" dirty="0"/>
+              <a:t> </a:t>
+            </a:r>
+            <a:r>
+              <a:rPr lang="tr-TR" dirty="0" err="1"/>
+              <a:t>over</a:t>
+            </a:r>
+            <a:r>
+              <a:rPr lang="tr-TR" dirty="0"/>
+              <a:t> </a:t>
+            </a:r>
+            <a:r>
+              <a:rPr lang="tr-TR" dirty="0" err="1"/>
+              <a:t>trajectory</a:t>
+            </a:r>
+            <a:r>
+              <a:rPr lang="tr-TR" dirty="0"/>
+              <a:t> is </a:t>
+            </a:r>
+            <a:r>
+              <a:rPr lang="tr-TR" dirty="0" err="1"/>
+              <a:t>never</a:t>
+            </a:r>
+            <a:r>
+              <a:rPr lang="tr-TR" dirty="0"/>
+              <a:t> </a:t>
+            </a:r>
+            <a:r>
+              <a:rPr lang="tr-TR" dirty="0" err="1"/>
+              <a:t>exceeded</a:t>
             </a:r>
             <a:r>
               <a:rPr lang="tr-TR" dirty="0"/>
@@ -5019,253 +5534,12 @@
             </a:r>
             <a:r>
               <a:rPr lang="tr-TR" dirty="0" err="1"/>
-              <a:t>Bézier</a:t>
-            </a:r>
-            <a:r>
-              <a:rPr lang="tr-TR" dirty="0"/>
-              <a:t> </a:t>
-            </a:r>
-            <a:r>
-              <a:rPr lang="tr-TR" dirty="0" err="1"/>
-              <a:t>curves</a:t>
-            </a:r>
-            <a:r>
-              <a:rPr lang="tr-TR" dirty="0"/>
-              <a:t> on </a:t>
-            </a:r>
-            <a:r>
-              <a:rPr lang="tr-TR" dirty="0" err="1"/>
-              <a:t>the</a:t>
-            </a:r>
-            <a:r>
-              <a:rPr lang="tr-TR" dirty="0"/>
-              <a:t> </a:t>
-            </a:r>
-            <a:r>
-              <a:rPr lang="tr-TR" dirty="0" err="1"/>
-              <a:t>other</a:t>
-            </a:r>
-            <a:r>
-              <a:rPr lang="tr-TR" dirty="0"/>
-              <a:t> </a:t>
-            </a:r>
-            <a:r>
-              <a:rPr lang="tr-TR" dirty="0" err="1"/>
-              <a:t>hand</a:t>
-            </a:r>
-            <a:r>
-              <a:rPr lang="tr-TR" dirty="0"/>
-              <a:t> </a:t>
-            </a:r>
-            <a:r>
-              <a:rPr lang="tr-TR" dirty="0" err="1"/>
-              <a:t>have</a:t>
-            </a:r>
-            <a:r>
-              <a:rPr lang="tr-TR" dirty="0"/>
-              <a:t> a </a:t>
-            </a:r>
-            <a:r>
-              <a:rPr lang="tr-TR" dirty="0" err="1"/>
-              <a:t>cost</a:t>
-            </a:r>
-            <a:r>
-              <a:rPr lang="tr-TR" dirty="0"/>
-              <a:t> </a:t>
-            </a:r>
-            <a:r>
-              <a:rPr lang="tr-TR" dirty="0" err="1"/>
-              <a:t>function</a:t>
-            </a:r>
-            <a:r>
-              <a:rPr lang="tr-TR" dirty="0"/>
-              <a:t>. </a:t>
-            </a:r>
-            <a:r>
-              <a:rPr lang="tr-TR" dirty="0" err="1"/>
-              <a:t>This</a:t>
-            </a:r>
-            <a:r>
-              <a:rPr lang="tr-TR" dirty="0"/>
-              <a:t> </a:t>
-            </a:r>
-            <a:r>
-              <a:rPr lang="tr-TR" dirty="0" err="1"/>
-              <a:t>cost</a:t>
-            </a:r>
-            <a:r>
-              <a:rPr lang="tr-TR" dirty="0"/>
-              <a:t> </a:t>
-            </a:r>
-            <a:r>
-              <a:rPr lang="tr-TR" dirty="0" err="1"/>
-              <a:t>function</a:t>
-            </a:r>
-            <a:r>
-              <a:rPr lang="tr-TR" dirty="0"/>
-              <a:t> is </a:t>
-            </a:r>
-            <a:r>
-              <a:rPr lang="tr-TR" dirty="0" err="1"/>
-              <a:t>utilized</a:t>
-            </a:r>
-            <a:r>
-              <a:rPr lang="tr-TR" dirty="0"/>
-              <a:t> </a:t>
-            </a:r>
-            <a:r>
-              <a:rPr lang="tr-TR" dirty="0" err="1"/>
-              <a:t>to</a:t>
-            </a:r>
-            <a:r>
-              <a:rPr lang="tr-TR" dirty="0"/>
-              <a:t> </a:t>
-            </a:r>
-            <a:r>
-              <a:rPr lang="tr-TR" dirty="0" err="1"/>
-              <a:t>pick</a:t>
-            </a:r>
-            <a:r>
-              <a:rPr lang="tr-TR" dirty="0"/>
-              <a:t> </a:t>
-            </a:r>
-            <a:r>
-              <a:rPr lang="tr-TR" dirty="0" err="1"/>
-              <a:t>the</a:t>
-            </a:r>
-            <a:r>
-              <a:rPr lang="tr-TR" dirty="0"/>
-              <a:t> </a:t>
-            </a:r>
-            <a:r>
-              <a:rPr lang="tr-TR" dirty="0" err="1"/>
-              <a:t>best</a:t>
-            </a:r>
-            <a:r>
-              <a:rPr lang="tr-TR" dirty="0"/>
-              <a:t> </a:t>
-            </a:r>
-            <a:r>
-              <a:rPr lang="tr-TR" dirty="0" err="1"/>
-              <a:t>curve</a:t>
-            </a:r>
-            <a:r>
-              <a:rPr lang="tr-TR" dirty="0"/>
-              <a:t> </a:t>
-            </a:r>
-            <a:r>
-              <a:rPr lang="tr-TR" dirty="0" err="1"/>
-              <a:t>from</a:t>
-            </a:r>
-            <a:r>
-              <a:rPr lang="tr-TR" dirty="0"/>
-              <a:t> a </a:t>
-            </a:r>
-            <a:r>
-              <a:rPr lang="tr-TR" dirty="0" err="1"/>
-              <a:t>family</a:t>
-            </a:r>
-            <a:r>
-              <a:rPr lang="tr-TR" dirty="0"/>
-              <a:t> of </a:t>
-            </a:r>
-            <a:r>
-              <a:rPr lang="tr-TR" dirty="0" err="1"/>
-              <a:t>Bézier</a:t>
-            </a:r>
-            <a:r>
-              <a:rPr lang="tr-TR" dirty="0"/>
-              <a:t> </a:t>
-            </a:r>
-            <a:r>
-              <a:rPr lang="tr-TR" dirty="0" err="1"/>
-              <a:t>curves</a:t>
-            </a:r>
-            <a:r>
-              <a:rPr lang="tr-TR" dirty="0"/>
-              <a:t>. </a:t>
-            </a:r>
-            <a:r>
-              <a:rPr lang="tr-TR" dirty="0" err="1"/>
-              <a:t>This</a:t>
-            </a:r>
-            <a:r>
-              <a:rPr lang="tr-TR" dirty="0"/>
-              <a:t> </a:t>
-            </a:r>
-            <a:r>
-              <a:rPr lang="tr-TR" dirty="0" err="1"/>
-              <a:t>especially</a:t>
-            </a:r>
-            <a:r>
-              <a:rPr lang="tr-TR" dirty="0"/>
-              <a:t> </a:t>
-            </a:r>
-            <a:r>
-              <a:rPr lang="tr-TR" dirty="0" err="1"/>
-              <a:t>increases</a:t>
-            </a:r>
-            <a:r>
-              <a:rPr lang="tr-TR" dirty="0"/>
-              <a:t> </a:t>
-            </a:r>
-            <a:r>
-              <a:rPr lang="tr-TR" dirty="0" err="1"/>
-              <a:t>the</a:t>
-            </a:r>
-            <a:r>
-              <a:rPr lang="tr-TR" dirty="0"/>
-              <a:t> </a:t>
-            </a:r>
-            <a:r>
-              <a:rPr lang="tr-TR" dirty="0" err="1"/>
-              <a:t>Bézier</a:t>
-            </a:r>
-            <a:r>
-              <a:rPr lang="tr-TR" dirty="0"/>
-              <a:t> </a:t>
-            </a:r>
-            <a:r>
-              <a:rPr lang="tr-TR" dirty="0" err="1"/>
-              <a:t>curve</a:t>
-            </a:r>
-            <a:r>
-              <a:rPr lang="tr-TR" dirty="0"/>
-              <a:t> </a:t>
-            </a:r>
-            <a:r>
-              <a:rPr lang="tr-TR" dirty="0" err="1"/>
-              <a:t>computation</a:t>
-            </a:r>
-            <a:r>
-              <a:rPr lang="tr-TR" dirty="0"/>
-              <a:t> time.</a:t>
-            </a:r>
-          </a:p>
-          <a:p>
-            <a:r>
-              <a:rPr lang="tr-TR" dirty="0"/>
-              <a:t>-</a:t>
-            </a:r>
-            <a:r>
-              <a:rPr lang="tr-TR" dirty="0" err="1"/>
-              <a:t>Thesis</a:t>
-            </a:r>
-            <a:r>
-              <a:rPr lang="tr-TR" dirty="0"/>
-              <a:t> </a:t>
-            </a:r>
-            <a:r>
-              <a:rPr lang="tr-TR" dirty="0" err="1"/>
-              <a:t>page</a:t>
-            </a:r>
-            <a:r>
-              <a:rPr lang="tr-TR" dirty="0"/>
-              <a:t> (78)</a:t>
-            </a:r>
-          </a:p>
-          <a:p>
-            <a:endParaRPr lang="tr-TR" dirty="0"/>
+              <a:t>Vehicle</a:t>
+            </a:r>
+            <a:r>
+              <a:rPr lang="tr-TR" dirty="0"/>
+              <a:t> model</a:t>
+            </a:r>
           </a:p>
         </p:txBody>
       </p:sp>
@@ -5301,7 +5575,7 @@
     </p:spTree>
     <p:extLst>
       <p:ext uri="{BB962C8B-B14F-4D97-AF65-F5344CB8AC3E}">
-        <p14:creationId xmlns:p14="http://schemas.microsoft.com/office/powerpoint/2010/main" val="507530008"/>
+        <p14:creationId xmlns:p14="http://schemas.microsoft.com/office/powerpoint/2010/main" val="1941082596"/>
       </p:ext>
     </p:extLst>
   </p:cSld>
@@ -5357,282 +5631,239 @@
           <a:p>
             <a:r>
               <a:rPr lang="tr-TR" dirty="0"/>
-              <a:t>-Case-1 </a:t>
-            </a:r>
-            <a:r>
-              <a:rPr lang="tr-TR" dirty="0" err="1"/>
-              <a:t>results</a:t>
-            </a:r>
-            <a:r>
-              <a:rPr lang="tr-TR" dirty="0"/>
-              <a:t> </a:t>
-            </a:r>
-            <a:r>
-              <a:rPr lang="tr-TR" dirty="0" err="1"/>
-              <a:t>are</a:t>
-            </a:r>
-            <a:r>
-              <a:rPr lang="tr-TR" dirty="0"/>
-              <a:t> </a:t>
-            </a:r>
-            <a:r>
-              <a:rPr lang="tr-TR" dirty="0" err="1"/>
-              <a:t>given</a:t>
-            </a:r>
-            <a:r>
-              <a:rPr lang="tr-TR" dirty="0"/>
-              <a:t> </a:t>
-            </a:r>
-            <a:r>
-              <a:rPr lang="tr-TR" dirty="0" err="1"/>
-              <a:t>below</a:t>
+              <a:t>-An </a:t>
+            </a:r>
+            <a:r>
+              <a:rPr lang="tr-TR" dirty="0" err="1"/>
+              <a:t>efficient</a:t>
+            </a:r>
+            <a:r>
+              <a:rPr lang="tr-TR" dirty="0"/>
+              <a:t> </a:t>
+            </a:r>
+            <a:r>
+              <a:rPr lang="tr-TR" dirty="0" err="1"/>
+              <a:t>road</a:t>
+            </a:r>
+            <a:r>
+              <a:rPr lang="tr-TR" dirty="0"/>
+              <a:t> </a:t>
+            </a:r>
+            <a:r>
+              <a:rPr lang="tr-TR" dirty="0" err="1"/>
+              <a:t>representation</a:t>
+            </a:r>
+            <a:r>
+              <a:rPr lang="tr-TR" dirty="0"/>
+              <a:t> is </a:t>
+            </a:r>
+            <a:r>
+              <a:rPr lang="tr-TR" dirty="0" err="1"/>
+              <a:t>proposed</a:t>
+            </a:r>
+            <a:r>
+              <a:rPr lang="tr-TR" dirty="0"/>
+              <a:t>.</a:t>
+            </a:r>
+          </a:p>
+          <a:p>
+            <a:r>
+              <a:rPr lang="tr-TR" dirty="0"/>
+              <a:t>-</a:t>
+            </a:r>
+            <a:r>
+              <a:rPr lang="tr-TR" dirty="0" err="1"/>
+              <a:t>Low</a:t>
+            </a:r>
+            <a:r>
+              <a:rPr lang="tr-TR" dirty="0"/>
+              <a:t> </a:t>
+            </a:r>
+            <a:r>
+              <a:rPr lang="tr-TR" dirty="0" err="1"/>
+              <a:t>amount</a:t>
+            </a:r>
+            <a:r>
+              <a:rPr lang="tr-TR" dirty="0"/>
+              <a:t> of </a:t>
+            </a:r>
+            <a:r>
+              <a:rPr lang="tr-TR" dirty="0" err="1"/>
+              <a:t>memory</a:t>
+            </a:r>
+            <a:r>
+              <a:rPr lang="tr-TR" dirty="0"/>
+              <a:t> is </a:t>
+            </a:r>
+            <a:r>
+              <a:rPr lang="tr-TR" dirty="0" err="1"/>
+              <a:t>used</a:t>
+            </a:r>
+            <a:r>
+              <a:rPr lang="tr-TR" dirty="0"/>
+              <a:t> </a:t>
+            </a:r>
+            <a:r>
+              <a:rPr lang="tr-TR" dirty="0" err="1"/>
+              <a:t>for</a:t>
+            </a:r>
+            <a:r>
+              <a:rPr lang="tr-TR" dirty="0"/>
+              <a:t> </a:t>
+            </a:r>
+            <a:r>
+              <a:rPr lang="tr-TR" dirty="0" err="1"/>
+              <a:t>large</a:t>
+            </a:r>
+            <a:r>
+              <a:rPr lang="tr-TR" dirty="0"/>
+              <a:t> </a:t>
+            </a:r>
+            <a:r>
+              <a:rPr lang="tr-TR" dirty="0" err="1"/>
+              <a:t>maps</a:t>
+            </a:r>
+            <a:r>
+              <a:rPr lang="tr-TR" dirty="0"/>
+              <a:t> </a:t>
+            </a:r>
+            <a:r>
+              <a:rPr lang="tr-TR" dirty="0" err="1"/>
+              <a:t>while</a:t>
+            </a:r>
+            <a:r>
+              <a:rPr lang="tr-TR" dirty="0"/>
+              <a:t> </a:t>
+            </a:r>
+            <a:r>
+              <a:rPr lang="tr-TR" dirty="0" err="1"/>
+              <a:t>keeping</a:t>
+            </a:r>
+            <a:r>
+              <a:rPr lang="tr-TR" dirty="0"/>
+              <a:t> </a:t>
+            </a:r>
+            <a:r>
+              <a:rPr lang="tr-TR" dirty="0" err="1"/>
+              <a:t>the</a:t>
+            </a:r>
+            <a:r>
+              <a:rPr lang="tr-TR" dirty="0"/>
+              <a:t> </a:t>
+            </a:r>
+            <a:r>
+              <a:rPr lang="tr-TR" dirty="0" err="1"/>
+              <a:t>accuracy</a:t>
+            </a:r>
+            <a:r>
+              <a:rPr lang="tr-TR" dirty="0"/>
+              <a:t>.</a:t>
+            </a:r>
+          </a:p>
+          <a:p>
+            <a:r>
+              <a:rPr lang="tr-TR" dirty="0"/>
+              <a:t>-New </a:t>
+            </a:r>
+            <a:r>
+              <a:rPr lang="tr-TR" dirty="0" err="1"/>
+              <a:t>analytical</a:t>
+            </a:r>
+            <a:r>
+              <a:rPr lang="tr-TR" dirty="0"/>
+              <a:t> </a:t>
+            </a:r>
+            <a:r>
+              <a:rPr lang="tr-TR" dirty="0" err="1"/>
+              <a:t>method</a:t>
+            </a:r>
+            <a:r>
+              <a:rPr lang="tr-TR" dirty="0"/>
+              <a:t> is </a:t>
+            </a:r>
+            <a:r>
+              <a:rPr lang="tr-TR" dirty="0" err="1"/>
+              <a:t>introduced</a:t>
+            </a:r>
+            <a:r>
+              <a:rPr lang="tr-TR" dirty="0"/>
+              <a:t> </a:t>
+            </a:r>
+            <a:r>
+              <a:rPr lang="tr-TR" dirty="0" err="1"/>
+              <a:t>for</a:t>
+            </a:r>
+            <a:r>
+              <a:rPr lang="tr-TR" dirty="0"/>
+              <a:t> </a:t>
+            </a:r>
+            <a:r>
+              <a:rPr lang="tr-TR" dirty="0" err="1"/>
+              <a:t>trajectory</a:t>
+            </a:r>
+            <a:r>
+              <a:rPr lang="tr-TR" dirty="0"/>
+              <a:t> </a:t>
+            </a:r>
+            <a:r>
+              <a:rPr lang="tr-TR" dirty="0" err="1"/>
+              <a:t>planning</a:t>
+            </a:r>
+            <a:r>
+              <a:rPr lang="tr-TR" dirty="0"/>
+              <a:t>.</a:t>
+            </a:r>
+          </a:p>
+          <a:p>
+            <a:r>
+              <a:rPr lang="tr-TR" dirty="0"/>
+              <a:t>-</a:t>
+            </a:r>
+            <a:r>
+              <a:rPr lang="tr-TR" dirty="0" err="1"/>
+              <a:t>Computational</a:t>
+            </a:r>
+            <a:r>
+              <a:rPr lang="tr-TR" dirty="0"/>
+              <a:t> </a:t>
+            </a:r>
+            <a:r>
+              <a:rPr lang="tr-TR" dirty="0" err="1"/>
+              <a:t>efficiency</a:t>
+            </a:r>
+            <a:r>
+              <a:rPr lang="tr-TR" dirty="0"/>
+              <a:t> is </a:t>
+            </a:r>
+            <a:r>
+              <a:rPr lang="tr-TR" dirty="0" err="1"/>
+              <a:t>compared</a:t>
+            </a:r>
+            <a:r>
+              <a:rPr lang="tr-TR" dirty="0"/>
+              <a:t> </a:t>
+            </a:r>
+            <a:r>
+              <a:rPr lang="tr-TR" dirty="0" err="1"/>
+              <a:t>to</a:t>
+            </a:r>
+            <a:r>
+              <a:rPr lang="tr-TR" dirty="0"/>
+              <a:t> </a:t>
+            </a:r>
+            <a:r>
+              <a:rPr lang="tr-TR" dirty="0" err="1"/>
+              <a:t>Bézier</a:t>
+            </a:r>
+            <a:r>
+              <a:rPr lang="tr-TR" dirty="0"/>
+              <a:t> </a:t>
+            </a:r>
+            <a:r>
+              <a:rPr lang="tr-TR" dirty="0" err="1"/>
+              <a:t>curves</a:t>
             </a:r>
             <a:endParaRPr lang="tr-TR" dirty="0"/>
-          </a:p>
-          <a:p>
-            <a:r>
-              <a:rPr lang="tr-TR" dirty="0"/>
-              <a:t>-</a:t>
-            </a:r>
-            <a:r>
-              <a:rPr lang="tr-TR" dirty="0" err="1"/>
-              <a:t>Tracking</a:t>
-            </a:r>
-            <a:r>
-              <a:rPr lang="tr-TR" dirty="0"/>
-              <a:t> </a:t>
-            </a:r>
-            <a:r>
-              <a:rPr lang="tr-TR" dirty="0" err="1"/>
-              <a:t>error</a:t>
-            </a:r>
-            <a:r>
-              <a:rPr lang="tr-TR" dirty="0"/>
-              <a:t> is as </a:t>
-            </a:r>
-            <a:r>
-              <a:rPr lang="tr-TR" dirty="0" err="1"/>
-              <a:t>low</a:t>
-            </a:r>
-            <a:r>
-              <a:rPr lang="tr-TR" dirty="0"/>
-              <a:t> as a </a:t>
-            </a:r>
-            <a:r>
-              <a:rPr lang="tr-TR" dirty="0" err="1"/>
-              <a:t>few</a:t>
-            </a:r>
-            <a:r>
-              <a:rPr lang="tr-TR" dirty="0"/>
-              <a:t> </a:t>
-            </a:r>
-            <a:r>
-              <a:rPr lang="tr-TR" dirty="0" err="1"/>
-              <a:t>centimeters</a:t>
-            </a:r>
-            <a:endParaRPr lang="tr-TR" dirty="0"/>
-          </a:p>
-          <a:p>
-            <a:r>
-              <a:rPr lang="tr-TR" dirty="0"/>
-              <a:t>-</a:t>
-            </a:r>
-            <a:r>
-              <a:rPr lang="tr-TR" dirty="0" err="1"/>
-              <a:t>Trajectory</a:t>
-            </a:r>
-            <a:r>
-              <a:rPr lang="tr-TR" dirty="0"/>
-              <a:t> is </a:t>
-            </a:r>
-            <a:r>
-              <a:rPr lang="tr-TR" dirty="0" err="1"/>
-              <a:t>given</a:t>
-            </a:r>
-            <a:r>
-              <a:rPr lang="tr-TR" dirty="0"/>
-              <a:t> (</a:t>
-            </a:r>
-            <a:r>
-              <a:rPr lang="tr-TR" dirty="0" err="1"/>
-              <a:t>coordinate</a:t>
-            </a:r>
-            <a:r>
-              <a:rPr lang="tr-TR" dirty="0"/>
-              <a:t> </a:t>
-            </a:r>
-            <a:r>
-              <a:rPr lang="tr-TR" dirty="0" err="1"/>
-              <a:t>system</a:t>
-            </a:r>
-            <a:r>
-              <a:rPr lang="tr-TR" dirty="0"/>
-              <a:t> is </a:t>
-            </a:r>
-            <a:r>
-              <a:rPr lang="tr-TR" dirty="0" err="1"/>
-              <a:t>changed</a:t>
-            </a:r>
-            <a:r>
-              <a:rPr lang="tr-TR" dirty="0"/>
-              <a:t> </a:t>
-            </a:r>
-            <a:r>
-              <a:rPr lang="tr-TR" dirty="0" err="1"/>
-              <a:t>so</a:t>
-            </a:r>
-            <a:r>
-              <a:rPr lang="tr-TR" dirty="0"/>
-              <a:t> it </a:t>
-            </a:r>
-            <a:r>
-              <a:rPr lang="tr-TR" dirty="0" err="1"/>
-              <a:t>does</a:t>
-            </a:r>
-            <a:r>
-              <a:rPr lang="tr-TR" dirty="0"/>
-              <a:t> not </a:t>
-            </a:r>
-            <a:r>
-              <a:rPr lang="tr-TR" dirty="0" err="1"/>
-              <a:t>look</a:t>
-            </a:r>
-            <a:r>
-              <a:rPr lang="tr-TR" dirty="0"/>
-              <a:t> </a:t>
-            </a:r>
-            <a:r>
-              <a:rPr lang="tr-TR" dirty="0" err="1"/>
-              <a:t>the</a:t>
-            </a:r>
-            <a:r>
-              <a:rPr lang="tr-TR" dirty="0"/>
-              <a:t> </a:t>
-            </a:r>
-            <a:r>
-              <a:rPr lang="tr-TR" dirty="0" err="1"/>
-              <a:t>same</a:t>
-            </a:r>
-            <a:r>
-              <a:rPr lang="tr-TR" dirty="0"/>
-              <a:t> as </a:t>
-            </a:r>
-            <a:r>
-              <a:rPr lang="tr-TR" dirty="0" err="1"/>
-              <a:t>previous</a:t>
-            </a:r>
-            <a:r>
-              <a:rPr lang="tr-TR" dirty="0"/>
-              <a:t> </a:t>
-            </a:r>
-            <a:r>
-              <a:rPr lang="tr-TR" dirty="0" err="1"/>
-              <a:t>results</a:t>
-            </a:r>
-            <a:r>
-              <a:rPr lang="tr-TR" dirty="0"/>
-              <a:t>)</a:t>
-            </a:r>
-          </a:p>
-          <a:p>
-            <a:r>
-              <a:rPr lang="tr-TR" dirty="0"/>
-              <a:t>-</a:t>
-            </a:r>
-            <a:r>
-              <a:rPr lang="tr-TR" dirty="0" err="1"/>
-              <a:t>Curvature</a:t>
-            </a:r>
-            <a:r>
-              <a:rPr lang="tr-TR" dirty="0"/>
-              <a:t> </a:t>
-            </a:r>
-            <a:r>
-              <a:rPr lang="tr-TR" dirty="0" err="1"/>
-              <a:t>plot</a:t>
-            </a:r>
-            <a:r>
-              <a:rPr lang="tr-TR" dirty="0"/>
-              <a:t> is </a:t>
-            </a:r>
-            <a:r>
-              <a:rPr lang="tr-TR" dirty="0" err="1"/>
-              <a:t>given</a:t>
-            </a:r>
-            <a:r>
-              <a:rPr lang="tr-TR" dirty="0"/>
-              <a:t> </a:t>
-            </a:r>
-            <a:r>
-              <a:rPr lang="tr-TR" dirty="0" err="1"/>
-              <a:t>and</a:t>
-            </a:r>
-            <a:r>
-              <a:rPr lang="tr-TR" dirty="0"/>
-              <a:t> </a:t>
-            </a:r>
-            <a:r>
-              <a:rPr lang="tr-TR" dirty="0" err="1"/>
-              <a:t>maximum</a:t>
-            </a:r>
-            <a:r>
-              <a:rPr lang="tr-TR" dirty="0"/>
-              <a:t> </a:t>
-            </a:r>
-            <a:r>
-              <a:rPr lang="tr-TR" dirty="0" err="1"/>
-              <a:t>velocity</a:t>
-            </a:r>
-            <a:r>
-              <a:rPr lang="tr-TR" dirty="0"/>
-              <a:t> </a:t>
-            </a:r>
-            <a:r>
-              <a:rPr lang="tr-TR" dirty="0" err="1"/>
-              <a:t>over</a:t>
-            </a:r>
-            <a:r>
-              <a:rPr lang="tr-TR" dirty="0"/>
-              <a:t> </a:t>
-            </a:r>
-            <a:r>
-              <a:rPr lang="tr-TR" dirty="0" err="1"/>
-              <a:t>trajectory</a:t>
-            </a:r>
-            <a:r>
-              <a:rPr lang="tr-TR" dirty="0"/>
-              <a:t> is </a:t>
-            </a:r>
-            <a:r>
-              <a:rPr lang="tr-TR" dirty="0" err="1"/>
-              <a:t>never</a:t>
-            </a:r>
-            <a:r>
-              <a:rPr lang="tr-TR" dirty="0"/>
-              <a:t> </a:t>
-            </a:r>
-            <a:r>
-              <a:rPr lang="tr-TR" dirty="0" err="1"/>
-              <a:t>exceeded</a:t>
-            </a:r>
-            <a:r>
-              <a:rPr lang="tr-TR" dirty="0"/>
-              <a:t>.</a:t>
-            </a:r>
-          </a:p>
-          <a:p>
-            <a:r>
-              <a:rPr lang="tr-TR" dirty="0"/>
-              <a:t>-</a:t>
-            </a:r>
-            <a:r>
-              <a:rPr lang="tr-TR" dirty="0" err="1"/>
-              <a:t>Vehicle</a:t>
-            </a:r>
-            <a:r>
-              <a:rPr lang="tr-TR" dirty="0"/>
-              <a:t> model</a:t>
-            </a:r>
           </a:p>
         </p:txBody>
       </p:sp>
@@ -5668,7 +5899,7 @@
     </p:spTree>
     <p:extLst>
       <p:ext uri="{BB962C8B-B14F-4D97-AF65-F5344CB8AC3E}">
-        <p14:creationId xmlns:p14="http://schemas.microsoft.com/office/powerpoint/2010/main" val="1941082596"/>
+        <p14:creationId xmlns:p14="http://schemas.microsoft.com/office/powerpoint/2010/main" val="4071286893"/>
       </p:ext>
     </p:extLst>
   </p:cSld>
@@ -10875,212 +11106,6 @@
           <a:lstStyle/>
           <a:p>
             <a:r>
-              <a:rPr lang="tr-TR" dirty="0"/>
-              <a:t>Results – Maximum Error Over a Autobahn 38</a:t>
-            </a:r>
-          </a:p>
-        </p:txBody>
-      </p:sp>
-      <p:sp>
-        <p:nvSpPr>
-          <p:cNvPr id="3" name="Content Placeholder 2"/>
-          <p:cNvSpPr>
-            <a:spLocks noGrp="1"/>
-          </p:cNvSpPr>
-          <p:nvPr>
-            <p:ph idx="1"/>
-          </p:nvPr>
-        </p:nvSpPr>
-        <p:spPr>
-          <a:xfrm>
-            <a:off x="32656" y="1694090"/>
-            <a:ext cx="4539344" cy="4828948"/>
-          </a:xfrm>
-        </p:spPr>
-        <p:txBody>
-          <a:bodyPr/>
-          <a:lstStyle/>
-          <a:p>
-            <a:endParaRPr lang="tr-TR" dirty="0"/>
-          </a:p>
-          <a:p>
-            <a:endParaRPr lang="tr-TR" dirty="0"/>
-          </a:p>
-          <a:p>
-            <a:pPr>
-              <a:buClr>
-                <a:srgbClr val="FF0000"/>
-              </a:buClr>
-            </a:pPr>
-            <a:endParaRPr lang="tr-TR" dirty="0"/>
-          </a:p>
-          <a:p>
-            <a:pPr>
-              <a:buClr>
-                <a:srgbClr val="FF0000"/>
-              </a:buClr>
-            </a:pPr>
-            <a:endParaRPr lang="tr-TR" dirty="0"/>
-          </a:p>
-          <a:p>
-            <a:pPr marL="342900" indent="-342900">
-              <a:buClr>
-                <a:srgbClr val="FF0000"/>
-              </a:buClr>
-              <a:buFont typeface="Arial" panose="020B0604020202020204" pitchFamily="34" charset="0"/>
-              <a:buChar char="•"/>
-            </a:pPr>
-            <a:r>
-              <a:rPr lang="tr-TR" dirty="0"/>
-              <a:t>Predefined maximum max error value: 0.15 meters </a:t>
-            </a:r>
-          </a:p>
-          <a:p>
-            <a:pPr marL="342900" indent="-342900">
-              <a:buClr>
-                <a:srgbClr val="FF0000"/>
-              </a:buClr>
-              <a:buFont typeface="Arial" panose="020B0604020202020204" pitchFamily="34" charset="0"/>
-              <a:buChar char="•"/>
-            </a:pPr>
-            <a:r>
-              <a:rPr lang="tr-TR" dirty="0"/>
-              <a:t>Low correlation between curvature and maximum error</a:t>
-            </a:r>
-          </a:p>
-        </p:txBody>
-      </p:sp>
-      <p:sp>
-        <p:nvSpPr>
-          <p:cNvPr id="4" name="Slide Number Placeholder 3"/>
-          <p:cNvSpPr>
-            <a:spLocks noGrp="1"/>
-          </p:cNvSpPr>
-          <p:nvPr>
-            <p:ph type="sldNum" sz="quarter" idx="12"/>
-          </p:nvPr>
-        </p:nvSpPr>
-        <p:spPr/>
-        <p:txBody>
-          <a:bodyPr/>
-          <a:lstStyle/>
-          <a:p>
-            <a:pPr>
-              <a:defRPr/>
-            </a:pPr>
-            <a:fld id="{C878F797-6006-4DDA-AFE9-456F280FE6C5}" type="slidenum">
-              <a:rPr lang="en-US" smtClean="0"/>
-              <a:pPr>
-                <a:defRPr/>
-              </a:pPr>
-              <a:t>15</a:t>
-            </a:fld>
-            <a:endParaRPr lang="en-US" dirty="0"/>
-          </a:p>
-        </p:txBody>
-      </p:sp>
-      <p:sp>
-        <p:nvSpPr>
-          <p:cNvPr id="5" name="Date Placeholder 4"/>
-          <p:cNvSpPr>
-            <a:spLocks noGrp="1"/>
-          </p:cNvSpPr>
-          <p:nvPr>
-            <p:ph type="dt" sz="half" idx="2"/>
-          </p:nvPr>
-        </p:nvSpPr>
-        <p:spPr/>
-        <p:txBody>
-          <a:bodyPr/>
-          <a:lstStyle/>
-          <a:p>
-            <a:pPr>
-              <a:defRPr/>
-            </a:pPr>
-            <a:r>
-              <a:rPr lang="tr-TR" dirty="0"/>
-              <a:t>METU Electrical &amp; Electronics Engineering Department</a:t>
-            </a:r>
-            <a:endParaRPr lang="en-US" dirty="0"/>
-          </a:p>
-        </p:txBody>
-      </p:sp>
-      <p:pic>
-        <p:nvPicPr>
-          <p:cNvPr id="10" name="Picture 9">
-            <a:extLst>
-              <a:ext uri="{FF2B5EF4-FFF2-40B4-BE49-F238E27FC236}">
-                <a16:creationId xmlns:a16="http://schemas.microsoft.com/office/drawing/2014/main" id="{EF34765C-A6EE-4406-9282-6036D5B395A9}"/>
-              </a:ext>
-            </a:extLst>
-          </p:cNvPr>
-          <p:cNvPicPr>
-            <a:picLocks noChangeAspect="1"/>
-          </p:cNvPicPr>
-          <p:nvPr/>
-        </p:nvPicPr>
-        <p:blipFill>
-          <a:blip r:embed="rId3"/>
-          <a:stretch>
-            <a:fillRect/>
-          </a:stretch>
-        </p:blipFill>
-        <p:spPr>
-          <a:xfrm>
-            <a:off x="4391408" y="2216122"/>
-            <a:ext cx="4646794" cy="2692679"/>
-          </a:xfrm>
-          <a:prstGeom prst="rect">
-            <a:avLst/>
-          </a:prstGeom>
-        </p:spPr>
-      </p:pic>
-    </p:spTree>
-    <p:extLst>
-      <p:ext uri="{BB962C8B-B14F-4D97-AF65-F5344CB8AC3E}">
-        <p14:creationId xmlns:p14="http://schemas.microsoft.com/office/powerpoint/2010/main" val="484306249"/>
-      </p:ext>
-    </p:extLst>
-  </p:cSld>
-  <p:clrMapOvr>
-    <a:masterClrMapping/>
-  </p:clrMapOvr>
-</p:sld>
-</file>
-
-<file path=ppt/slides/slide16.xml><?xml version="1.0" encoding="utf-8"?>
-<p:sld xmlns:a="http://schemas.openxmlformats.org/drawingml/2006/main" xmlns:r="http://schemas.openxmlformats.org/officeDocument/2006/relationships" xmlns:p="http://schemas.openxmlformats.org/presentationml/2006/main">
-  <p:cSld>
-    <p:spTree>
-      <p:nvGrpSpPr>
-        <p:cNvPr id="1" name=""/>
-        <p:cNvGrpSpPr/>
-        <p:nvPr/>
-      </p:nvGrpSpPr>
-      <p:grpSpPr>
-        <a:xfrm>
-          <a:off x="0" y="0"/>
-          <a:ext cx="0" cy="0"/>
-          <a:chOff x="0" y="0"/>
-          <a:chExt cx="0" cy="0"/>
-        </a:xfrm>
-      </p:grpSpPr>
-      <p:sp>
-        <p:nvSpPr>
-          <p:cNvPr id="2" name="Title 1"/>
-          <p:cNvSpPr>
-            <a:spLocks noGrp="1"/>
-          </p:cNvSpPr>
-          <p:nvPr>
-            <p:ph type="title"/>
-          </p:nvPr>
-        </p:nvSpPr>
-        <p:spPr/>
-        <p:txBody>
-          <a:bodyPr/>
-          <a:lstStyle/>
-          <a:p>
-            <a:r>
               <a:rPr lang="tr-TR" dirty="0" err="1"/>
               <a:t>Arc-spline</a:t>
             </a:r>
@@ -11276,7 +11301,7 @@
               <a:pPr>
                 <a:defRPr/>
               </a:pPr>
-              <a:t>16</a:t>
+              <a:t>15</a:t>
             </a:fld>
             <a:endParaRPr lang="en-US" dirty="0"/>
           </a:p>
@@ -11351,7 +11376,7 @@
 </p:sld>
 </file>
 
-<file path=ppt/slides/slide17.xml><?xml version="1.0" encoding="utf-8"?>
+<file path=ppt/slides/slide16.xml><?xml version="1.0" encoding="utf-8"?>
 <p:sld xmlns:a="http://schemas.openxmlformats.org/drawingml/2006/main" xmlns:r="http://schemas.openxmlformats.org/officeDocument/2006/relationships" xmlns:p="http://schemas.openxmlformats.org/presentationml/2006/main">
   <p:cSld>
     <p:spTree>
@@ -11589,7 +11614,7 @@
               <a:pPr>
                 <a:defRPr/>
               </a:pPr>
-              <a:t>17</a:t>
+              <a:t>16</a:t>
             </a:fld>
             <a:endParaRPr lang="en-US" dirty="0"/>
           </a:p>
@@ -11681,8 +11706,8 @@
           </a:prstGeom>
         </p:spPr>
       </p:pic>
-      <mc:AlternateContent xmlns:mc="http://schemas.openxmlformats.org/markup-compatibility/2006">
-        <mc:Choice xmlns:a14="http://schemas.microsoft.com/office/drawing/2010/main" Requires="a14">
+      <mc:AlternateContent xmlns:mc="http://schemas.openxmlformats.org/markup-compatibility/2006" xmlns:a14="http://schemas.microsoft.com/office/drawing/2010/main">
+        <mc:Choice Requires="a14">
           <p:sp>
             <p:nvSpPr>
               <p:cNvPr id="11" name="Content Placeholder 2">
@@ -12000,7 +12025,7 @@
             </p:txBody>
           </p:sp>
         </mc:Choice>
-        <mc:Fallback>
+        <mc:Fallback xmlns="">
           <p:sp>
             <p:nvSpPr>
               <p:cNvPr id="11" name="Content Placeholder 2">
@@ -12067,8 +12092,8 @@
           </p:sp>
         </mc:Fallback>
       </mc:AlternateContent>
-      <mc:AlternateContent xmlns:mc="http://schemas.openxmlformats.org/markup-compatibility/2006">
-        <mc:Choice xmlns:a14="http://schemas.microsoft.com/office/drawing/2010/main" Requires="a14">
+      <mc:AlternateContent xmlns:mc="http://schemas.openxmlformats.org/markup-compatibility/2006" xmlns:a14="http://schemas.microsoft.com/office/drawing/2010/main">
+        <mc:Choice Requires="a14">
           <p:sp>
             <p:nvSpPr>
               <p:cNvPr id="12" name="Content Placeholder 2">
@@ -12386,7 +12411,7 @@
             </p:txBody>
           </p:sp>
         </mc:Choice>
-        <mc:Fallback>
+        <mc:Fallback xmlns="">
           <p:sp>
             <p:nvSpPr>
               <p:cNvPr id="12" name="Content Placeholder 2">
@@ -12453,8 +12478,8 @@
           </p:sp>
         </mc:Fallback>
       </mc:AlternateContent>
-      <mc:AlternateContent xmlns:mc="http://schemas.openxmlformats.org/markup-compatibility/2006">
-        <mc:Choice xmlns:a14="http://schemas.microsoft.com/office/drawing/2010/main" Requires="a14">
+      <mc:AlternateContent xmlns:mc="http://schemas.openxmlformats.org/markup-compatibility/2006" xmlns:a14="http://schemas.microsoft.com/office/drawing/2010/main">
+        <mc:Choice Requires="a14">
           <p:sp>
             <p:nvSpPr>
               <p:cNvPr id="13" name="TextBox 12">
@@ -12483,6 +12508,7 @@
               </a:bodyPr>
               <a:lstStyle/>
               <a:p>
+                <a:pPr/>
                 <a14:m>
                   <m:oMathPara xmlns:m="http://schemas.openxmlformats.org/officeDocument/2006/math">
                     <m:oMathParaPr>
@@ -12604,7 +12630,7 @@
             </p:txBody>
           </p:sp>
         </mc:Choice>
-        <mc:Fallback>
+        <mc:Fallback xmlns="">
           <p:sp>
             <p:nvSpPr>
               <p:cNvPr id="13" name="TextBox 12">
@@ -12662,7 +12688,7 @@
 </p:sld>
 </file>
 
-<file path=ppt/slides/slide18.xml><?xml version="1.0" encoding="utf-8"?>
+<file path=ppt/slides/slide17.xml><?xml version="1.0" encoding="utf-8"?>
 <p:sld xmlns:a="http://schemas.openxmlformats.org/drawingml/2006/main" xmlns:r="http://schemas.openxmlformats.org/officeDocument/2006/relationships" xmlns:p="http://schemas.openxmlformats.org/presentationml/2006/main">
   <p:cSld>
     <p:spTree>
@@ -12994,7 +13020,7 @@
               <a:pPr>
                 <a:defRPr/>
               </a:pPr>
-              <a:t>18</a:t>
+              <a:t>17</a:t>
             </a:fld>
             <a:endParaRPr lang="en-US" dirty="0"/>
           </a:p>
@@ -13069,7 +13095,7 @@
 </p:sld>
 </file>
 
-<file path=ppt/slides/slide19.xml><?xml version="1.0" encoding="utf-8"?>
+<file path=ppt/slides/slide18.xml><?xml version="1.0" encoding="utf-8"?>
 <p:sld xmlns:a="http://schemas.openxmlformats.org/drawingml/2006/main" xmlns:r="http://schemas.openxmlformats.org/officeDocument/2006/relationships" xmlns:p="http://schemas.openxmlformats.org/presentationml/2006/main">
   <p:cSld>
     <p:spTree>
@@ -13306,7 +13332,7 @@
               <a:pPr>
                 <a:defRPr/>
               </a:pPr>
-              <a:t>19</a:t>
+              <a:t>18</a:t>
             </a:fld>
             <a:endParaRPr lang="en-US" dirty="0"/>
           </a:p>
@@ -13372,6 +13398,334 @@
     <p:extLst>
       <p:ext uri="{BB962C8B-B14F-4D97-AF65-F5344CB8AC3E}">
         <p14:creationId xmlns:p14="http://schemas.microsoft.com/office/powerpoint/2010/main" val="1134077183"/>
+      </p:ext>
+    </p:extLst>
+  </p:cSld>
+  <p:clrMapOvr>
+    <a:masterClrMapping/>
+  </p:clrMapOvr>
+</p:sld>
+</file>
+
+<file path=ppt/slides/slide19.xml><?xml version="1.0" encoding="utf-8"?>
+<p:sld xmlns:a="http://schemas.openxmlformats.org/drawingml/2006/main" xmlns:r="http://schemas.openxmlformats.org/officeDocument/2006/relationships" xmlns:p="http://schemas.openxmlformats.org/presentationml/2006/main">
+  <p:cSld>
+    <p:spTree>
+      <p:nvGrpSpPr>
+        <p:cNvPr id="1" name=""/>
+        <p:cNvGrpSpPr/>
+        <p:nvPr/>
+      </p:nvGrpSpPr>
+      <p:grpSpPr>
+        <a:xfrm>
+          <a:off x="0" y="0"/>
+          <a:ext cx="0" cy="0"/>
+          <a:chOff x="0" y="0"/>
+          <a:chExt cx="0" cy="0"/>
+        </a:xfrm>
+      </p:grpSpPr>
+      <p:sp>
+        <p:nvSpPr>
+          <p:cNvPr id="2" name="Title 1"/>
+          <p:cNvSpPr>
+            <a:spLocks noGrp="1"/>
+          </p:cNvSpPr>
+          <p:nvPr>
+            <p:ph type="title"/>
+          </p:nvPr>
+        </p:nvSpPr>
+        <p:spPr/>
+        <p:txBody>
+          <a:bodyPr/>
+          <a:lstStyle/>
+          <a:p>
+            <a:r>
+              <a:rPr lang="tr-TR" dirty="0" err="1"/>
+              <a:t>Maneuver</a:t>
+            </a:r>
+            <a:r>
+              <a:rPr lang="tr-TR" dirty="0"/>
+              <a:t> </a:t>
+            </a:r>
+            <a:r>
+              <a:rPr lang="tr-TR" dirty="0" err="1"/>
+              <a:t>Superposition</a:t>
+            </a:r>
+            <a:endParaRPr lang="tr-TR" dirty="0"/>
+          </a:p>
+        </p:txBody>
+      </p:sp>
+      <p:sp>
+        <p:nvSpPr>
+          <p:cNvPr id="3" name="Content Placeholder 2"/>
+          <p:cNvSpPr>
+            <a:spLocks noGrp="1"/>
+          </p:cNvSpPr>
+          <p:nvPr>
+            <p:ph idx="1"/>
+          </p:nvPr>
+        </p:nvSpPr>
+        <p:spPr>
+          <a:xfrm>
+            <a:off x="108610" y="1680029"/>
+            <a:ext cx="4285261" cy="4828948"/>
+          </a:xfrm>
+        </p:spPr>
+        <p:txBody>
+          <a:bodyPr/>
+          <a:lstStyle/>
+          <a:p>
+            <a:endParaRPr lang="tr-TR" dirty="0"/>
+          </a:p>
+          <a:p>
+            <a:pPr>
+              <a:buClr>
+                <a:srgbClr val="FF0000"/>
+              </a:buClr>
+            </a:pPr>
+            <a:endParaRPr lang="tr-TR" dirty="0"/>
+          </a:p>
+          <a:p>
+            <a:pPr marL="342900" indent="-342900">
+              <a:buClr>
+                <a:srgbClr val="FF0000"/>
+              </a:buClr>
+              <a:buFont typeface="Arial" panose="020B0604020202020204" pitchFamily="34" charset="0"/>
+              <a:buChar char="•"/>
+            </a:pPr>
+            <a:r>
+              <a:rPr lang="tr-TR" dirty="0" err="1"/>
+              <a:t>All</a:t>
+            </a:r>
+            <a:r>
+              <a:rPr lang="tr-TR" dirty="0"/>
+              <a:t> </a:t>
+            </a:r>
+            <a:r>
+              <a:rPr lang="tr-TR" dirty="0" err="1"/>
+              <a:t>maneuver</a:t>
+            </a:r>
+            <a:r>
+              <a:rPr lang="tr-TR" dirty="0"/>
+              <a:t> </a:t>
+            </a:r>
+            <a:r>
+              <a:rPr lang="tr-TR" dirty="0" err="1"/>
+              <a:t>curvatures</a:t>
+            </a:r>
+            <a:r>
+              <a:rPr lang="tr-TR" dirty="0"/>
+              <a:t> </a:t>
+            </a:r>
+            <a:r>
+              <a:rPr lang="tr-TR" dirty="0" err="1"/>
+              <a:t>directly</a:t>
+            </a:r>
+            <a:r>
+              <a:rPr lang="tr-TR" dirty="0"/>
+              <a:t> </a:t>
+            </a:r>
+            <a:r>
+              <a:rPr lang="tr-TR" dirty="0" err="1"/>
+              <a:t>added</a:t>
+            </a:r>
+            <a:r>
+              <a:rPr lang="tr-TR" dirty="0"/>
+              <a:t> </a:t>
+            </a:r>
+            <a:r>
+              <a:rPr lang="tr-TR" dirty="0" err="1"/>
+              <a:t>up</a:t>
+            </a:r>
+            <a:endParaRPr lang="tr-TR" dirty="0"/>
+          </a:p>
+          <a:p>
+            <a:pPr marL="342900" indent="-342900">
+              <a:buClr>
+                <a:srgbClr val="FF0000"/>
+              </a:buClr>
+              <a:buFont typeface="Arial" panose="020B0604020202020204" pitchFamily="34" charset="0"/>
+              <a:buChar char="•"/>
+            </a:pPr>
+            <a:endParaRPr lang="tr-TR" dirty="0"/>
+          </a:p>
+          <a:p>
+            <a:pPr marL="342900" indent="-342900">
+              <a:buClr>
+                <a:srgbClr val="FF0000"/>
+              </a:buClr>
+              <a:buFont typeface="Arial" panose="020B0604020202020204" pitchFamily="34" charset="0"/>
+              <a:buChar char="•"/>
+            </a:pPr>
+            <a:r>
+              <a:rPr lang="tr-TR" dirty="0" err="1"/>
+              <a:t>Arc-spline</a:t>
+            </a:r>
+            <a:r>
+              <a:rPr lang="tr-TR" dirty="0"/>
+              <a:t> </a:t>
+            </a:r>
+            <a:r>
+              <a:rPr lang="tr-TR" dirty="0" err="1"/>
+              <a:t>length</a:t>
+            </a:r>
+            <a:r>
+              <a:rPr lang="tr-TR" dirty="0"/>
+              <a:t> is </a:t>
+            </a:r>
+            <a:r>
+              <a:rPr lang="tr-TR" dirty="0" err="1"/>
+              <a:t>defined</a:t>
+            </a:r>
+            <a:r>
+              <a:rPr lang="tr-TR" dirty="0"/>
+              <a:t> </a:t>
+            </a:r>
+            <a:r>
+              <a:rPr lang="tr-TR" dirty="0" err="1"/>
+              <a:t>by</a:t>
+            </a:r>
+            <a:r>
+              <a:rPr lang="tr-TR" dirty="0"/>
+              <a:t> HCC </a:t>
+            </a:r>
+            <a:r>
+              <a:rPr lang="tr-TR" dirty="0" err="1"/>
+              <a:t>maneuver</a:t>
+            </a:r>
+            <a:endParaRPr lang="tr-TR" dirty="0"/>
+          </a:p>
+          <a:p>
+            <a:pPr marL="342900" indent="-342900">
+              <a:buClr>
+                <a:srgbClr val="FF0000"/>
+              </a:buClr>
+              <a:buFont typeface="Arial" panose="020B0604020202020204" pitchFamily="34" charset="0"/>
+              <a:buChar char="•"/>
+            </a:pPr>
+            <a:endParaRPr lang="tr-TR" dirty="0"/>
+          </a:p>
+          <a:p>
+            <a:pPr marL="342900" indent="-342900">
+              <a:buClr>
+                <a:srgbClr val="FF0000"/>
+              </a:buClr>
+              <a:buFont typeface="Arial" panose="020B0604020202020204" pitchFamily="34" charset="0"/>
+              <a:buChar char="•"/>
+            </a:pPr>
+            <a:r>
+              <a:rPr lang="tr-TR" dirty="0" err="1"/>
+              <a:t>Result</a:t>
+            </a:r>
+            <a:r>
+              <a:rPr lang="tr-TR" dirty="0"/>
+              <a:t> is </a:t>
+            </a:r>
+            <a:r>
+              <a:rPr lang="tr-TR" dirty="0" err="1"/>
+              <a:t>consecutive</a:t>
+            </a:r>
+            <a:r>
+              <a:rPr lang="tr-TR" dirty="0"/>
+              <a:t> </a:t>
+            </a:r>
+            <a:r>
+              <a:rPr lang="tr-TR" dirty="0" err="1"/>
+              <a:t>clothoids</a:t>
+            </a:r>
+            <a:endParaRPr lang="tr-TR" dirty="0"/>
+          </a:p>
+        </p:txBody>
+      </p:sp>
+      <p:sp>
+        <p:nvSpPr>
+          <p:cNvPr id="4" name="Slide Number Placeholder 3"/>
+          <p:cNvSpPr>
+            <a:spLocks noGrp="1"/>
+          </p:cNvSpPr>
+          <p:nvPr>
+            <p:ph type="sldNum" sz="quarter" idx="12"/>
+          </p:nvPr>
+        </p:nvSpPr>
+        <p:spPr/>
+        <p:txBody>
+          <a:bodyPr/>
+          <a:lstStyle/>
+          <a:p>
+            <a:pPr>
+              <a:defRPr/>
+            </a:pPr>
+            <a:fld id="{C878F797-6006-4DDA-AFE9-456F280FE6C5}" type="slidenum">
+              <a:rPr lang="en-US" smtClean="0"/>
+              <a:pPr>
+                <a:defRPr/>
+              </a:pPr>
+              <a:t>19</a:t>
+            </a:fld>
+            <a:endParaRPr lang="en-US" dirty="0"/>
+          </a:p>
+        </p:txBody>
+      </p:sp>
+      <p:sp>
+        <p:nvSpPr>
+          <p:cNvPr id="5" name="Date Placeholder 4"/>
+          <p:cNvSpPr>
+            <a:spLocks noGrp="1"/>
+          </p:cNvSpPr>
+          <p:nvPr>
+            <p:ph type="dt" sz="half" idx="2"/>
+          </p:nvPr>
+        </p:nvSpPr>
+        <p:spPr/>
+        <p:txBody>
+          <a:bodyPr/>
+          <a:lstStyle/>
+          <a:p>
+            <a:pPr>
+              <a:defRPr/>
+            </a:pPr>
+            <a:r>
+              <a:rPr lang="tr-TR" dirty="0"/>
+              <a:t>METU Electrical &amp; Electronics Engineering Department</a:t>
+            </a:r>
+            <a:endParaRPr lang="en-US" dirty="0"/>
+          </a:p>
+        </p:txBody>
+      </p:sp>
+      <p:pic>
+        <p:nvPicPr>
+          <p:cNvPr id="8" name="Picture 7">
+            <a:extLst>
+              <a:ext uri="{FF2B5EF4-FFF2-40B4-BE49-F238E27FC236}">
+                <a16:creationId xmlns:a16="http://schemas.microsoft.com/office/drawing/2014/main" id="{0FF68A02-3CE4-4F8D-AB15-8C183B2524AA}"/>
+              </a:ext>
+            </a:extLst>
+          </p:cNvPr>
+          <p:cNvPicPr>
+            <a:picLocks noChangeAspect="1"/>
+          </p:cNvPicPr>
+          <p:nvPr/>
+        </p:nvPicPr>
+        <p:blipFill>
+          <a:blip r:embed="rId3"/>
+          <a:stretch>
+            <a:fillRect/>
+          </a:stretch>
+        </p:blipFill>
+        <p:spPr>
+          <a:xfrm>
+            <a:off x="4393871" y="1829770"/>
+            <a:ext cx="4641520" cy="3481139"/>
+          </a:xfrm>
+          <a:prstGeom prst="rect">
+            <a:avLst/>
+          </a:prstGeom>
+        </p:spPr>
+      </p:pic>
+    </p:spTree>
+    <p:extLst>
+      <p:ext uri="{BB962C8B-B14F-4D97-AF65-F5344CB8AC3E}">
+        <p14:creationId xmlns:p14="http://schemas.microsoft.com/office/powerpoint/2010/main" val="274585338"/>
       </p:ext>
     </p:extLst>
   </p:cSld>
@@ -13444,334 +13798,6 @@
           <a:lstStyle/>
           <a:p>
             <a:r>
-              <a:rPr lang="tr-TR" dirty="0" err="1"/>
-              <a:t>Maneuver</a:t>
-            </a:r>
-            <a:r>
-              <a:rPr lang="tr-TR" dirty="0"/>
-              <a:t> </a:t>
-            </a:r>
-            <a:r>
-              <a:rPr lang="tr-TR" dirty="0" err="1"/>
-              <a:t>Superposition</a:t>
-            </a:r>
-            <a:endParaRPr lang="tr-TR" dirty="0"/>
-          </a:p>
-        </p:txBody>
-      </p:sp>
-      <p:sp>
-        <p:nvSpPr>
-          <p:cNvPr id="3" name="Content Placeholder 2"/>
-          <p:cNvSpPr>
-            <a:spLocks noGrp="1"/>
-          </p:cNvSpPr>
-          <p:nvPr>
-            <p:ph idx="1"/>
-          </p:nvPr>
-        </p:nvSpPr>
-        <p:spPr>
-          <a:xfrm>
-            <a:off x="108610" y="1680029"/>
-            <a:ext cx="4285261" cy="4828948"/>
-          </a:xfrm>
-        </p:spPr>
-        <p:txBody>
-          <a:bodyPr/>
-          <a:lstStyle/>
-          <a:p>
-            <a:endParaRPr lang="tr-TR" dirty="0"/>
-          </a:p>
-          <a:p>
-            <a:pPr>
-              <a:buClr>
-                <a:srgbClr val="FF0000"/>
-              </a:buClr>
-            </a:pPr>
-            <a:endParaRPr lang="tr-TR" dirty="0"/>
-          </a:p>
-          <a:p>
-            <a:pPr marL="342900" indent="-342900">
-              <a:buClr>
-                <a:srgbClr val="FF0000"/>
-              </a:buClr>
-              <a:buFont typeface="Arial" panose="020B0604020202020204" pitchFamily="34" charset="0"/>
-              <a:buChar char="•"/>
-            </a:pPr>
-            <a:r>
-              <a:rPr lang="tr-TR" dirty="0" err="1"/>
-              <a:t>All</a:t>
-            </a:r>
-            <a:r>
-              <a:rPr lang="tr-TR" dirty="0"/>
-              <a:t> </a:t>
-            </a:r>
-            <a:r>
-              <a:rPr lang="tr-TR" dirty="0" err="1"/>
-              <a:t>maneuver</a:t>
-            </a:r>
-            <a:r>
-              <a:rPr lang="tr-TR" dirty="0"/>
-              <a:t> </a:t>
-            </a:r>
-            <a:r>
-              <a:rPr lang="tr-TR" dirty="0" err="1"/>
-              <a:t>curvatures</a:t>
-            </a:r>
-            <a:r>
-              <a:rPr lang="tr-TR" dirty="0"/>
-              <a:t> </a:t>
-            </a:r>
-            <a:r>
-              <a:rPr lang="tr-TR" dirty="0" err="1"/>
-              <a:t>directly</a:t>
-            </a:r>
-            <a:r>
-              <a:rPr lang="tr-TR" dirty="0"/>
-              <a:t> </a:t>
-            </a:r>
-            <a:r>
-              <a:rPr lang="tr-TR" dirty="0" err="1"/>
-              <a:t>added</a:t>
-            </a:r>
-            <a:r>
-              <a:rPr lang="tr-TR" dirty="0"/>
-              <a:t> </a:t>
-            </a:r>
-            <a:r>
-              <a:rPr lang="tr-TR" dirty="0" err="1"/>
-              <a:t>up</a:t>
-            </a:r>
-            <a:endParaRPr lang="tr-TR" dirty="0"/>
-          </a:p>
-          <a:p>
-            <a:pPr marL="342900" indent="-342900">
-              <a:buClr>
-                <a:srgbClr val="FF0000"/>
-              </a:buClr>
-              <a:buFont typeface="Arial" panose="020B0604020202020204" pitchFamily="34" charset="0"/>
-              <a:buChar char="•"/>
-            </a:pPr>
-            <a:endParaRPr lang="tr-TR" dirty="0"/>
-          </a:p>
-          <a:p>
-            <a:pPr marL="342900" indent="-342900">
-              <a:buClr>
-                <a:srgbClr val="FF0000"/>
-              </a:buClr>
-              <a:buFont typeface="Arial" panose="020B0604020202020204" pitchFamily="34" charset="0"/>
-              <a:buChar char="•"/>
-            </a:pPr>
-            <a:r>
-              <a:rPr lang="tr-TR" dirty="0" err="1"/>
-              <a:t>Arc-spline</a:t>
-            </a:r>
-            <a:r>
-              <a:rPr lang="tr-TR" dirty="0"/>
-              <a:t> </a:t>
-            </a:r>
-            <a:r>
-              <a:rPr lang="tr-TR" dirty="0" err="1"/>
-              <a:t>length</a:t>
-            </a:r>
-            <a:r>
-              <a:rPr lang="tr-TR" dirty="0"/>
-              <a:t> is </a:t>
-            </a:r>
-            <a:r>
-              <a:rPr lang="tr-TR" dirty="0" err="1"/>
-              <a:t>defined</a:t>
-            </a:r>
-            <a:r>
-              <a:rPr lang="tr-TR" dirty="0"/>
-              <a:t> </a:t>
-            </a:r>
-            <a:r>
-              <a:rPr lang="tr-TR" dirty="0" err="1"/>
-              <a:t>by</a:t>
-            </a:r>
-            <a:r>
-              <a:rPr lang="tr-TR" dirty="0"/>
-              <a:t> HCC </a:t>
-            </a:r>
-            <a:r>
-              <a:rPr lang="tr-TR" dirty="0" err="1"/>
-              <a:t>maneuver</a:t>
-            </a:r>
-            <a:endParaRPr lang="tr-TR" dirty="0"/>
-          </a:p>
-          <a:p>
-            <a:pPr marL="342900" indent="-342900">
-              <a:buClr>
-                <a:srgbClr val="FF0000"/>
-              </a:buClr>
-              <a:buFont typeface="Arial" panose="020B0604020202020204" pitchFamily="34" charset="0"/>
-              <a:buChar char="•"/>
-            </a:pPr>
-            <a:endParaRPr lang="tr-TR" dirty="0"/>
-          </a:p>
-          <a:p>
-            <a:pPr marL="342900" indent="-342900">
-              <a:buClr>
-                <a:srgbClr val="FF0000"/>
-              </a:buClr>
-              <a:buFont typeface="Arial" panose="020B0604020202020204" pitchFamily="34" charset="0"/>
-              <a:buChar char="•"/>
-            </a:pPr>
-            <a:r>
-              <a:rPr lang="tr-TR" dirty="0" err="1"/>
-              <a:t>Result</a:t>
-            </a:r>
-            <a:r>
-              <a:rPr lang="tr-TR" dirty="0"/>
-              <a:t> is </a:t>
-            </a:r>
-            <a:r>
-              <a:rPr lang="tr-TR" dirty="0" err="1"/>
-              <a:t>consecutive</a:t>
-            </a:r>
-            <a:r>
-              <a:rPr lang="tr-TR" dirty="0"/>
-              <a:t> </a:t>
-            </a:r>
-            <a:r>
-              <a:rPr lang="tr-TR" dirty="0" err="1"/>
-              <a:t>clothoids</a:t>
-            </a:r>
-            <a:endParaRPr lang="tr-TR" dirty="0"/>
-          </a:p>
-        </p:txBody>
-      </p:sp>
-      <p:sp>
-        <p:nvSpPr>
-          <p:cNvPr id="4" name="Slide Number Placeholder 3"/>
-          <p:cNvSpPr>
-            <a:spLocks noGrp="1"/>
-          </p:cNvSpPr>
-          <p:nvPr>
-            <p:ph type="sldNum" sz="quarter" idx="12"/>
-          </p:nvPr>
-        </p:nvSpPr>
-        <p:spPr/>
-        <p:txBody>
-          <a:bodyPr/>
-          <a:lstStyle/>
-          <a:p>
-            <a:pPr>
-              <a:defRPr/>
-            </a:pPr>
-            <a:fld id="{C878F797-6006-4DDA-AFE9-456F280FE6C5}" type="slidenum">
-              <a:rPr lang="en-US" smtClean="0"/>
-              <a:pPr>
-                <a:defRPr/>
-              </a:pPr>
-              <a:t>20</a:t>
-            </a:fld>
-            <a:endParaRPr lang="en-US" dirty="0"/>
-          </a:p>
-        </p:txBody>
-      </p:sp>
-      <p:sp>
-        <p:nvSpPr>
-          <p:cNvPr id="5" name="Date Placeholder 4"/>
-          <p:cNvSpPr>
-            <a:spLocks noGrp="1"/>
-          </p:cNvSpPr>
-          <p:nvPr>
-            <p:ph type="dt" sz="half" idx="2"/>
-          </p:nvPr>
-        </p:nvSpPr>
-        <p:spPr/>
-        <p:txBody>
-          <a:bodyPr/>
-          <a:lstStyle/>
-          <a:p>
-            <a:pPr>
-              <a:defRPr/>
-            </a:pPr>
-            <a:r>
-              <a:rPr lang="tr-TR" dirty="0"/>
-              <a:t>METU Electrical &amp; Electronics Engineering Department</a:t>
-            </a:r>
-            <a:endParaRPr lang="en-US" dirty="0"/>
-          </a:p>
-        </p:txBody>
-      </p:sp>
-      <p:pic>
-        <p:nvPicPr>
-          <p:cNvPr id="8" name="Picture 7">
-            <a:extLst>
-              <a:ext uri="{FF2B5EF4-FFF2-40B4-BE49-F238E27FC236}">
-                <a16:creationId xmlns:a16="http://schemas.microsoft.com/office/drawing/2014/main" id="{0FF68A02-3CE4-4F8D-AB15-8C183B2524AA}"/>
-              </a:ext>
-            </a:extLst>
-          </p:cNvPr>
-          <p:cNvPicPr>
-            <a:picLocks noChangeAspect="1"/>
-          </p:cNvPicPr>
-          <p:nvPr/>
-        </p:nvPicPr>
-        <p:blipFill>
-          <a:blip r:embed="rId3"/>
-          <a:stretch>
-            <a:fillRect/>
-          </a:stretch>
-        </p:blipFill>
-        <p:spPr>
-          <a:xfrm>
-            <a:off x="4393871" y="1829770"/>
-            <a:ext cx="4641520" cy="3481139"/>
-          </a:xfrm>
-          <a:prstGeom prst="rect">
-            <a:avLst/>
-          </a:prstGeom>
-        </p:spPr>
-      </p:pic>
-    </p:spTree>
-    <p:extLst>
-      <p:ext uri="{BB962C8B-B14F-4D97-AF65-F5344CB8AC3E}">
-        <p14:creationId xmlns:p14="http://schemas.microsoft.com/office/powerpoint/2010/main" val="274585338"/>
-      </p:ext>
-    </p:extLst>
-  </p:cSld>
-  <p:clrMapOvr>
-    <a:masterClrMapping/>
-  </p:clrMapOvr>
-</p:sld>
-</file>
-
-<file path=ppt/slides/slide21.xml><?xml version="1.0" encoding="utf-8"?>
-<p:sld xmlns:a="http://schemas.openxmlformats.org/drawingml/2006/main" xmlns:r="http://schemas.openxmlformats.org/officeDocument/2006/relationships" xmlns:p="http://schemas.openxmlformats.org/presentationml/2006/main">
-  <p:cSld>
-    <p:spTree>
-      <p:nvGrpSpPr>
-        <p:cNvPr id="1" name=""/>
-        <p:cNvGrpSpPr/>
-        <p:nvPr/>
-      </p:nvGrpSpPr>
-      <p:grpSpPr>
-        <a:xfrm>
-          <a:off x="0" y="0"/>
-          <a:ext cx="0" cy="0"/>
-          <a:chOff x="0" y="0"/>
-          <a:chExt cx="0" cy="0"/>
-        </a:xfrm>
-      </p:grpSpPr>
-      <p:sp>
-        <p:nvSpPr>
-          <p:cNvPr id="2" name="Title 1"/>
-          <p:cNvSpPr>
-            <a:spLocks noGrp="1"/>
-          </p:cNvSpPr>
-          <p:nvPr>
-            <p:ph type="title"/>
-          </p:nvPr>
-        </p:nvSpPr>
-        <p:spPr/>
-        <p:txBody>
-          <a:bodyPr/>
-          <a:lstStyle/>
-          <a:p>
-            <a:r>
               <a:rPr lang="tr-TR" dirty="0"/>
               <a:t>Evaluation </a:t>
             </a:r>
@@ -13934,7 +13960,7 @@
               <a:pPr>
                 <a:defRPr/>
               </a:pPr>
-              <a:t>21</a:t>
+              <a:t>20</a:t>
             </a:fld>
             <a:endParaRPr lang="en-US" dirty="0"/>
           </a:p>
@@ -14009,7 +14035,7 @@
 </p:sld>
 </file>
 
-<file path=ppt/slides/slide22.xml><?xml version="1.0" encoding="utf-8"?>
+<file path=ppt/slides/slide21.xml><?xml version="1.0" encoding="utf-8"?>
 <p:sld xmlns:a="http://schemas.openxmlformats.org/drawingml/2006/main" xmlns:r="http://schemas.openxmlformats.org/officeDocument/2006/relationships" xmlns:p="http://schemas.openxmlformats.org/presentationml/2006/main">
   <p:cSld>
     <p:spTree>
@@ -14081,8 +14107,8 @@
           </a:p>
         </p:txBody>
       </p:sp>
-      <mc:AlternateContent xmlns:mc="http://schemas.openxmlformats.org/markup-compatibility/2006">
-        <mc:Choice xmlns:a14="http://schemas.microsoft.com/office/drawing/2010/main" Requires="a14">
+      <mc:AlternateContent xmlns:mc="http://schemas.openxmlformats.org/markup-compatibility/2006" xmlns:a14="http://schemas.microsoft.com/office/drawing/2010/main">
+        <mc:Choice Requires="a14">
           <p:sp>
             <p:nvSpPr>
               <p:cNvPr id="3" name="Content Placeholder 2"/>
@@ -14230,14 +14256,7 @@
                         <m:nor/>
                       </m:rPr>
                       <a:rPr lang="tr-TR" dirty="0"/>
-                      <m:t>°</m:t>
-                    </m:r>
-                    <m:r>
-                      <m:rPr>
-                        <m:nor/>
-                      </m:rPr>
-                      <a:rPr lang="tr-TR" dirty="0"/>
-                      <m:t>, </m:t>
+                      <m:t>°, </m:t>
                     </m:r>
                     <m:sSub>
                       <m:sSubPr>
@@ -14329,7 +14348,7 @@
             </p:txBody>
           </p:sp>
         </mc:Choice>
-        <mc:Fallback>
+        <mc:Fallback xmlns="">
           <p:sp>
             <p:nvSpPr>
               <p:cNvPr id="3" name="Content Placeholder 2"/>
@@ -14390,7 +14409,7 @@
               <a:pPr>
                 <a:defRPr/>
               </a:pPr>
-              <a:t>22</a:t>
+              <a:t>21</a:t>
             </a:fld>
             <a:endParaRPr lang="en-US" dirty="0"/>
           </a:p>
@@ -14525,7 +14544,7 @@
 </p:sld>
 </file>
 
-<file path=ppt/slides/slide23.xml><?xml version="1.0" encoding="utf-8"?>
+<file path=ppt/slides/slide22.xml><?xml version="1.0" encoding="utf-8"?>
 <p:sld xmlns:a="http://schemas.openxmlformats.org/drawingml/2006/main" xmlns:r="http://schemas.openxmlformats.org/officeDocument/2006/relationships" xmlns:p="http://schemas.openxmlformats.org/presentationml/2006/main">
   <p:cSld>
     <p:spTree>
@@ -14687,8 +14706,8 @@
           </a:p>
         </p:txBody>
       </p:sp>
-      <mc:AlternateContent xmlns:mc="http://schemas.openxmlformats.org/markup-compatibility/2006">
-        <mc:Choice xmlns:a14="http://schemas.microsoft.com/office/drawing/2010/main" Requires="a14">
+      <mc:AlternateContent xmlns:mc="http://schemas.openxmlformats.org/markup-compatibility/2006" xmlns:a14="http://schemas.microsoft.com/office/drawing/2010/main">
+        <mc:Choice Requires="a14">
           <p:sp>
             <p:nvSpPr>
               <p:cNvPr id="3" name="Content Placeholder 2"/>
@@ -14836,14 +14855,7 @@
                         <m:nor/>
                       </m:rPr>
                       <a:rPr lang="tr-TR" dirty="0"/>
-                      <m:t>°</m:t>
-                    </m:r>
-                    <m:r>
-                      <m:rPr>
-                        <m:nor/>
-                      </m:rPr>
-                      <a:rPr lang="tr-TR" dirty="0"/>
-                      <m:t>, </m:t>
+                      <m:t>°, </m:t>
                     </m:r>
                     <m:sSub>
                       <m:sSubPr>
@@ -14935,7 +14947,7 @@
             </p:txBody>
           </p:sp>
         </mc:Choice>
-        <mc:Fallback>
+        <mc:Fallback xmlns="">
           <p:sp>
             <p:nvSpPr>
               <p:cNvPr id="3" name="Content Placeholder 2"/>
@@ -14996,7 +15008,7 @@
               <a:pPr>
                 <a:defRPr/>
               </a:pPr>
-              <a:t>23</a:t>
+              <a:t>22</a:t>
             </a:fld>
             <a:endParaRPr lang="en-US" dirty="0"/>
           </a:p>
@@ -15041,7 +15053,7 @@
 </p:sld>
 </file>
 
-<file path=ppt/slides/slide24.xml><?xml version="1.0" encoding="utf-8"?>
+<file path=ppt/slides/slide23.xml><?xml version="1.0" encoding="utf-8"?>
 <p:sld xmlns:a="http://schemas.openxmlformats.org/drawingml/2006/main" xmlns:r="http://schemas.openxmlformats.org/officeDocument/2006/relationships" xmlns:p="http://schemas.openxmlformats.org/presentationml/2006/main">
   <p:cSld>
     <p:spTree>
@@ -15339,7 +15351,7 @@
               <a:pPr>
                 <a:defRPr/>
               </a:pPr>
-              <a:t>24</a:t>
+              <a:t>23</a:t>
             </a:fld>
             <a:endParaRPr lang="en-US" dirty="0"/>
           </a:p>
@@ -15384,7 +15396,7 @@
 </p:sld>
 </file>
 
-<file path=ppt/slides/slide25.xml><?xml version="1.0" encoding="utf-8"?>
+<file path=ppt/slides/slide24.xml><?xml version="1.0" encoding="utf-8"?>
 <p:sld xmlns:a="http://schemas.openxmlformats.org/drawingml/2006/main" xmlns:r="http://schemas.openxmlformats.org/officeDocument/2006/relationships" xmlns:p="http://schemas.openxmlformats.org/presentationml/2006/main">
   <p:cSld>
     <p:spTree>
@@ -15583,7 +15595,7 @@
               <a:pPr>
                 <a:defRPr/>
               </a:pPr>
-              <a:t>25</a:t>
+              <a:t>24</a:t>
             </a:fld>
             <a:endParaRPr lang="en-US" dirty="0"/>
           </a:p>
@@ -15658,7 +15670,7 @@
 </p:sld>
 </file>
 
-<file path=ppt/slides/slide26.xml><?xml version="1.0" encoding="utf-8"?>
+<file path=ppt/slides/slide25.xml><?xml version="1.0" encoding="utf-8"?>
 <p:sld xmlns:a="http://schemas.openxmlformats.org/drawingml/2006/main" xmlns:r="http://schemas.openxmlformats.org/officeDocument/2006/relationships" xmlns:p="http://schemas.openxmlformats.org/presentationml/2006/main">
   <p:cSld>
     <p:spTree>
@@ -15787,10 +15799,9 @@
               <a:t>Vehicle</a:t>
             </a:r>
             <a:r>
-              <a:rPr lang="tr-TR"/>
+              <a:rPr lang="tr-TR" dirty="0"/>
               <a:t> model</a:t>
             </a:r>
-            <a:endParaRPr lang="tr-TR" dirty="0"/>
           </a:p>
           <a:p>
             <a:pPr>
@@ -15833,7 +15844,7 @@
               <a:pPr>
                 <a:defRPr/>
               </a:pPr>
-              <a:t>26</a:t>
+              <a:t>25</a:t>
             </a:fld>
             <a:endParaRPr lang="en-US" dirty="0"/>
           </a:p>
@@ -15959,6 +15970,374 @@
     <p:extLst>
       <p:ext uri="{BB962C8B-B14F-4D97-AF65-F5344CB8AC3E}">
         <p14:creationId xmlns:p14="http://schemas.microsoft.com/office/powerpoint/2010/main" val="793210081"/>
+      </p:ext>
+    </p:extLst>
+  </p:cSld>
+  <p:clrMapOvr>
+    <a:masterClrMapping/>
+  </p:clrMapOvr>
+</p:sld>
+</file>
+
+<file path=ppt/slides/slide26.xml><?xml version="1.0" encoding="utf-8"?>
+<p:sld xmlns:a="http://schemas.openxmlformats.org/drawingml/2006/main" xmlns:r="http://schemas.openxmlformats.org/officeDocument/2006/relationships" xmlns:p="http://schemas.openxmlformats.org/presentationml/2006/main">
+  <p:cSld>
+    <p:spTree>
+      <p:nvGrpSpPr>
+        <p:cNvPr id="1" name=""/>
+        <p:cNvGrpSpPr/>
+        <p:nvPr/>
+      </p:nvGrpSpPr>
+      <p:grpSpPr>
+        <a:xfrm>
+          <a:off x="0" y="0"/>
+          <a:ext cx="0" cy="0"/>
+          <a:chOff x="0" y="0"/>
+          <a:chExt cx="0" cy="0"/>
+        </a:xfrm>
+      </p:grpSpPr>
+      <p:sp>
+        <p:nvSpPr>
+          <p:cNvPr id="2" name="Title 1"/>
+          <p:cNvSpPr>
+            <a:spLocks noGrp="1"/>
+          </p:cNvSpPr>
+          <p:nvPr>
+            <p:ph type="title"/>
+          </p:nvPr>
+        </p:nvSpPr>
+        <p:spPr>
+          <a:xfrm>
+            <a:off x="457199" y="368485"/>
+            <a:ext cx="8229600" cy="1025525"/>
+          </a:xfrm>
+        </p:spPr>
+        <p:txBody>
+          <a:bodyPr/>
+          <a:lstStyle/>
+          <a:p>
+            <a:r>
+              <a:rPr lang="tr-TR" dirty="0" err="1"/>
+              <a:t>Conclusion</a:t>
+            </a:r>
+            <a:endParaRPr lang="tr-TR" dirty="0"/>
+          </a:p>
+        </p:txBody>
+      </p:sp>
+      <p:sp>
+        <p:nvSpPr>
+          <p:cNvPr id="3" name="Content Placeholder 2"/>
+          <p:cNvSpPr>
+            <a:spLocks noGrp="1"/>
+          </p:cNvSpPr>
+          <p:nvPr>
+            <p:ph idx="1"/>
+          </p:nvPr>
+        </p:nvSpPr>
+        <p:spPr>
+          <a:xfrm>
+            <a:off x="108610" y="1660566"/>
+            <a:ext cx="8922162" cy="3881251"/>
+          </a:xfrm>
+        </p:spPr>
+        <p:txBody>
+          <a:bodyPr/>
+          <a:lstStyle/>
+          <a:p>
+            <a:pPr>
+              <a:buClr>
+                <a:srgbClr val="FF0000"/>
+              </a:buClr>
+            </a:pPr>
+            <a:endParaRPr lang="tr-TR" dirty="0"/>
+          </a:p>
+          <a:p>
+            <a:pPr marL="342900" indent="-342900">
+              <a:buClr>
+                <a:srgbClr val="FF0000"/>
+              </a:buClr>
+              <a:buFont typeface="Arial" panose="020B0604020202020204" pitchFamily="34" charset="0"/>
+              <a:buChar char="•"/>
+            </a:pPr>
+            <a:r>
+              <a:rPr lang="tr-TR" dirty="0" err="1"/>
+              <a:t>Efficient</a:t>
+            </a:r>
+            <a:r>
+              <a:rPr lang="tr-TR" dirty="0"/>
+              <a:t> </a:t>
+            </a:r>
+            <a:r>
+              <a:rPr lang="tr-TR" dirty="0" err="1"/>
+              <a:t>road</a:t>
+            </a:r>
+            <a:r>
+              <a:rPr lang="tr-TR" dirty="0"/>
+              <a:t> </a:t>
+            </a:r>
+            <a:r>
+              <a:rPr lang="tr-TR" dirty="0" err="1"/>
+              <a:t>representation</a:t>
+            </a:r>
+            <a:endParaRPr lang="tr-TR" dirty="0"/>
+          </a:p>
+          <a:p>
+            <a:pPr marL="342900" indent="-342900">
+              <a:buClr>
+                <a:srgbClr val="FF0000"/>
+              </a:buClr>
+              <a:buFont typeface="Arial" panose="020B0604020202020204" pitchFamily="34" charset="0"/>
+              <a:buChar char="•"/>
+            </a:pPr>
+            <a:endParaRPr lang="tr-TR" dirty="0"/>
+          </a:p>
+          <a:p>
+            <a:pPr marL="342900" indent="-342900">
+              <a:buClr>
+                <a:srgbClr val="FF0000"/>
+              </a:buClr>
+              <a:buFont typeface="Arial" panose="020B0604020202020204" pitchFamily="34" charset="0"/>
+              <a:buChar char="•"/>
+            </a:pPr>
+            <a:r>
+              <a:rPr lang="tr-TR" dirty="0" err="1"/>
+              <a:t>Low</a:t>
+            </a:r>
+            <a:r>
+              <a:rPr lang="tr-TR" dirty="0"/>
+              <a:t> </a:t>
+            </a:r>
+            <a:r>
+              <a:rPr lang="tr-TR" dirty="0" err="1"/>
+              <a:t>memory</a:t>
+            </a:r>
+            <a:r>
+              <a:rPr lang="tr-TR" dirty="0"/>
+              <a:t> </a:t>
+            </a:r>
+            <a:r>
+              <a:rPr lang="tr-TR" dirty="0" err="1"/>
+              <a:t>usage</a:t>
+            </a:r>
+            <a:r>
+              <a:rPr lang="tr-TR" dirty="0"/>
+              <a:t> HD </a:t>
+            </a:r>
+            <a:r>
+              <a:rPr lang="tr-TR" dirty="0" err="1"/>
+              <a:t>map</a:t>
+            </a:r>
+            <a:endParaRPr lang="tr-TR" dirty="0"/>
+          </a:p>
+          <a:p>
+            <a:pPr marL="342900" indent="-342900">
+              <a:buClr>
+                <a:srgbClr val="FF0000"/>
+              </a:buClr>
+              <a:buFont typeface="Arial" panose="020B0604020202020204" pitchFamily="34" charset="0"/>
+              <a:buChar char="•"/>
+            </a:pPr>
+            <a:endParaRPr lang="tr-TR" dirty="0"/>
+          </a:p>
+          <a:p>
+            <a:pPr marL="342900" indent="-342900">
+              <a:buClr>
+                <a:srgbClr val="FF0000"/>
+              </a:buClr>
+              <a:buFont typeface="Arial" panose="020B0604020202020204" pitchFamily="34" charset="0"/>
+              <a:buChar char="•"/>
+            </a:pPr>
+            <a:r>
+              <a:rPr lang="tr-TR" dirty="0" err="1"/>
+              <a:t>Analytical</a:t>
+            </a:r>
+            <a:r>
+              <a:rPr lang="tr-TR" dirty="0"/>
+              <a:t> </a:t>
+            </a:r>
+            <a:r>
+              <a:rPr lang="tr-TR" dirty="0" err="1"/>
+              <a:t>method</a:t>
+            </a:r>
+            <a:r>
+              <a:rPr lang="tr-TR" dirty="0"/>
+              <a:t> </a:t>
+            </a:r>
+            <a:r>
+              <a:rPr lang="tr-TR" dirty="0" err="1"/>
+              <a:t>for</a:t>
+            </a:r>
+            <a:r>
+              <a:rPr lang="tr-TR" dirty="0"/>
+              <a:t> </a:t>
+            </a:r>
+            <a:r>
+              <a:rPr lang="tr-TR" dirty="0" err="1"/>
+              <a:t>trajectory</a:t>
+            </a:r>
+            <a:r>
+              <a:rPr lang="tr-TR" dirty="0"/>
+              <a:t> </a:t>
+            </a:r>
+            <a:r>
+              <a:rPr lang="tr-TR" dirty="0" err="1"/>
+              <a:t>planning</a:t>
+            </a:r>
+            <a:endParaRPr lang="tr-TR" dirty="0"/>
+          </a:p>
+          <a:p>
+            <a:pPr marL="342900" indent="-342900">
+              <a:buClr>
+                <a:srgbClr val="FF0000"/>
+              </a:buClr>
+              <a:buFont typeface="Arial" panose="020B0604020202020204" pitchFamily="34" charset="0"/>
+              <a:buChar char="•"/>
+            </a:pPr>
+            <a:endParaRPr lang="tr-TR" dirty="0"/>
+          </a:p>
+          <a:p>
+            <a:pPr marL="342900" indent="-342900">
+              <a:buClr>
+                <a:srgbClr val="FF0000"/>
+              </a:buClr>
+              <a:buFont typeface="Arial" panose="020B0604020202020204" pitchFamily="34" charset="0"/>
+              <a:buChar char="•"/>
+            </a:pPr>
+            <a:r>
+              <a:rPr lang="tr-TR" dirty="0" err="1"/>
+              <a:t>Improved</a:t>
+            </a:r>
+            <a:r>
+              <a:rPr lang="tr-TR" dirty="0"/>
+              <a:t> </a:t>
+            </a:r>
+            <a:r>
+              <a:rPr lang="tr-TR" dirty="0" err="1"/>
+              <a:t>computational</a:t>
+            </a:r>
+            <a:r>
+              <a:rPr lang="tr-TR" dirty="0"/>
+              <a:t> </a:t>
+            </a:r>
+            <a:r>
+              <a:rPr lang="tr-TR" dirty="0" err="1"/>
+              <a:t>efficiency</a:t>
+            </a:r>
+            <a:r>
+              <a:rPr lang="tr-TR" dirty="0"/>
+              <a:t> </a:t>
+            </a:r>
+            <a:r>
+              <a:rPr lang="tr-TR" dirty="0" err="1"/>
+              <a:t>for</a:t>
+            </a:r>
+            <a:r>
+              <a:rPr lang="tr-TR" dirty="0"/>
+              <a:t> </a:t>
+            </a:r>
+            <a:r>
+              <a:rPr lang="tr-TR" dirty="0" err="1"/>
+              <a:t>trajectory</a:t>
+            </a:r>
+            <a:r>
+              <a:rPr lang="tr-TR" dirty="0"/>
+              <a:t> </a:t>
+            </a:r>
+            <a:r>
+              <a:rPr lang="tr-TR" dirty="0" err="1"/>
+              <a:t>planning</a:t>
+            </a:r>
+            <a:endParaRPr lang="tr-TR" dirty="0"/>
+          </a:p>
+          <a:p>
+            <a:pPr marL="342900" indent="-342900">
+              <a:buClr>
+                <a:srgbClr val="FF0000"/>
+              </a:buClr>
+              <a:buFont typeface="Arial" panose="020B0604020202020204" pitchFamily="34" charset="0"/>
+              <a:buChar char="•"/>
+            </a:pPr>
+            <a:endParaRPr lang="tr-TR" dirty="0"/>
+          </a:p>
+          <a:p>
+            <a:pPr marL="342900" indent="-342900">
+              <a:buClr>
+                <a:srgbClr val="FF0000"/>
+              </a:buClr>
+              <a:buFont typeface="Arial" panose="020B0604020202020204" pitchFamily="34" charset="0"/>
+              <a:buChar char="•"/>
+            </a:pPr>
+            <a:endParaRPr lang="tr-TR" dirty="0"/>
+          </a:p>
+          <a:p>
+            <a:pPr>
+              <a:buClr>
+                <a:srgbClr val="FF0000"/>
+              </a:buClr>
+            </a:pPr>
+            <a:endParaRPr lang="tr-TR" dirty="0"/>
+          </a:p>
+        </p:txBody>
+      </p:sp>
+      <p:sp>
+        <p:nvSpPr>
+          <p:cNvPr id="4" name="Slide Number Placeholder 3"/>
+          <p:cNvSpPr>
+            <a:spLocks noGrp="1"/>
+          </p:cNvSpPr>
+          <p:nvPr>
+            <p:ph type="sldNum" sz="quarter" idx="12"/>
+          </p:nvPr>
+        </p:nvSpPr>
+        <p:spPr/>
+        <p:txBody>
+          <a:bodyPr/>
+          <a:lstStyle/>
+          <a:p>
+            <a:pPr>
+              <a:defRPr/>
+            </a:pPr>
+            <a:fld id="{C878F797-6006-4DDA-AFE9-456F280FE6C5}" type="slidenum">
+              <a:rPr lang="en-US" smtClean="0"/>
+              <a:pPr>
+                <a:defRPr/>
+              </a:pPr>
+              <a:t>26</a:t>
+            </a:fld>
+            <a:endParaRPr lang="en-US" dirty="0"/>
+          </a:p>
+        </p:txBody>
+      </p:sp>
+      <p:sp>
+        <p:nvSpPr>
+          <p:cNvPr id="5" name="Date Placeholder 4"/>
+          <p:cNvSpPr>
+            <a:spLocks noGrp="1"/>
+          </p:cNvSpPr>
+          <p:nvPr>
+            <p:ph type="dt" sz="half" idx="2"/>
+          </p:nvPr>
+        </p:nvSpPr>
+        <p:spPr/>
+        <p:txBody>
+          <a:bodyPr/>
+          <a:lstStyle/>
+          <a:p>
+            <a:pPr>
+              <a:defRPr/>
+            </a:pPr>
+            <a:r>
+              <a:rPr lang="tr-TR" dirty="0"/>
+              <a:t>METU Electrical &amp; Electronics Engineering Department</a:t>
+            </a:r>
+            <a:endParaRPr lang="en-US" dirty="0"/>
+          </a:p>
+        </p:txBody>
+      </p:sp>
+    </p:spTree>
+    <p:extLst>
+      <p:ext uri="{BB962C8B-B14F-4D97-AF65-F5344CB8AC3E}">
+        <p14:creationId xmlns:p14="http://schemas.microsoft.com/office/powerpoint/2010/main" val="256137766"/>
       </p:ext>
     </p:extLst>
   </p:cSld>
